--- a/2024-10-12 Devnot Summit 2024/ModularMonolithIntegrationPatterns.pptx
+++ b/2024-10-12 Devnot Summit 2024/ModularMonolithIntegrationPatterns.pptx
@@ -9,44 +9,37 @@
   </p:notesMasterIdLst>
   <p:sldIdLst>
     <p:sldId id="256" r:id="rId2"/>
-    <p:sldId id="259" r:id="rId3"/>
-    <p:sldId id="260" r:id="rId4"/>
-    <p:sldId id="261" r:id="rId5"/>
-    <p:sldId id="262" r:id="rId6"/>
-    <p:sldId id="263" r:id="rId7"/>
-    <p:sldId id="264" r:id="rId8"/>
-    <p:sldId id="265" r:id="rId9"/>
-    <p:sldId id="266" r:id="rId10"/>
+    <p:sldId id="257" r:id="rId3"/>
+    <p:sldId id="259" r:id="rId4"/>
+    <p:sldId id="260" r:id="rId5"/>
+    <p:sldId id="261" r:id="rId6"/>
+    <p:sldId id="262" r:id="rId7"/>
+    <p:sldId id="263" r:id="rId8"/>
+    <p:sldId id="264" r:id="rId9"/>
+    <p:sldId id="265" r:id="rId10"/>
     <p:sldId id="258" r:id="rId11"/>
   </p:sldIdLst>
   <p:sldSz cx="9144000" cy="5143500" type="screen16x9"/>
   <p:notesSz cx="6858000" cy="9144000"/>
   <p:embeddedFontLst>
     <p:embeddedFont>
-      <p:font typeface="Euclid Circular B" panose="020B0504000000000000" pitchFamily="34" charset="-94"/>
+      <p:font typeface="Lexend" pitchFamily="2" charset="-94"/>
       <p:regular r:id="rId13"/>
       <p:bold r:id="rId14"/>
-      <p:italic r:id="rId15"/>
-      <p:boldItalic r:id="rId16"/>
-    </p:embeddedFont>
-    <p:embeddedFont>
-      <p:font typeface="Lexend" pitchFamily="2" charset="-94"/>
-      <p:regular r:id="rId17"/>
-      <p:bold r:id="rId18"/>
     </p:embeddedFont>
     <p:embeddedFont>
       <p:font typeface="Poppins" panose="00000500000000000000" pitchFamily="2" charset="-94"/>
+      <p:regular r:id="rId15"/>
+      <p:bold r:id="rId16"/>
+      <p:italic r:id="rId17"/>
+      <p:boldItalic r:id="rId18"/>
+    </p:embeddedFont>
+    <p:embeddedFont>
+      <p:font typeface="Poppins Medium" panose="00000600000000000000" pitchFamily="2" charset="-94"/>
       <p:regular r:id="rId19"/>
       <p:bold r:id="rId20"/>
       <p:italic r:id="rId21"/>
       <p:boldItalic r:id="rId22"/>
-    </p:embeddedFont>
-    <p:embeddedFont>
-      <p:font typeface="Poppins Medium" panose="00000600000000000000" pitchFamily="2" charset="-94"/>
-      <p:regular r:id="rId23"/>
-      <p:bold r:id="rId24"/>
-      <p:italic r:id="rId25"/>
-      <p:boldItalic r:id="rId26"/>
     </p:embeddedFont>
   </p:embeddedFontLst>
   <p:defaultTextStyle>
@@ -294,7 +287,7 @@
       </p15:sldGuideLst>
     </p:ext>
     <p:ext uri="GoogleSlidesCustomDataVersion2">
-      <go:slidesCustomData xmlns:go="http://customooxmlschemas.google.com/" xmlns:ahyp="http://schemas.microsoft.com/office/drawing/2018/hyperlinkcolor" xmlns:p15="http://schemas.microsoft.com/office/powerpoint/2012/main" xmlns:p14="http://schemas.microsoft.com/office/powerpoint/2010/main" xmlns:com="http://schemas.openxmlformats.org/drawingml/2006/compatibility" xmlns:pvml="urn:schemas-microsoft-com:office:powerpoint" xmlns:v="urn:schemas-microsoft-com:vml" xmlns:o="urn:schemas-microsoft-com:office:office" xmlns:dgm="http://schemas.openxmlformats.org/drawingml/2006/diagram" xmlns:c="http://schemas.openxmlformats.org/drawingml/2006/chart" xmlns:mv="urn:schemas-microsoft-com:mac:vml" xmlns:mc="http://schemas.openxmlformats.org/markup-compatibility/2006" xmlns="" r:id="rId27" roundtripDataSignature="AMtx7miCWbS/N0YZViouV+f5pQXibB3vzQ=="/>
+      <go:slidesCustomData xmlns="" xmlns:mc="http://schemas.openxmlformats.org/markup-compatibility/2006" xmlns:mv="urn:schemas-microsoft-com:mac:vml" xmlns:c="http://schemas.openxmlformats.org/drawingml/2006/chart" xmlns:dgm="http://schemas.openxmlformats.org/drawingml/2006/diagram" xmlns:o="urn:schemas-microsoft-com:office:office" xmlns:v="urn:schemas-microsoft-com:vml" xmlns:pvml="urn:schemas-microsoft-com:office:powerpoint" xmlns:com="http://schemas.openxmlformats.org/drawingml/2006/compatibility" xmlns:p14="http://schemas.microsoft.com/office/powerpoint/2010/main" xmlns:p15="http://schemas.microsoft.com/office/powerpoint/2012/main" xmlns:ahyp="http://schemas.microsoft.com/office/drawing/2018/hyperlinkcolor" xmlns:go="http://customooxmlschemas.google.com/" r:id="rId23" roundtripDataSignature="AMtx7mgxsD15ndTQVU9gw8iMs1NA3bZRVg=="/>
     </p:ext>
   </p:extLst>
 </p:presentation>
@@ -998,12 +991,12 @@
 </p:notes>
 </file>
 
-<file path=ppt/notesSlides/notesSlide2.xml><?xml version="1.0" encoding="utf-8"?>
+<file path=ppt/notesSlides/notesSlide10.xml><?xml version="1.0" encoding="utf-8"?>
 <p:notes xmlns:a="http://schemas.openxmlformats.org/drawingml/2006/main" xmlns:r="http://schemas.openxmlformats.org/officeDocument/2006/relationships" xmlns:p="http://schemas.openxmlformats.org/presentationml/2006/main" showMasterSp="0" showMasterPhAnim="0">
   <p:cSld>
     <p:spTree>
       <p:nvGrpSpPr>
-        <p:cNvPr id="1" name="Shape 68"/>
+        <p:cNvPr id="1" name="Shape 69"/>
         <p:cNvGrpSpPr/>
         <p:nvPr/>
       </p:nvGrpSpPr>
@@ -1017,7 +1010,7 @@
       </p:grpSpPr>
       <p:sp>
         <p:nvSpPr>
-          <p:cNvPr id="69" name="Google Shape;69;p3:notes"/>
+          <p:cNvPr id="70" name="Google Shape;70;p3:notes"/>
           <p:cNvSpPr>
             <a:spLocks noGrp="1" noRot="1" noChangeAspect="1"/>
           </p:cNvSpPr>
@@ -1027,7 +1020,7 @@
         </p:nvSpPr>
         <p:spPr>
           <a:xfrm>
-            <a:off x="381300" y="685800"/>
+            <a:off x="381000" y="685800"/>
             <a:ext cx="6096000" cy="3429000"/>
           </a:xfrm>
           <a:custGeom>
@@ -1068,7 +1061,7 @@
       </p:sp>
       <p:sp>
         <p:nvSpPr>
-          <p:cNvPr id="70" name="Google Shape;70;p3:notes"/>
+          <p:cNvPr id="71" name="Google Shape;71;p3:notes"/>
           <p:cNvSpPr txBox="1">
             <a:spLocks noGrp="1"/>
           </p:cNvSpPr>
@@ -1113,6 +1106,1017 @@
         </p:txBody>
       </p:sp>
     </p:spTree>
+  </p:cSld>
+  <p:clrMapOvr>
+    <a:masterClrMapping/>
+  </p:clrMapOvr>
+</p:notes>
+</file>
+
+<file path=ppt/notesSlides/notesSlide2.xml><?xml version="1.0" encoding="utf-8"?>
+<p:notes xmlns:a="http://schemas.openxmlformats.org/drawingml/2006/main" xmlns:r="http://schemas.openxmlformats.org/officeDocument/2006/relationships" xmlns:p="http://schemas.openxmlformats.org/presentationml/2006/main" showMasterSp="0" showMasterPhAnim="0">
+  <p:cSld>
+    <p:spTree>
+      <p:nvGrpSpPr>
+        <p:cNvPr id="1" name="Shape 63"/>
+        <p:cNvGrpSpPr/>
+        <p:nvPr/>
+      </p:nvGrpSpPr>
+      <p:grpSpPr>
+        <a:xfrm>
+          <a:off x="0" y="0"/>
+          <a:ext cx="0" cy="0"/>
+          <a:chOff x="0" y="0"/>
+          <a:chExt cx="0" cy="0"/>
+        </a:xfrm>
+      </p:grpSpPr>
+      <p:sp>
+        <p:nvSpPr>
+          <p:cNvPr id="64" name="Google Shape;64;p2:notes"/>
+          <p:cNvSpPr>
+            <a:spLocks noGrp="1" noRot="1" noChangeAspect="1"/>
+          </p:cNvSpPr>
+          <p:nvPr>
+            <p:ph type="sldImg" idx="2"/>
+          </p:nvPr>
+        </p:nvSpPr>
+        <p:spPr>
+          <a:xfrm>
+            <a:off x="381000" y="685800"/>
+            <a:ext cx="6096000" cy="3429000"/>
+          </a:xfrm>
+          <a:custGeom>
+            <a:avLst/>
+            <a:gdLst/>
+            <a:ahLst/>
+            <a:cxnLst/>
+            <a:rect l="l" t="t" r="r" b="b"/>
+            <a:pathLst>
+              <a:path w="120000" h="120000" extrusionOk="0">
+                <a:moveTo>
+                  <a:pt x="0" y="0"/>
+                </a:moveTo>
+                <a:lnTo>
+                  <a:pt x="120000" y="0"/>
+                </a:lnTo>
+                <a:lnTo>
+                  <a:pt x="120000" y="120000"/>
+                </a:lnTo>
+                <a:lnTo>
+                  <a:pt x="0" y="120000"/>
+                </a:lnTo>
+                <a:close/>
+              </a:path>
+            </a:pathLst>
+          </a:custGeom>
+          <a:noFill/>
+          <a:ln w="9525" cap="flat" cmpd="sng">
+            <a:solidFill>
+              <a:srgbClr val="000000"/>
+            </a:solidFill>
+            <a:prstDash val="solid"/>
+            <a:round/>
+            <a:headEnd type="none" w="sm" len="sm"/>
+            <a:tailEnd type="none" w="sm" len="sm"/>
+          </a:ln>
+        </p:spPr>
+      </p:sp>
+      <p:sp>
+        <p:nvSpPr>
+          <p:cNvPr id="65" name="Google Shape;65;p2:notes"/>
+          <p:cNvSpPr txBox="1">
+            <a:spLocks noGrp="1"/>
+          </p:cNvSpPr>
+          <p:nvPr>
+            <p:ph type="body" idx="1"/>
+          </p:nvPr>
+        </p:nvSpPr>
+        <p:spPr>
+          <a:xfrm>
+            <a:off x="685800" y="4343400"/>
+            <a:ext cx="5486400" cy="4114800"/>
+          </a:xfrm>
+          <a:prstGeom prst="rect">
+            <a:avLst/>
+          </a:prstGeom>
+          <a:noFill/>
+          <a:ln>
+            <a:noFill/>
+          </a:ln>
+        </p:spPr>
+        <p:txBody>
+          <a:bodyPr spcFirstLastPara="1" wrap="square" lIns="91425" tIns="91425" rIns="91425" bIns="91425" anchor="t" anchorCtr="0">
+            <a:noAutofit/>
+          </a:bodyPr>
+          <a:lstStyle/>
+          <a:p>
+            <a:pPr marL="0" lvl="0" indent="0" algn="l" rtl="0">
+              <a:lnSpc>
+                <a:spcPct val="100000"/>
+              </a:lnSpc>
+              <a:spcBef>
+                <a:spcPts val="0"/>
+              </a:spcBef>
+              <a:spcAft>
+                <a:spcPts val="0"/>
+              </a:spcAft>
+              <a:buSzPts val="1100"/>
+              <a:buNone/>
+            </a:pPr>
+            <a:endParaRPr/>
+          </a:p>
+        </p:txBody>
+      </p:sp>
+    </p:spTree>
+  </p:cSld>
+  <p:clrMapOvr>
+    <a:masterClrMapping/>
+  </p:clrMapOvr>
+</p:notes>
+</file>
+
+<file path=ppt/notesSlides/notesSlide3.xml><?xml version="1.0" encoding="utf-8"?>
+<p:notes xmlns:a="http://schemas.openxmlformats.org/drawingml/2006/main" xmlns:r="http://schemas.openxmlformats.org/officeDocument/2006/relationships" xmlns:p="http://schemas.openxmlformats.org/presentationml/2006/main" showMasterSp="0" showMasterPhAnim="0">
+  <p:cSld>
+    <p:spTree>
+      <p:nvGrpSpPr>
+        <p:cNvPr id="1" name="Shape 63"/>
+        <p:cNvGrpSpPr/>
+        <p:nvPr/>
+      </p:nvGrpSpPr>
+      <p:grpSpPr>
+        <a:xfrm>
+          <a:off x="0" y="0"/>
+          <a:ext cx="0" cy="0"/>
+          <a:chOff x="0" y="0"/>
+          <a:chExt cx="0" cy="0"/>
+        </a:xfrm>
+      </p:grpSpPr>
+      <p:sp>
+        <p:nvSpPr>
+          <p:cNvPr id="64" name="Google Shape;64;p2:notes"/>
+          <p:cNvSpPr>
+            <a:spLocks noGrp="1" noRot="1" noChangeAspect="1"/>
+          </p:cNvSpPr>
+          <p:nvPr>
+            <p:ph type="sldImg" idx="2"/>
+          </p:nvPr>
+        </p:nvSpPr>
+        <p:spPr>
+          <a:xfrm>
+            <a:off x="381000" y="685800"/>
+            <a:ext cx="6096000" cy="3429000"/>
+          </a:xfrm>
+          <a:custGeom>
+            <a:avLst/>
+            <a:gdLst/>
+            <a:ahLst/>
+            <a:cxnLst/>
+            <a:rect l="l" t="t" r="r" b="b"/>
+            <a:pathLst>
+              <a:path w="120000" h="120000" extrusionOk="0">
+                <a:moveTo>
+                  <a:pt x="0" y="0"/>
+                </a:moveTo>
+                <a:lnTo>
+                  <a:pt x="120000" y="0"/>
+                </a:lnTo>
+                <a:lnTo>
+                  <a:pt x="120000" y="120000"/>
+                </a:lnTo>
+                <a:lnTo>
+                  <a:pt x="0" y="120000"/>
+                </a:lnTo>
+                <a:close/>
+              </a:path>
+            </a:pathLst>
+          </a:custGeom>
+          <a:noFill/>
+          <a:ln w="9525" cap="flat" cmpd="sng">
+            <a:solidFill>
+              <a:srgbClr val="000000"/>
+            </a:solidFill>
+            <a:prstDash val="solid"/>
+            <a:round/>
+            <a:headEnd type="none" w="sm" len="sm"/>
+            <a:tailEnd type="none" w="sm" len="sm"/>
+          </a:ln>
+        </p:spPr>
+      </p:sp>
+      <p:sp>
+        <p:nvSpPr>
+          <p:cNvPr id="65" name="Google Shape;65;p2:notes"/>
+          <p:cNvSpPr txBox="1">
+            <a:spLocks noGrp="1"/>
+          </p:cNvSpPr>
+          <p:nvPr>
+            <p:ph type="body" idx="1"/>
+          </p:nvPr>
+        </p:nvSpPr>
+        <p:spPr>
+          <a:xfrm>
+            <a:off x="685800" y="4343400"/>
+            <a:ext cx="5486400" cy="4114800"/>
+          </a:xfrm>
+          <a:prstGeom prst="rect">
+            <a:avLst/>
+          </a:prstGeom>
+          <a:noFill/>
+          <a:ln>
+            <a:noFill/>
+          </a:ln>
+        </p:spPr>
+        <p:txBody>
+          <a:bodyPr spcFirstLastPara="1" wrap="square" lIns="91425" tIns="91425" rIns="91425" bIns="91425" anchor="t" anchorCtr="0">
+            <a:noAutofit/>
+          </a:bodyPr>
+          <a:lstStyle/>
+          <a:p>
+            <a:pPr marL="0" lvl="0" indent="0" algn="l" rtl="0">
+              <a:lnSpc>
+                <a:spcPct val="100000"/>
+              </a:lnSpc>
+              <a:spcBef>
+                <a:spcPts val="0"/>
+              </a:spcBef>
+              <a:spcAft>
+                <a:spcPts val="0"/>
+              </a:spcAft>
+              <a:buSzPts val="1100"/>
+              <a:buNone/>
+            </a:pPr>
+            <a:endParaRPr/>
+          </a:p>
+        </p:txBody>
+      </p:sp>
+    </p:spTree>
+    <p:extLst>
+      <p:ext uri="{BB962C8B-B14F-4D97-AF65-F5344CB8AC3E}">
+        <p14:creationId xmlns:p14="http://schemas.microsoft.com/office/powerpoint/2010/main" val="250691091"/>
+      </p:ext>
+    </p:extLst>
+  </p:cSld>
+  <p:clrMapOvr>
+    <a:masterClrMapping/>
+  </p:clrMapOvr>
+</p:notes>
+</file>
+
+<file path=ppt/notesSlides/notesSlide4.xml><?xml version="1.0" encoding="utf-8"?>
+<p:notes xmlns:a="http://schemas.openxmlformats.org/drawingml/2006/main" xmlns:r="http://schemas.openxmlformats.org/officeDocument/2006/relationships" xmlns:p="http://schemas.openxmlformats.org/presentationml/2006/main" showMasterSp="0" showMasterPhAnim="0">
+  <p:cSld>
+    <p:spTree>
+      <p:nvGrpSpPr>
+        <p:cNvPr id="1" name="Shape 63"/>
+        <p:cNvGrpSpPr/>
+        <p:nvPr/>
+      </p:nvGrpSpPr>
+      <p:grpSpPr>
+        <a:xfrm>
+          <a:off x="0" y="0"/>
+          <a:ext cx="0" cy="0"/>
+          <a:chOff x="0" y="0"/>
+          <a:chExt cx="0" cy="0"/>
+        </a:xfrm>
+      </p:grpSpPr>
+      <p:sp>
+        <p:nvSpPr>
+          <p:cNvPr id="64" name="Google Shape;64;p2:notes"/>
+          <p:cNvSpPr>
+            <a:spLocks noGrp="1" noRot="1" noChangeAspect="1"/>
+          </p:cNvSpPr>
+          <p:nvPr>
+            <p:ph type="sldImg" idx="2"/>
+          </p:nvPr>
+        </p:nvSpPr>
+        <p:spPr>
+          <a:xfrm>
+            <a:off x="381000" y="685800"/>
+            <a:ext cx="6096000" cy="3429000"/>
+          </a:xfrm>
+          <a:custGeom>
+            <a:avLst/>
+            <a:gdLst/>
+            <a:ahLst/>
+            <a:cxnLst/>
+            <a:rect l="l" t="t" r="r" b="b"/>
+            <a:pathLst>
+              <a:path w="120000" h="120000" extrusionOk="0">
+                <a:moveTo>
+                  <a:pt x="0" y="0"/>
+                </a:moveTo>
+                <a:lnTo>
+                  <a:pt x="120000" y="0"/>
+                </a:lnTo>
+                <a:lnTo>
+                  <a:pt x="120000" y="120000"/>
+                </a:lnTo>
+                <a:lnTo>
+                  <a:pt x="0" y="120000"/>
+                </a:lnTo>
+                <a:close/>
+              </a:path>
+            </a:pathLst>
+          </a:custGeom>
+          <a:noFill/>
+          <a:ln w="9525" cap="flat" cmpd="sng">
+            <a:solidFill>
+              <a:srgbClr val="000000"/>
+            </a:solidFill>
+            <a:prstDash val="solid"/>
+            <a:round/>
+            <a:headEnd type="none" w="sm" len="sm"/>
+            <a:tailEnd type="none" w="sm" len="sm"/>
+          </a:ln>
+        </p:spPr>
+      </p:sp>
+      <p:sp>
+        <p:nvSpPr>
+          <p:cNvPr id="65" name="Google Shape;65;p2:notes"/>
+          <p:cNvSpPr txBox="1">
+            <a:spLocks noGrp="1"/>
+          </p:cNvSpPr>
+          <p:nvPr>
+            <p:ph type="body" idx="1"/>
+          </p:nvPr>
+        </p:nvSpPr>
+        <p:spPr>
+          <a:xfrm>
+            <a:off x="685800" y="4343400"/>
+            <a:ext cx="5486400" cy="4114800"/>
+          </a:xfrm>
+          <a:prstGeom prst="rect">
+            <a:avLst/>
+          </a:prstGeom>
+          <a:noFill/>
+          <a:ln>
+            <a:noFill/>
+          </a:ln>
+        </p:spPr>
+        <p:txBody>
+          <a:bodyPr spcFirstLastPara="1" wrap="square" lIns="91425" tIns="91425" rIns="91425" bIns="91425" anchor="t" anchorCtr="0">
+            <a:noAutofit/>
+          </a:bodyPr>
+          <a:lstStyle/>
+          <a:p>
+            <a:pPr marL="0" lvl="0" indent="0" algn="l" rtl="0">
+              <a:lnSpc>
+                <a:spcPct val="100000"/>
+              </a:lnSpc>
+              <a:spcBef>
+                <a:spcPts val="0"/>
+              </a:spcBef>
+              <a:spcAft>
+                <a:spcPts val="0"/>
+              </a:spcAft>
+              <a:buSzPts val="1100"/>
+              <a:buNone/>
+            </a:pPr>
+            <a:endParaRPr/>
+          </a:p>
+        </p:txBody>
+      </p:sp>
+    </p:spTree>
+    <p:extLst>
+      <p:ext uri="{BB962C8B-B14F-4D97-AF65-F5344CB8AC3E}">
+        <p14:creationId xmlns:p14="http://schemas.microsoft.com/office/powerpoint/2010/main" val="1157610919"/>
+      </p:ext>
+    </p:extLst>
+  </p:cSld>
+  <p:clrMapOvr>
+    <a:masterClrMapping/>
+  </p:clrMapOvr>
+</p:notes>
+</file>
+
+<file path=ppt/notesSlides/notesSlide5.xml><?xml version="1.0" encoding="utf-8"?>
+<p:notes xmlns:a="http://schemas.openxmlformats.org/drawingml/2006/main" xmlns:r="http://schemas.openxmlformats.org/officeDocument/2006/relationships" xmlns:p="http://schemas.openxmlformats.org/presentationml/2006/main" showMasterSp="0" showMasterPhAnim="0">
+  <p:cSld>
+    <p:spTree>
+      <p:nvGrpSpPr>
+        <p:cNvPr id="1" name="Shape 63"/>
+        <p:cNvGrpSpPr/>
+        <p:nvPr/>
+      </p:nvGrpSpPr>
+      <p:grpSpPr>
+        <a:xfrm>
+          <a:off x="0" y="0"/>
+          <a:ext cx="0" cy="0"/>
+          <a:chOff x="0" y="0"/>
+          <a:chExt cx="0" cy="0"/>
+        </a:xfrm>
+      </p:grpSpPr>
+      <p:sp>
+        <p:nvSpPr>
+          <p:cNvPr id="64" name="Google Shape;64;p2:notes"/>
+          <p:cNvSpPr>
+            <a:spLocks noGrp="1" noRot="1" noChangeAspect="1"/>
+          </p:cNvSpPr>
+          <p:nvPr>
+            <p:ph type="sldImg" idx="2"/>
+          </p:nvPr>
+        </p:nvSpPr>
+        <p:spPr>
+          <a:xfrm>
+            <a:off x="381000" y="685800"/>
+            <a:ext cx="6096000" cy="3429000"/>
+          </a:xfrm>
+          <a:custGeom>
+            <a:avLst/>
+            <a:gdLst/>
+            <a:ahLst/>
+            <a:cxnLst/>
+            <a:rect l="l" t="t" r="r" b="b"/>
+            <a:pathLst>
+              <a:path w="120000" h="120000" extrusionOk="0">
+                <a:moveTo>
+                  <a:pt x="0" y="0"/>
+                </a:moveTo>
+                <a:lnTo>
+                  <a:pt x="120000" y="0"/>
+                </a:lnTo>
+                <a:lnTo>
+                  <a:pt x="120000" y="120000"/>
+                </a:lnTo>
+                <a:lnTo>
+                  <a:pt x="0" y="120000"/>
+                </a:lnTo>
+                <a:close/>
+              </a:path>
+            </a:pathLst>
+          </a:custGeom>
+          <a:noFill/>
+          <a:ln w="9525" cap="flat" cmpd="sng">
+            <a:solidFill>
+              <a:srgbClr val="000000"/>
+            </a:solidFill>
+            <a:prstDash val="solid"/>
+            <a:round/>
+            <a:headEnd type="none" w="sm" len="sm"/>
+            <a:tailEnd type="none" w="sm" len="sm"/>
+          </a:ln>
+        </p:spPr>
+      </p:sp>
+      <p:sp>
+        <p:nvSpPr>
+          <p:cNvPr id="65" name="Google Shape;65;p2:notes"/>
+          <p:cNvSpPr txBox="1">
+            <a:spLocks noGrp="1"/>
+          </p:cNvSpPr>
+          <p:nvPr>
+            <p:ph type="body" idx="1"/>
+          </p:nvPr>
+        </p:nvSpPr>
+        <p:spPr>
+          <a:xfrm>
+            <a:off x="685800" y="4343400"/>
+            <a:ext cx="5486400" cy="4114800"/>
+          </a:xfrm>
+          <a:prstGeom prst="rect">
+            <a:avLst/>
+          </a:prstGeom>
+          <a:noFill/>
+          <a:ln>
+            <a:noFill/>
+          </a:ln>
+        </p:spPr>
+        <p:txBody>
+          <a:bodyPr spcFirstLastPara="1" wrap="square" lIns="91425" tIns="91425" rIns="91425" bIns="91425" anchor="t" anchorCtr="0">
+            <a:noAutofit/>
+          </a:bodyPr>
+          <a:lstStyle/>
+          <a:p>
+            <a:pPr marL="0" lvl="0" indent="0" algn="l" rtl="0">
+              <a:lnSpc>
+                <a:spcPct val="100000"/>
+              </a:lnSpc>
+              <a:spcBef>
+                <a:spcPts val="0"/>
+              </a:spcBef>
+              <a:spcAft>
+                <a:spcPts val="0"/>
+              </a:spcAft>
+              <a:buSzPts val="1100"/>
+              <a:buNone/>
+            </a:pPr>
+            <a:endParaRPr/>
+          </a:p>
+        </p:txBody>
+      </p:sp>
+    </p:spTree>
+    <p:extLst>
+      <p:ext uri="{BB962C8B-B14F-4D97-AF65-F5344CB8AC3E}">
+        <p14:creationId xmlns:p14="http://schemas.microsoft.com/office/powerpoint/2010/main" val="118001750"/>
+      </p:ext>
+    </p:extLst>
+  </p:cSld>
+  <p:clrMapOvr>
+    <a:masterClrMapping/>
+  </p:clrMapOvr>
+</p:notes>
+</file>
+
+<file path=ppt/notesSlides/notesSlide6.xml><?xml version="1.0" encoding="utf-8"?>
+<p:notes xmlns:a="http://schemas.openxmlformats.org/drawingml/2006/main" xmlns:r="http://schemas.openxmlformats.org/officeDocument/2006/relationships" xmlns:p="http://schemas.openxmlformats.org/presentationml/2006/main" showMasterSp="0" showMasterPhAnim="0">
+  <p:cSld>
+    <p:spTree>
+      <p:nvGrpSpPr>
+        <p:cNvPr id="1" name="Shape 63"/>
+        <p:cNvGrpSpPr/>
+        <p:nvPr/>
+      </p:nvGrpSpPr>
+      <p:grpSpPr>
+        <a:xfrm>
+          <a:off x="0" y="0"/>
+          <a:ext cx="0" cy="0"/>
+          <a:chOff x="0" y="0"/>
+          <a:chExt cx="0" cy="0"/>
+        </a:xfrm>
+      </p:grpSpPr>
+      <p:sp>
+        <p:nvSpPr>
+          <p:cNvPr id="64" name="Google Shape;64;p2:notes"/>
+          <p:cNvSpPr>
+            <a:spLocks noGrp="1" noRot="1" noChangeAspect="1"/>
+          </p:cNvSpPr>
+          <p:nvPr>
+            <p:ph type="sldImg" idx="2"/>
+          </p:nvPr>
+        </p:nvSpPr>
+        <p:spPr>
+          <a:xfrm>
+            <a:off x="381000" y="685800"/>
+            <a:ext cx="6096000" cy="3429000"/>
+          </a:xfrm>
+          <a:custGeom>
+            <a:avLst/>
+            <a:gdLst/>
+            <a:ahLst/>
+            <a:cxnLst/>
+            <a:rect l="l" t="t" r="r" b="b"/>
+            <a:pathLst>
+              <a:path w="120000" h="120000" extrusionOk="0">
+                <a:moveTo>
+                  <a:pt x="0" y="0"/>
+                </a:moveTo>
+                <a:lnTo>
+                  <a:pt x="120000" y="0"/>
+                </a:lnTo>
+                <a:lnTo>
+                  <a:pt x="120000" y="120000"/>
+                </a:lnTo>
+                <a:lnTo>
+                  <a:pt x="0" y="120000"/>
+                </a:lnTo>
+                <a:close/>
+              </a:path>
+            </a:pathLst>
+          </a:custGeom>
+          <a:noFill/>
+          <a:ln w="9525" cap="flat" cmpd="sng">
+            <a:solidFill>
+              <a:srgbClr val="000000"/>
+            </a:solidFill>
+            <a:prstDash val="solid"/>
+            <a:round/>
+            <a:headEnd type="none" w="sm" len="sm"/>
+            <a:tailEnd type="none" w="sm" len="sm"/>
+          </a:ln>
+        </p:spPr>
+      </p:sp>
+      <p:sp>
+        <p:nvSpPr>
+          <p:cNvPr id="65" name="Google Shape;65;p2:notes"/>
+          <p:cNvSpPr txBox="1">
+            <a:spLocks noGrp="1"/>
+          </p:cNvSpPr>
+          <p:nvPr>
+            <p:ph type="body" idx="1"/>
+          </p:nvPr>
+        </p:nvSpPr>
+        <p:spPr>
+          <a:xfrm>
+            <a:off x="685800" y="4343400"/>
+            <a:ext cx="5486400" cy="4114800"/>
+          </a:xfrm>
+          <a:prstGeom prst="rect">
+            <a:avLst/>
+          </a:prstGeom>
+          <a:noFill/>
+          <a:ln>
+            <a:noFill/>
+          </a:ln>
+        </p:spPr>
+        <p:txBody>
+          <a:bodyPr spcFirstLastPara="1" wrap="square" lIns="91425" tIns="91425" rIns="91425" bIns="91425" anchor="t" anchorCtr="0">
+            <a:noAutofit/>
+          </a:bodyPr>
+          <a:lstStyle/>
+          <a:p>
+            <a:pPr marL="0" lvl="0" indent="0" algn="l" rtl="0">
+              <a:lnSpc>
+                <a:spcPct val="100000"/>
+              </a:lnSpc>
+              <a:spcBef>
+                <a:spcPts val="0"/>
+              </a:spcBef>
+              <a:spcAft>
+                <a:spcPts val="0"/>
+              </a:spcAft>
+              <a:buSzPts val="1100"/>
+              <a:buNone/>
+            </a:pPr>
+            <a:endParaRPr/>
+          </a:p>
+        </p:txBody>
+      </p:sp>
+    </p:spTree>
+    <p:extLst>
+      <p:ext uri="{BB962C8B-B14F-4D97-AF65-F5344CB8AC3E}">
+        <p14:creationId xmlns:p14="http://schemas.microsoft.com/office/powerpoint/2010/main" val="753651938"/>
+      </p:ext>
+    </p:extLst>
+  </p:cSld>
+  <p:clrMapOvr>
+    <a:masterClrMapping/>
+  </p:clrMapOvr>
+</p:notes>
+</file>
+
+<file path=ppt/notesSlides/notesSlide7.xml><?xml version="1.0" encoding="utf-8"?>
+<p:notes xmlns:a="http://schemas.openxmlformats.org/drawingml/2006/main" xmlns:r="http://schemas.openxmlformats.org/officeDocument/2006/relationships" xmlns:p="http://schemas.openxmlformats.org/presentationml/2006/main" showMasterSp="0" showMasterPhAnim="0">
+  <p:cSld>
+    <p:spTree>
+      <p:nvGrpSpPr>
+        <p:cNvPr id="1" name="Shape 63"/>
+        <p:cNvGrpSpPr/>
+        <p:nvPr/>
+      </p:nvGrpSpPr>
+      <p:grpSpPr>
+        <a:xfrm>
+          <a:off x="0" y="0"/>
+          <a:ext cx="0" cy="0"/>
+          <a:chOff x="0" y="0"/>
+          <a:chExt cx="0" cy="0"/>
+        </a:xfrm>
+      </p:grpSpPr>
+      <p:sp>
+        <p:nvSpPr>
+          <p:cNvPr id="64" name="Google Shape;64;p2:notes"/>
+          <p:cNvSpPr>
+            <a:spLocks noGrp="1" noRot="1" noChangeAspect="1"/>
+          </p:cNvSpPr>
+          <p:nvPr>
+            <p:ph type="sldImg" idx="2"/>
+          </p:nvPr>
+        </p:nvSpPr>
+        <p:spPr>
+          <a:xfrm>
+            <a:off x="381000" y="685800"/>
+            <a:ext cx="6096000" cy="3429000"/>
+          </a:xfrm>
+          <a:custGeom>
+            <a:avLst/>
+            <a:gdLst/>
+            <a:ahLst/>
+            <a:cxnLst/>
+            <a:rect l="l" t="t" r="r" b="b"/>
+            <a:pathLst>
+              <a:path w="120000" h="120000" extrusionOk="0">
+                <a:moveTo>
+                  <a:pt x="0" y="0"/>
+                </a:moveTo>
+                <a:lnTo>
+                  <a:pt x="120000" y="0"/>
+                </a:lnTo>
+                <a:lnTo>
+                  <a:pt x="120000" y="120000"/>
+                </a:lnTo>
+                <a:lnTo>
+                  <a:pt x="0" y="120000"/>
+                </a:lnTo>
+                <a:close/>
+              </a:path>
+            </a:pathLst>
+          </a:custGeom>
+          <a:noFill/>
+          <a:ln w="9525" cap="flat" cmpd="sng">
+            <a:solidFill>
+              <a:srgbClr val="000000"/>
+            </a:solidFill>
+            <a:prstDash val="solid"/>
+            <a:round/>
+            <a:headEnd type="none" w="sm" len="sm"/>
+            <a:tailEnd type="none" w="sm" len="sm"/>
+          </a:ln>
+        </p:spPr>
+      </p:sp>
+      <p:sp>
+        <p:nvSpPr>
+          <p:cNvPr id="65" name="Google Shape;65;p2:notes"/>
+          <p:cNvSpPr txBox="1">
+            <a:spLocks noGrp="1"/>
+          </p:cNvSpPr>
+          <p:nvPr>
+            <p:ph type="body" idx="1"/>
+          </p:nvPr>
+        </p:nvSpPr>
+        <p:spPr>
+          <a:xfrm>
+            <a:off x="685800" y="4343400"/>
+            <a:ext cx="5486400" cy="4114800"/>
+          </a:xfrm>
+          <a:prstGeom prst="rect">
+            <a:avLst/>
+          </a:prstGeom>
+          <a:noFill/>
+          <a:ln>
+            <a:noFill/>
+          </a:ln>
+        </p:spPr>
+        <p:txBody>
+          <a:bodyPr spcFirstLastPara="1" wrap="square" lIns="91425" tIns="91425" rIns="91425" bIns="91425" anchor="t" anchorCtr="0">
+            <a:noAutofit/>
+          </a:bodyPr>
+          <a:lstStyle/>
+          <a:p>
+            <a:pPr marL="0" lvl="0" indent="0" algn="l" rtl="0">
+              <a:lnSpc>
+                <a:spcPct val="100000"/>
+              </a:lnSpc>
+              <a:spcBef>
+                <a:spcPts val="0"/>
+              </a:spcBef>
+              <a:spcAft>
+                <a:spcPts val="0"/>
+              </a:spcAft>
+              <a:buSzPts val="1100"/>
+              <a:buNone/>
+            </a:pPr>
+            <a:endParaRPr/>
+          </a:p>
+        </p:txBody>
+      </p:sp>
+    </p:spTree>
+    <p:extLst>
+      <p:ext uri="{BB962C8B-B14F-4D97-AF65-F5344CB8AC3E}">
+        <p14:creationId xmlns:p14="http://schemas.microsoft.com/office/powerpoint/2010/main" val="767476024"/>
+      </p:ext>
+    </p:extLst>
+  </p:cSld>
+  <p:clrMapOvr>
+    <a:masterClrMapping/>
+  </p:clrMapOvr>
+</p:notes>
+</file>
+
+<file path=ppt/notesSlides/notesSlide8.xml><?xml version="1.0" encoding="utf-8"?>
+<p:notes xmlns:a="http://schemas.openxmlformats.org/drawingml/2006/main" xmlns:r="http://schemas.openxmlformats.org/officeDocument/2006/relationships" xmlns:p="http://schemas.openxmlformats.org/presentationml/2006/main" showMasterSp="0" showMasterPhAnim="0">
+  <p:cSld>
+    <p:spTree>
+      <p:nvGrpSpPr>
+        <p:cNvPr id="1" name="Shape 63"/>
+        <p:cNvGrpSpPr/>
+        <p:nvPr/>
+      </p:nvGrpSpPr>
+      <p:grpSpPr>
+        <a:xfrm>
+          <a:off x="0" y="0"/>
+          <a:ext cx="0" cy="0"/>
+          <a:chOff x="0" y="0"/>
+          <a:chExt cx="0" cy="0"/>
+        </a:xfrm>
+      </p:grpSpPr>
+      <p:sp>
+        <p:nvSpPr>
+          <p:cNvPr id="64" name="Google Shape;64;p2:notes"/>
+          <p:cNvSpPr>
+            <a:spLocks noGrp="1" noRot="1" noChangeAspect="1"/>
+          </p:cNvSpPr>
+          <p:nvPr>
+            <p:ph type="sldImg" idx="2"/>
+          </p:nvPr>
+        </p:nvSpPr>
+        <p:spPr>
+          <a:xfrm>
+            <a:off x="381000" y="685800"/>
+            <a:ext cx="6096000" cy="3429000"/>
+          </a:xfrm>
+          <a:custGeom>
+            <a:avLst/>
+            <a:gdLst/>
+            <a:ahLst/>
+            <a:cxnLst/>
+            <a:rect l="l" t="t" r="r" b="b"/>
+            <a:pathLst>
+              <a:path w="120000" h="120000" extrusionOk="0">
+                <a:moveTo>
+                  <a:pt x="0" y="0"/>
+                </a:moveTo>
+                <a:lnTo>
+                  <a:pt x="120000" y="0"/>
+                </a:lnTo>
+                <a:lnTo>
+                  <a:pt x="120000" y="120000"/>
+                </a:lnTo>
+                <a:lnTo>
+                  <a:pt x="0" y="120000"/>
+                </a:lnTo>
+                <a:close/>
+              </a:path>
+            </a:pathLst>
+          </a:custGeom>
+          <a:noFill/>
+          <a:ln w="9525" cap="flat" cmpd="sng">
+            <a:solidFill>
+              <a:srgbClr val="000000"/>
+            </a:solidFill>
+            <a:prstDash val="solid"/>
+            <a:round/>
+            <a:headEnd type="none" w="sm" len="sm"/>
+            <a:tailEnd type="none" w="sm" len="sm"/>
+          </a:ln>
+        </p:spPr>
+      </p:sp>
+      <p:sp>
+        <p:nvSpPr>
+          <p:cNvPr id="65" name="Google Shape;65;p2:notes"/>
+          <p:cNvSpPr txBox="1">
+            <a:spLocks noGrp="1"/>
+          </p:cNvSpPr>
+          <p:nvPr>
+            <p:ph type="body" idx="1"/>
+          </p:nvPr>
+        </p:nvSpPr>
+        <p:spPr>
+          <a:xfrm>
+            <a:off x="685800" y="4343400"/>
+            <a:ext cx="5486400" cy="4114800"/>
+          </a:xfrm>
+          <a:prstGeom prst="rect">
+            <a:avLst/>
+          </a:prstGeom>
+          <a:noFill/>
+          <a:ln>
+            <a:noFill/>
+          </a:ln>
+        </p:spPr>
+        <p:txBody>
+          <a:bodyPr spcFirstLastPara="1" wrap="square" lIns="91425" tIns="91425" rIns="91425" bIns="91425" anchor="t" anchorCtr="0">
+            <a:noAutofit/>
+          </a:bodyPr>
+          <a:lstStyle/>
+          <a:p>
+            <a:pPr marL="0" lvl="0" indent="0" algn="l" rtl="0">
+              <a:lnSpc>
+                <a:spcPct val="100000"/>
+              </a:lnSpc>
+              <a:spcBef>
+                <a:spcPts val="0"/>
+              </a:spcBef>
+              <a:spcAft>
+                <a:spcPts val="0"/>
+              </a:spcAft>
+              <a:buSzPts val="1100"/>
+              <a:buNone/>
+            </a:pPr>
+            <a:endParaRPr/>
+          </a:p>
+        </p:txBody>
+      </p:sp>
+    </p:spTree>
+    <p:extLst>
+      <p:ext uri="{BB962C8B-B14F-4D97-AF65-F5344CB8AC3E}">
+        <p14:creationId xmlns:p14="http://schemas.microsoft.com/office/powerpoint/2010/main" val="219122939"/>
+      </p:ext>
+    </p:extLst>
+  </p:cSld>
+  <p:clrMapOvr>
+    <a:masterClrMapping/>
+  </p:clrMapOvr>
+</p:notes>
+</file>
+
+<file path=ppt/notesSlides/notesSlide9.xml><?xml version="1.0" encoding="utf-8"?>
+<p:notes xmlns:a="http://schemas.openxmlformats.org/drawingml/2006/main" xmlns:r="http://schemas.openxmlformats.org/officeDocument/2006/relationships" xmlns:p="http://schemas.openxmlformats.org/presentationml/2006/main" showMasterSp="0" showMasterPhAnim="0">
+  <p:cSld>
+    <p:spTree>
+      <p:nvGrpSpPr>
+        <p:cNvPr id="1" name="Shape 63"/>
+        <p:cNvGrpSpPr/>
+        <p:nvPr/>
+      </p:nvGrpSpPr>
+      <p:grpSpPr>
+        <a:xfrm>
+          <a:off x="0" y="0"/>
+          <a:ext cx="0" cy="0"/>
+          <a:chOff x="0" y="0"/>
+          <a:chExt cx="0" cy="0"/>
+        </a:xfrm>
+      </p:grpSpPr>
+      <p:sp>
+        <p:nvSpPr>
+          <p:cNvPr id="64" name="Google Shape;64;p2:notes"/>
+          <p:cNvSpPr>
+            <a:spLocks noGrp="1" noRot="1" noChangeAspect="1"/>
+          </p:cNvSpPr>
+          <p:nvPr>
+            <p:ph type="sldImg" idx="2"/>
+          </p:nvPr>
+        </p:nvSpPr>
+        <p:spPr>
+          <a:xfrm>
+            <a:off x="381000" y="685800"/>
+            <a:ext cx="6096000" cy="3429000"/>
+          </a:xfrm>
+          <a:custGeom>
+            <a:avLst/>
+            <a:gdLst/>
+            <a:ahLst/>
+            <a:cxnLst/>
+            <a:rect l="l" t="t" r="r" b="b"/>
+            <a:pathLst>
+              <a:path w="120000" h="120000" extrusionOk="0">
+                <a:moveTo>
+                  <a:pt x="0" y="0"/>
+                </a:moveTo>
+                <a:lnTo>
+                  <a:pt x="120000" y="0"/>
+                </a:lnTo>
+                <a:lnTo>
+                  <a:pt x="120000" y="120000"/>
+                </a:lnTo>
+                <a:lnTo>
+                  <a:pt x="0" y="120000"/>
+                </a:lnTo>
+                <a:close/>
+              </a:path>
+            </a:pathLst>
+          </a:custGeom>
+          <a:noFill/>
+          <a:ln w="9525" cap="flat" cmpd="sng">
+            <a:solidFill>
+              <a:srgbClr val="000000"/>
+            </a:solidFill>
+            <a:prstDash val="solid"/>
+            <a:round/>
+            <a:headEnd type="none" w="sm" len="sm"/>
+            <a:tailEnd type="none" w="sm" len="sm"/>
+          </a:ln>
+        </p:spPr>
+      </p:sp>
+      <p:sp>
+        <p:nvSpPr>
+          <p:cNvPr id="65" name="Google Shape;65;p2:notes"/>
+          <p:cNvSpPr txBox="1">
+            <a:spLocks noGrp="1"/>
+          </p:cNvSpPr>
+          <p:nvPr>
+            <p:ph type="body" idx="1"/>
+          </p:nvPr>
+        </p:nvSpPr>
+        <p:spPr>
+          <a:xfrm>
+            <a:off x="685800" y="4343400"/>
+            <a:ext cx="5486400" cy="4114800"/>
+          </a:xfrm>
+          <a:prstGeom prst="rect">
+            <a:avLst/>
+          </a:prstGeom>
+          <a:noFill/>
+          <a:ln>
+            <a:noFill/>
+          </a:ln>
+        </p:spPr>
+        <p:txBody>
+          <a:bodyPr spcFirstLastPara="1" wrap="square" lIns="91425" tIns="91425" rIns="91425" bIns="91425" anchor="t" anchorCtr="0">
+            <a:noAutofit/>
+          </a:bodyPr>
+          <a:lstStyle/>
+          <a:p>
+            <a:pPr marL="0" lvl="0" indent="0" algn="l" rtl="0">
+              <a:lnSpc>
+                <a:spcPct val="100000"/>
+              </a:lnSpc>
+              <a:spcBef>
+                <a:spcPts val="0"/>
+              </a:spcBef>
+              <a:spcAft>
+                <a:spcPts val="0"/>
+              </a:spcAft>
+              <a:buSzPts val="1100"/>
+              <a:buNone/>
+            </a:pPr>
+            <a:endParaRPr/>
+          </a:p>
+        </p:txBody>
+      </p:sp>
+    </p:spTree>
+    <p:extLst>
+      <p:ext uri="{BB962C8B-B14F-4D97-AF65-F5344CB8AC3E}">
+        <p14:creationId xmlns:p14="http://schemas.microsoft.com/office/powerpoint/2010/main" val="381659261"/>
+      </p:ext>
+    </p:extLst>
   </p:cSld>
   <p:clrMapOvr>
     <a:masterClrMapping/>
@@ -2673,204 +3677,6 @@
         </p:txBody>
       </p:sp>
     </p:spTree>
-  </p:cSld>
-  <p:clrMapOvr>
-    <a:masterClrMapping/>
-  </p:clrMapOvr>
-</p:sldLayout>
-</file>
-
-<file path=ppt/slideLayouts/slideLayout12.xml><?xml version="1.0" encoding="utf-8"?>
-<p:sldLayout xmlns:a="http://schemas.openxmlformats.org/drawingml/2006/main" xmlns:r="http://schemas.openxmlformats.org/officeDocument/2006/relationships" xmlns:p="http://schemas.openxmlformats.org/presentationml/2006/main" type="obj">
-  <p:cSld name="Title and Content">
-    <p:spTree>
-      <p:nvGrpSpPr>
-        <p:cNvPr id="1" name=""/>
-        <p:cNvGrpSpPr/>
-        <p:nvPr/>
-      </p:nvGrpSpPr>
-      <p:grpSpPr>
-        <a:xfrm>
-          <a:off x="0" y="0"/>
-          <a:ext cx="0" cy="0"/>
-          <a:chOff x="0" y="0"/>
-          <a:chExt cx="0" cy="0"/>
-        </a:xfrm>
-      </p:grpSpPr>
-      <p:sp>
-        <p:nvSpPr>
-          <p:cNvPr id="2" name="Title 1">
-            <a:extLst>
-              <a:ext uri="{FF2B5EF4-FFF2-40B4-BE49-F238E27FC236}">
-                <a16:creationId xmlns:a16="http://schemas.microsoft.com/office/drawing/2014/main" id="{AC18F685-4C02-43BB-81D2-04EAAD1B846C}"/>
-              </a:ext>
-            </a:extLst>
-          </p:cNvPr>
-          <p:cNvSpPr>
-            <a:spLocks noGrp="1"/>
-          </p:cNvSpPr>
-          <p:nvPr>
-            <p:ph type="title"/>
-          </p:nvPr>
-        </p:nvSpPr>
-        <p:spPr/>
-        <p:txBody>
-          <a:bodyPr/>
-          <a:lstStyle/>
-          <a:p>
-            <a:r>
-              <a:rPr lang="en-US"/>
-              <a:t>Click to edit Master title style</a:t>
-            </a:r>
-          </a:p>
-        </p:txBody>
-      </p:sp>
-      <p:sp>
-        <p:nvSpPr>
-          <p:cNvPr id="3" name="Content Placeholder 2">
-            <a:extLst>
-              <a:ext uri="{FF2B5EF4-FFF2-40B4-BE49-F238E27FC236}">
-                <a16:creationId xmlns:a16="http://schemas.microsoft.com/office/drawing/2014/main" id="{909307CA-BDB0-4F66-B7EA-15AC2829657F}"/>
-              </a:ext>
-            </a:extLst>
-          </p:cNvPr>
-          <p:cNvSpPr>
-            <a:spLocks noGrp="1"/>
-          </p:cNvSpPr>
-          <p:nvPr>
-            <p:ph idx="1"/>
-          </p:nvPr>
-        </p:nvSpPr>
-        <p:spPr/>
-        <p:txBody>
-          <a:bodyPr/>
-          <a:lstStyle/>
-          <a:p>
-            <a:pPr lvl="0"/>
-            <a:r>
-              <a:rPr lang="en-US"/>
-              <a:t>Click to edit Master text styles</a:t>
-            </a:r>
-          </a:p>
-          <a:p>
-            <a:pPr lvl="1"/>
-            <a:r>
-              <a:rPr lang="en-US"/>
-              <a:t>Second level</a:t>
-            </a:r>
-          </a:p>
-          <a:p>
-            <a:pPr lvl="2"/>
-            <a:r>
-              <a:rPr lang="en-US"/>
-              <a:t>Third level</a:t>
-            </a:r>
-          </a:p>
-          <a:p>
-            <a:pPr lvl="3"/>
-            <a:r>
-              <a:rPr lang="en-US"/>
-              <a:t>Fourth level</a:t>
-            </a:r>
-          </a:p>
-          <a:p>
-            <a:pPr lvl="4"/>
-            <a:r>
-              <a:rPr lang="en-US"/>
-              <a:t>Fifth level</a:t>
-            </a:r>
-          </a:p>
-        </p:txBody>
-      </p:sp>
-      <p:sp>
-        <p:nvSpPr>
-          <p:cNvPr id="4" name="Date Placeholder 3">
-            <a:extLst>
-              <a:ext uri="{FF2B5EF4-FFF2-40B4-BE49-F238E27FC236}">
-                <a16:creationId xmlns:a16="http://schemas.microsoft.com/office/drawing/2014/main" id="{F9797DE6-90DC-461E-BBC5-E13D53F4861F}"/>
-              </a:ext>
-            </a:extLst>
-          </p:cNvPr>
-          <p:cNvSpPr>
-            <a:spLocks noGrp="1"/>
-          </p:cNvSpPr>
-          <p:nvPr>
-            <p:ph type="dt" sz="half" idx="10"/>
-          </p:nvPr>
-        </p:nvSpPr>
-        <p:spPr/>
-        <p:txBody>
-          <a:bodyPr/>
-          <a:lstStyle/>
-          <a:p>
-            <a:fld id="{2A14C9FE-EBC3-45D3-899C-58AAF4F8AF71}" type="datetimeFigureOut">
-              <a:rPr lang="en-US" smtClean="0"/>
-              <a:t>9/18/2024</a:t>
-            </a:fld>
-            <a:endParaRPr lang="en-US"/>
-          </a:p>
-        </p:txBody>
-      </p:sp>
-      <p:sp>
-        <p:nvSpPr>
-          <p:cNvPr id="5" name="Footer Placeholder 4">
-            <a:extLst>
-              <a:ext uri="{FF2B5EF4-FFF2-40B4-BE49-F238E27FC236}">
-                <a16:creationId xmlns:a16="http://schemas.microsoft.com/office/drawing/2014/main" id="{52179F46-5890-41BD-ACAD-F76D73A63C00}"/>
-              </a:ext>
-            </a:extLst>
-          </p:cNvPr>
-          <p:cNvSpPr>
-            <a:spLocks noGrp="1"/>
-          </p:cNvSpPr>
-          <p:nvPr>
-            <p:ph type="ftr" sz="quarter" idx="11"/>
-          </p:nvPr>
-        </p:nvSpPr>
-        <p:spPr/>
-        <p:txBody>
-          <a:bodyPr/>
-          <a:lstStyle/>
-          <a:p>
-            <a:endParaRPr lang="en-US"/>
-          </a:p>
-        </p:txBody>
-      </p:sp>
-      <p:sp>
-        <p:nvSpPr>
-          <p:cNvPr id="6" name="Slide Number Placeholder 5">
-            <a:extLst>
-              <a:ext uri="{FF2B5EF4-FFF2-40B4-BE49-F238E27FC236}">
-                <a16:creationId xmlns:a16="http://schemas.microsoft.com/office/drawing/2014/main" id="{90839A23-24D1-4AE7-B7EA-4B624CC1212B}"/>
-              </a:ext>
-            </a:extLst>
-          </p:cNvPr>
-          <p:cNvSpPr>
-            <a:spLocks noGrp="1"/>
-          </p:cNvSpPr>
-          <p:nvPr>
-            <p:ph type="sldNum" sz="quarter" idx="12"/>
-          </p:nvPr>
-        </p:nvSpPr>
-        <p:spPr/>
-        <p:txBody>
-          <a:bodyPr/>
-          <a:lstStyle/>
-          <a:p>
-            <a:fld id="{F192E18A-6FAA-451D-AEFD-41D3AA64B3F6}" type="slidenum">
-              <a:rPr lang="en-US" smtClean="0"/>
-              <a:t>‹#›</a:t>
-            </a:fld>
-            <a:endParaRPr lang="en-US"/>
-          </a:p>
-        </p:txBody>
-      </p:sp>
-    </p:spTree>
-    <p:extLst>
-      <p:ext uri="{BB962C8B-B14F-4D97-AF65-F5344CB8AC3E}">
-        <p14:creationId xmlns:p14="http://schemas.microsoft.com/office/powerpoint/2010/main" val="2021756261"/>
-      </p:ext>
-    </p:extLst>
   </p:cSld>
   <p:clrMapOvr>
     <a:masterClrMapping/>
@@ -8367,7 +9173,6 @@
     <p:sldLayoutId id="2147483657" r:id="rId9"/>
     <p:sldLayoutId id="2147483658" r:id="rId10"/>
     <p:sldLayoutId id="2147483659" r:id="rId11"/>
-    <p:sldLayoutId id="2147483660" r:id="rId12"/>
   </p:sldLayoutIdLst>
   <p:hf sldNum="0" hdr="0" ftr="0" dt="0"/>
   <p:txStyles>
@@ -9100,8 +9905,8 @@
         </p:nvSpPr>
         <p:spPr>
           <a:xfrm>
-            <a:off x="793649" y="1760225"/>
-            <a:ext cx="7193725" cy="1169521"/>
+            <a:off x="785225" y="1336575"/>
+            <a:ext cx="7601400" cy="1354500"/>
           </a:xfrm>
           <a:prstGeom prst="rect">
             <a:avLst/>
@@ -9113,29 +9918,21 @@
         </p:spPr>
         <p:txBody>
           <a:bodyPr spcFirstLastPara="1" wrap="square" lIns="91425" tIns="91425" rIns="91425" bIns="91425" anchor="t" anchorCtr="0">
-            <a:spAutoFit/>
+            <a:normAutofit fontScale="85000" lnSpcReduction="20000"/>
           </a:bodyPr>
           <a:lstStyle/>
           <a:p>
-            <a:pPr marL="0" marR="0" lvl="0" indent="0" algn="l" rtl="0">
-              <a:lnSpc>
-                <a:spcPct val="100000"/>
-              </a:lnSpc>
-              <a:spcBef>
-                <a:spcPts val="0"/>
-              </a:spcBef>
-              <a:spcAft>
-                <a:spcPts val="0"/>
-              </a:spcAft>
-              <a:buClr>
-                <a:srgbClr val="000000"/>
-              </a:buClr>
-              <a:buSzPts val="3800"/>
-              <a:buFont typeface="Arial"/>
+            <a:pPr marL="0" lvl="0" indent="0" algn="l" rtl="0">
+              <a:spcBef>
+                <a:spcPts val="0"/>
+              </a:spcBef>
+              <a:spcAft>
+                <a:spcPts val="0"/>
+              </a:spcAft>
               <a:buNone/>
             </a:pPr>
             <a:r>
-              <a:rPr lang="en-US" sz="3200" b="1" i="0" u="none" strike="noStrike" cap="none" dirty="0">
+              <a:rPr lang="tr-TR" sz="3800" b="1" dirty="0">
                 <a:solidFill>
                   <a:srgbClr val="292D33"/>
                 </a:solidFill>
@@ -9144,21 +9941,9 @@
                 <a:cs typeface="Lexend"/>
                 <a:sym typeface="Lexend"/>
               </a:rPr>
-              <a:t>Integration Patterns in Modular Monolith Applications</a:t>
+              <a:t>INTEGRATION PATTERNS IN MODULAR MONOLITH APPLICATIONS</a:t>
             </a:r>
-            <a:r>
-              <a:rPr lang="tr" sz="3200" b="1" i="0" u="none" strike="noStrike" cap="none" dirty="0">
-                <a:solidFill>
-                  <a:srgbClr val="292D33"/>
-                </a:solidFill>
-                <a:latin typeface="Lexend"/>
-                <a:ea typeface="Lexend"/>
-                <a:cs typeface="Lexend"/>
-                <a:sym typeface="Lexend"/>
-              </a:rPr>
-              <a:t> </a:t>
-            </a:r>
-            <a:endParaRPr sz="3200" b="1" i="0" u="none" strike="noStrike" cap="none" dirty="0">
+            <a:endParaRPr sz="3800" b="1" dirty="0">
               <a:solidFill>
                 <a:srgbClr val="292D33"/>
               </a:solidFill>
@@ -9170,75 +9955,42 @@
           </a:p>
         </p:txBody>
       </p:sp>
-      <p:grpSp>
-        <p:nvGrpSpPr>
-          <p:cNvPr id="57" name="Google Shape;57;p1"/>
-          <p:cNvGrpSpPr/>
+      <p:sp>
+        <p:nvSpPr>
+          <p:cNvPr id="56" name="Google Shape;56;p1"/>
+          <p:cNvSpPr txBox="1"/>
           <p:nvPr/>
-        </p:nvGrpSpPr>
-        <p:grpSpPr>
+        </p:nvSpPr>
+        <p:spPr>
           <a:xfrm>
-            <a:off x="1737225" y="3425325"/>
-            <a:ext cx="3516900" cy="800200"/>
-            <a:chOff x="1737225" y="3425325"/>
-            <a:chExt cx="3516900" cy="800200"/>
+            <a:off x="1737225" y="2830025"/>
+            <a:ext cx="6497100" cy="507900"/>
           </a:xfrm>
-        </p:grpSpPr>
-        <p:sp>
-          <p:nvSpPr>
-            <p:cNvPr id="58" name="Google Shape;58;p1"/>
-            <p:cNvSpPr txBox="1"/>
-            <p:nvPr/>
-          </p:nvSpPr>
-          <p:spPr>
-            <a:xfrm>
-              <a:off x="1737225" y="3425325"/>
-              <a:ext cx="3516900" cy="507900"/>
-            </a:xfrm>
-            <a:prstGeom prst="rect">
-              <a:avLst/>
-            </a:prstGeom>
+          <a:prstGeom prst="rect">
+            <a:avLst/>
+          </a:prstGeom>
+          <a:noFill/>
+          <a:ln>
             <a:noFill/>
-            <a:ln>
-              <a:noFill/>
-            </a:ln>
-          </p:spPr>
-          <p:txBody>
-            <a:bodyPr spcFirstLastPara="1" wrap="square" lIns="91425" tIns="91425" rIns="91425" bIns="91425" anchor="t" anchorCtr="0">
-              <a:spAutoFit/>
-            </a:bodyPr>
-            <a:lstStyle/>
-            <a:p>
-              <a:pPr marL="0" marR="0" lvl="0" indent="0" algn="l" rtl="0">
-                <a:lnSpc>
-                  <a:spcPct val="100000"/>
-                </a:lnSpc>
-                <a:spcBef>
-                  <a:spcPts val="0"/>
-                </a:spcBef>
-                <a:spcAft>
-                  <a:spcPts val="0"/>
-                </a:spcAft>
-                <a:buClr>
-                  <a:srgbClr val="000000"/>
-                </a:buClr>
-                <a:buSzPts val="2100"/>
-                <a:buFont typeface="Arial"/>
-                <a:buNone/>
-              </a:pPr>
-              <a:r>
-                <a:rPr lang="tr" sz="2100" b="0" i="0" u="none" strike="noStrike" cap="none" dirty="0">
-                  <a:solidFill>
-                    <a:srgbClr val="292D33"/>
-                  </a:solidFill>
-                  <a:latin typeface="Poppins Medium"/>
-                  <a:ea typeface="Poppins Medium"/>
-                  <a:cs typeface="Poppins Medium"/>
-                  <a:sym typeface="Poppins Medium"/>
-                </a:rPr>
-                <a:t>Halil İbrahim KALKAN</a:t>
-              </a:r>
-              <a:endParaRPr sz="2100" b="0" i="0" u="none" strike="noStrike" cap="none" dirty="0">
+          </a:ln>
+        </p:spPr>
+        <p:txBody>
+          <a:bodyPr spcFirstLastPara="1" wrap="square" lIns="91425" tIns="91425" rIns="91425" bIns="91425" anchor="t" anchorCtr="0">
+            <a:normAutofit/>
+          </a:bodyPr>
+          <a:lstStyle/>
+          <a:p>
+            <a:pPr marL="0" lvl="0" indent="0" algn="l" rtl="0">
+              <a:spcBef>
+                <a:spcPts val="0"/>
+              </a:spcBef>
+              <a:spcAft>
+                <a:spcPts val="0"/>
+              </a:spcAft>
+              <a:buNone/>
+            </a:pPr>
+            <a:r>
+              <a:rPr lang="tr-TR" sz="2100" dirty="0">
                 <a:solidFill>
                   <a:srgbClr val="292D33"/>
                 </a:solidFill>
@@ -9246,95 +9998,96 @@
                 <a:ea typeface="Poppins Medium"/>
                 <a:cs typeface="Poppins Medium"/>
                 <a:sym typeface="Poppins Medium"/>
-              </a:endParaRPr>
-            </a:p>
-          </p:txBody>
-        </p:sp>
-        <p:sp>
-          <p:nvSpPr>
-            <p:cNvPr id="59" name="Google Shape;59;p1"/>
-            <p:cNvSpPr txBox="1"/>
-            <p:nvPr/>
-          </p:nvSpPr>
-          <p:spPr>
-            <a:xfrm>
-              <a:off x="1737225" y="3810025"/>
-              <a:ext cx="3516900" cy="415500"/>
-            </a:xfrm>
-            <a:prstGeom prst="rect">
-              <a:avLst/>
-            </a:prstGeom>
+              </a:rPr>
+              <a:t>Halil İbrahim KALKAN</a:t>
+            </a:r>
+            <a:endParaRPr sz="2100" dirty="0">
+              <a:solidFill>
+                <a:srgbClr val="292D33"/>
+              </a:solidFill>
+              <a:latin typeface="Poppins Medium"/>
+              <a:ea typeface="Poppins Medium"/>
+              <a:cs typeface="Poppins Medium"/>
+              <a:sym typeface="Poppins Medium"/>
+            </a:endParaRPr>
+          </a:p>
+        </p:txBody>
+      </p:sp>
+      <p:sp>
+        <p:nvSpPr>
+          <p:cNvPr id="57" name="Google Shape;57;p1"/>
+          <p:cNvSpPr txBox="1"/>
+          <p:nvPr/>
+        </p:nvSpPr>
+        <p:spPr>
+          <a:xfrm>
+            <a:off x="1737225" y="3214725"/>
+            <a:ext cx="6497100" cy="400200"/>
+          </a:xfrm>
+          <a:prstGeom prst="rect">
+            <a:avLst/>
+          </a:prstGeom>
+          <a:noFill/>
+          <a:ln>
             <a:noFill/>
-            <a:ln>
-              <a:noFill/>
-            </a:ln>
-          </p:spPr>
-          <p:txBody>
-            <a:bodyPr spcFirstLastPara="1" wrap="square" lIns="91425" tIns="91425" rIns="91425" bIns="91425" anchor="t" anchorCtr="0">
-              <a:spAutoFit/>
-            </a:bodyPr>
-            <a:lstStyle/>
-            <a:p>
-              <a:pPr marL="0" marR="0" lvl="0" indent="0" algn="l" rtl="0">
-                <a:lnSpc>
-                  <a:spcPct val="100000"/>
-                </a:lnSpc>
-                <a:spcBef>
-                  <a:spcPts val="0"/>
-                </a:spcBef>
-                <a:spcAft>
-                  <a:spcPts val="0"/>
-                </a:spcAft>
-                <a:buClr>
-                  <a:srgbClr val="000000"/>
-                </a:buClr>
-                <a:buSzPts val="1500"/>
-                <a:buFont typeface="Arial"/>
-                <a:buNone/>
-              </a:pPr>
-              <a:r>
-                <a:rPr lang="tr" sz="1500" b="0" i="0" u="none" strike="noStrike" cap="none" dirty="0">
-                  <a:solidFill>
-                    <a:srgbClr val="434343"/>
-                  </a:solidFill>
-                  <a:latin typeface="Poppins"/>
-                  <a:ea typeface="Poppins"/>
-                  <a:cs typeface="Poppins"/>
-                  <a:sym typeface="Poppins"/>
-                </a:rPr>
-                <a:t>Volosoft, Co-Founder</a:t>
-              </a:r>
-              <a:endParaRPr sz="1500" b="0" i="0" u="none" strike="noStrike" cap="none" dirty="0">
-                <a:solidFill>
-                  <a:srgbClr val="434343"/>
+          </a:ln>
+        </p:spPr>
+        <p:txBody>
+          <a:bodyPr spcFirstLastPara="1" wrap="square" lIns="91425" tIns="91425" rIns="91425" bIns="91425" anchor="t" anchorCtr="0">
+            <a:normAutofit/>
+          </a:bodyPr>
+          <a:lstStyle/>
+          <a:p>
+            <a:pPr marL="0" lvl="0" indent="0" algn="l" rtl="0">
+              <a:spcBef>
+                <a:spcPts val="0"/>
+              </a:spcBef>
+              <a:spcAft>
+                <a:spcPts val="0"/>
+              </a:spcAft>
+              <a:buNone/>
+            </a:pPr>
+            <a:r>
+              <a:rPr lang="tr" dirty="0">
+                <a:solidFill>
+                  <a:srgbClr val="4E5258"/>
                 </a:solidFill>
                 <a:latin typeface="Poppins"/>
                 <a:ea typeface="Poppins"/>
                 <a:cs typeface="Poppins"/>
                 <a:sym typeface="Poppins"/>
-              </a:endParaRPr>
-            </a:p>
-          </p:txBody>
-        </p:sp>
-      </p:grpSp>
+              </a:rPr>
+              <a:t>Volosoft, Co-founder</a:t>
+            </a:r>
+            <a:endParaRPr dirty="0">
+              <a:solidFill>
+                <a:srgbClr val="4E5258"/>
+              </a:solidFill>
+              <a:latin typeface="Poppins"/>
+              <a:ea typeface="Poppins"/>
+              <a:cs typeface="Poppins"/>
+              <a:sym typeface="Poppins"/>
+            </a:endParaRPr>
+          </a:p>
+        </p:txBody>
+      </p:sp>
       <p:pic>
         <p:nvPicPr>
-          <p:cNvPr id="60" name="Google Shape;60;p1"/>
+          <p:cNvPr id="58" name="Google Shape;58;p1"/>
           <p:cNvPicPr preferRelativeResize="0"/>
           <p:nvPr/>
         </p:nvPicPr>
-        <p:blipFill>
+        <p:blipFill rotWithShape="1">
           <a:blip r:embed="rId4">
             <a:alphaModFix/>
           </a:blip>
-          <a:stretch>
-            <a:fillRect/>
-          </a:stretch>
+          <a:srcRect/>
+          <a:stretch/>
         </p:blipFill>
         <p:spPr>
           <a:xfrm>
-            <a:off x="793650" y="894750"/>
-            <a:ext cx="1393300" cy="478797"/>
+            <a:off x="861424" y="657700"/>
+            <a:ext cx="1772825" cy="475275"/>
           </a:xfrm>
           <a:prstGeom prst="rect">
             <a:avLst/>
@@ -9347,10 +10100,182 @@
       </p:pic>
       <p:pic>
         <p:nvPicPr>
+          <p:cNvPr id="59" name="Google Shape;59;p1"/>
+          <p:cNvPicPr preferRelativeResize="0"/>
+          <p:nvPr/>
+        </p:nvPicPr>
+        <p:blipFill>
+          <a:blip r:embed="rId5">
+            <a:alphaModFix/>
+          </a:blip>
+          <a:stretch>
+            <a:fillRect/>
+          </a:stretch>
+        </p:blipFill>
+        <p:spPr>
+          <a:xfrm>
+            <a:off x="856320" y="3877525"/>
+            <a:ext cx="235600" cy="235600"/>
+          </a:xfrm>
+          <a:prstGeom prst="rect">
+            <a:avLst/>
+          </a:prstGeom>
+          <a:noFill/>
+          <a:ln>
+            <a:noFill/>
+          </a:ln>
+        </p:spPr>
+      </p:pic>
+      <p:pic>
+        <p:nvPicPr>
+          <p:cNvPr id="60" name="Google Shape;60;p1"/>
+          <p:cNvPicPr preferRelativeResize="0"/>
+          <p:nvPr/>
+        </p:nvPicPr>
+        <p:blipFill>
+          <a:blip r:embed="rId6">
+            <a:alphaModFix/>
+          </a:blip>
+          <a:stretch>
+            <a:fillRect/>
+          </a:stretch>
+        </p:blipFill>
+        <p:spPr>
+          <a:xfrm>
+            <a:off x="856324" y="4260248"/>
+            <a:ext cx="235600" cy="235600"/>
+          </a:xfrm>
+          <a:prstGeom prst="rect">
+            <a:avLst/>
+          </a:prstGeom>
+          <a:noFill/>
+          <a:ln>
+            <a:noFill/>
+          </a:ln>
+        </p:spPr>
+      </p:pic>
+      <p:sp>
+        <p:nvSpPr>
+          <p:cNvPr id="61" name="Google Shape;61;p1"/>
+          <p:cNvSpPr txBox="1"/>
+          <p:nvPr/>
+        </p:nvSpPr>
+        <p:spPr>
+          <a:xfrm>
+            <a:off x="1091925" y="3814425"/>
+            <a:ext cx="5237930" cy="369300"/>
+          </a:xfrm>
+          <a:prstGeom prst="rect">
+            <a:avLst/>
+          </a:prstGeom>
+          <a:noFill/>
+          <a:ln>
+            <a:noFill/>
+          </a:ln>
+        </p:spPr>
+        <p:txBody>
+          <a:bodyPr spcFirstLastPara="1" wrap="square" lIns="91425" tIns="91425" rIns="91425" bIns="91425" anchor="t" anchorCtr="0">
+            <a:normAutofit/>
+          </a:bodyPr>
+          <a:lstStyle/>
+          <a:p>
+            <a:pPr marL="0" lvl="0" indent="0" algn="l" rtl="0">
+              <a:spcBef>
+                <a:spcPts val="0"/>
+              </a:spcBef>
+              <a:spcAft>
+                <a:spcPts val="0"/>
+              </a:spcAft>
+              <a:buNone/>
+            </a:pPr>
+            <a:r>
+              <a:rPr lang="tr" sz="1200" dirty="0">
+                <a:solidFill>
+                  <a:srgbClr val="292D33"/>
+                </a:solidFill>
+                <a:latin typeface="Poppins"/>
+                <a:ea typeface="Poppins"/>
+                <a:cs typeface="Poppins"/>
+                <a:sym typeface="Poppins"/>
+              </a:rPr>
+              <a:t>@hibrahimkalkan</a:t>
+            </a:r>
+            <a:endParaRPr sz="1200" dirty="0">
+              <a:solidFill>
+                <a:srgbClr val="292D33"/>
+              </a:solidFill>
+              <a:latin typeface="Poppins"/>
+              <a:ea typeface="Poppins"/>
+              <a:cs typeface="Poppins"/>
+              <a:sym typeface="Poppins"/>
+            </a:endParaRPr>
+          </a:p>
+        </p:txBody>
+      </p:sp>
+      <p:sp>
+        <p:nvSpPr>
+          <p:cNvPr id="62" name="Google Shape;62;p1"/>
+          <p:cNvSpPr txBox="1"/>
+          <p:nvPr/>
+        </p:nvSpPr>
+        <p:spPr>
+          <a:xfrm>
+            <a:off x="1091926" y="4183725"/>
+            <a:ext cx="5237930" cy="369300"/>
+          </a:xfrm>
+          <a:prstGeom prst="rect">
+            <a:avLst/>
+          </a:prstGeom>
+          <a:noFill/>
+          <a:ln>
+            <a:noFill/>
+          </a:ln>
+        </p:spPr>
+        <p:txBody>
+          <a:bodyPr spcFirstLastPara="1" wrap="square" lIns="91425" tIns="91425" rIns="91425" bIns="91425" anchor="t" anchorCtr="0">
+            <a:normAutofit/>
+          </a:bodyPr>
+          <a:lstStyle/>
+          <a:p>
+            <a:pPr marL="0" lvl="0" indent="0" algn="l" rtl="0">
+              <a:spcBef>
+                <a:spcPts val="0"/>
+              </a:spcBef>
+              <a:spcAft>
+                <a:spcPts val="0"/>
+              </a:spcAft>
+              <a:buNone/>
+            </a:pPr>
+            <a:r>
+              <a:rPr lang="tr" sz="1200" dirty="0">
+                <a:solidFill>
+                  <a:srgbClr val="292D33"/>
+                </a:solidFill>
+                <a:latin typeface="Poppins"/>
+                <a:ea typeface="Poppins"/>
+                <a:cs typeface="Poppins"/>
+                <a:sym typeface="Poppins"/>
+              </a:rPr>
+              <a:t>@hikalkan</a:t>
+            </a:r>
+            <a:endParaRPr sz="1200" dirty="0">
+              <a:solidFill>
+                <a:srgbClr val="292D33"/>
+              </a:solidFill>
+              <a:latin typeface="Poppins"/>
+              <a:ea typeface="Poppins"/>
+              <a:cs typeface="Poppins"/>
+              <a:sym typeface="Poppins"/>
+            </a:endParaRPr>
+          </a:p>
+        </p:txBody>
+      </p:sp>
+      <p:pic>
+        <p:nvPicPr>
           <p:cNvPr id="2" name="Picture 4" descr="Halil İbrahim Kalkan">
             <a:extLst>
               <a:ext uri="{FF2B5EF4-FFF2-40B4-BE49-F238E27FC236}">
-                <a16:creationId xmlns:a16="http://schemas.microsoft.com/office/drawing/2014/main" id="{3B5AD4E0-8C2B-CBE2-05BA-1AD687250C47}"/>
+                <a16:creationId xmlns:a16="http://schemas.microsoft.com/office/drawing/2014/main" id="{9A8F8DF5-DBEC-8F4E-B4A9-9DBED75BB058}"/>
               </a:ext>
             </a:extLst>
           </p:cNvPr>
@@ -9360,7 +10285,7 @@
           <p:nvPr/>
         </p:nvPicPr>
         <p:blipFill>
-          <a:blip r:embed="rId5">
+          <a:blip r:embed="rId7">
             <a:extLst>
               <a:ext uri="{28A0092B-C50C-407E-A947-70E740481C1C}">
                 <a14:useLocalDpi xmlns:a14="http://schemas.microsoft.com/office/drawing/2010/main" val="0"/>
@@ -9374,7 +10299,7 @@
         </p:blipFill>
         <p:spPr bwMode="auto">
           <a:xfrm>
-            <a:off x="793650" y="3403937"/>
+            <a:off x="818543" y="2830025"/>
             <a:ext cx="812175" cy="812175"/>
           </a:xfrm>
           <a:prstGeom prst="ellipse">
@@ -9407,6 +10332,100 @@
           </a:extLst>
         </p:spPr>
       </p:pic>
+      <p:pic>
+        <p:nvPicPr>
+          <p:cNvPr id="4" name="Picture 3">
+            <a:extLst>
+              <a:ext uri="{FF2B5EF4-FFF2-40B4-BE49-F238E27FC236}">
+                <a16:creationId xmlns:a16="http://schemas.microsoft.com/office/drawing/2014/main" id="{AF148AA3-2BB1-8213-B230-A7A50335E1B4}"/>
+              </a:ext>
+            </a:extLst>
+          </p:cNvPr>
+          <p:cNvPicPr>
+            <a:picLocks noChangeAspect="1"/>
+          </p:cNvPicPr>
+          <p:nvPr/>
+        </p:nvPicPr>
+        <p:blipFill>
+          <a:blip r:embed="rId8"/>
+          <a:stretch>
+            <a:fillRect/>
+          </a:stretch>
+        </p:blipFill>
+        <p:spPr>
+          <a:xfrm>
+            <a:off x="6627429" y="2669789"/>
+            <a:ext cx="2366798" cy="2366798"/>
+          </a:xfrm>
+          <a:prstGeom prst="rect">
+            <a:avLst/>
+          </a:prstGeom>
+        </p:spPr>
+      </p:pic>
+      <p:sp>
+        <p:nvSpPr>
+          <p:cNvPr id="5" name="Google Shape;61;p1">
+            <a:extLst>
+              <a:ext uri="{FF2B5EF4-FFF2-40B4-BE49-F238E27FC236}">
+                <a16:creationId xmlns:a16="http://schemas.microsoft.com/office/drawing/2014/main" id="{375B1349-B488-4A79-5FC8-686FD7507166}"/>
+              </a:ext>
+            </a:extLst>
+          </p:cNvPr>
+          <p:cNvSpPr txBox="1"/>
+          <p:nvPr/>
+        </p:nvSpPr>
+        <p:spPr>
+          <a:xfrm>
+            <a:off x="6627429" y="2309773"/>
+            <a:ext cx="2366798" cy="369300"/>
+          </a:xfrm>
+          <a:prstGeom prst="rect">
+            <a:avLst/>
+          </a:prstGeom>
+          <a:noFill/>
+          <a:ln>
+            <a:noFill/>
+          </a:ln>
+        </p:spPr>
+        <p:txBody>
+          <a:bodyPr spcFirstLastPara="1" wrap="square" lIns="91425" tIns="91425" rIns="91425" bIns="91425" anchor="t" anchorCtr="0">
+            <a:normAutofit/>
+          </a:bodyPr>
+          <a:lstStyle/>
+          <a:p>
+            <a:pPr marL="0" lvl="0" indent="0" algn="ctr" rtl="0">
+              <a:spcBef>
+                <a:spcPts val="0"/>
+              </a:spcBef>
+              <a:spcAft>
+                <a:spcPts val="0"/>
+              </a:spcAft>
+              <a:buNone/>
+            </a:pPr>
+            <a:r>
+              <a:rPr lang="tr" sz="1200" b="1" u="sng" dirty="0">
+                <a:solidFill>
+                  <a:srgbClr val="292D33"/>
+                </a:solidFill>
+                <a:latin typeface="Poppins"/>
+                <a:ea typeface="Poppins"/>
+                <a:cs typeface="Poppins"/>
+                <a:sym typeface="Poppins"/>
+              </a:rPr>
+              <a:t>Follow me on Twitter</a:t>
+            </a:r>
+            <a:endParaRPr sz="1200" b="1" u="sng" dirty="0">
+              <a:solidFill>
+                <a:srgbClr val="292D33"/>
+              </a:solidFill>
+              <a:latin typeface="Poppins"/>
+              <a:ea typeface="Poppins"/>
+              <a:cs typeface="Poppins"/>
+              <a:sym typeface="Poppins"/>
+            </a:endParaRPr>
+          </a:p>
+        </p:txBody>
+      </p:sp>
     </p:spTree>
   </p:cSld>
   <p:clrMapOvr>
@@ -9433,7 +10452,7 @@
     </p:bg>
     <p:spTree>
       <p:nvGrpSpPr>
-        <p:cNvPr id="1" name="Shape 71"/>
+        <p:cNvPr id="1" name="Shape 72"/>
         <p:cNvGrpSpPr/>
         <p:nvPr/>
       </p:nvGrpSpPr>
@@ -9447,13 +10466,103 @@
       </p:grpSpPr>
       <p:sp>
         <p:nvSpPr>
-          <p:cNvPr id="72" name="Google Shape;72;p3"/>
+          <p:cNvPr id="73" name="Google Shape;73;p3"/>
           <p:cNvSpPr txBox="1"/>
           <p:nvPr/>
         </p:nvSpPr>
         <p:spPr>
           <a:xfrm>
-            <a:off x="3366975" y="1544657"/>
+            <a:off x="5676924" y="755514"/>
+            <a:ext cx="2949875" cy="447463"/>
+          </a:xfrm>
+          <a:prstGeom prst="rect">
+            <a:avLst/>
+          </a:prstGeom>
+          <a:noFill/>
+          <a:ln>
+            <a:noFill/>
+          </a:ln>
+        </p:spPr>
+        <p:txBody>
+          <a:bodyPr spcFirstLastPara="1" wrap="square" lIns="91425" tIns="91425" rIns="91425" bIns="91425" anchor="t" anchorCtr="0">
+            <a:noAutofit/>
+          </a:bodyPr>
+          <a:lstStyle/>
+          <a:p>
+            <a:pPr marL="0" lvl="0" indent="0" algn="ctr" rtl="0">
+              <a:spcBef>
+                <a:spcPts val="0"/>
+              </a:spcBef>
+              <a:spcAft>
+                <a:spcPts val="0"/>
+              </a:spcAft>
+              <a:buNone/>
+            </a:pPr>
+            <a:r>
+              <a:rPr lang="en-US" b="1" u="sng" dirty="0">
+                <a:solidFill>
+                  <a:srgbClr val="4E5258"/>
+                </a:solidFill>
+              </a:rPr>
+              <a:t>D</a:t>
+            </a:r>
+            <a:r>
+              <a:rPr lang="tr" b="1" u="sng" dirty="0">
+                <a:solidFill>
+                  <a:srgbClr val="4E5258"/>
+                </a:solidFill>
+              </a:rPr>
+              <a:t>ownload </a:t>
+            </a:r>
+            <a:r>
+              <a:rPr lang="en-US" b="1" u="sng" dirty="0">
+                <a:solidFill>
+                  <a:srgbClr val="4E5258"/>
+                </a:solidFill>
+              </a:rPr>
+              <a:t>T</a:t>
+            </a:r>
+            <a:r>
+              <a:rPr lang="tr" b="1" u="sng" dirty="0">
+                <a:solidFill>
+                  <a:srgbClr val="4E5258"/>
+                </a:solidFill>
+              </a:rPr>
+              <a:t>his </a:t>
+            </a:r>
+            <a:r>
+              <a:rPr lang="en-US" b="1" u="sng" dirty="0">
+                <a:solidFill>
+                  <a:srgbClr val="4E5258"/>
+                </a:solidFill>
+              </a:rPr>
+              <a:t>P</a:t>
+            </a:r>
+            <a:r>
+              <a:rPr lang="tr" b="1" u="sng" dirty="0">
+                <a:solidFill>
+                  <a:srgbClr val="4E5258"/>
+                </a:solidFill>
+              </a:rPr>
+              <a:t>resentation</a:t>
+            </a:r>
+            <a:endParaRPr b="1" u="sng" dirty="0">
+              <a:solidFill>
+                <a:srgbClr val="4E5258"/>
+              </a:solidFill>
+            </a:endParaRPr>
+          </a:p>
+        </p:txBody>
+      </p:sp>
+      <p:sp>
+        <p:nvSpPr>
+          <p:cNvPr id="74" name="Google Shape;74;p3"/>
+          <p:cNvSpPr txBox="1"/>
+          <p:nvPr/>
+        </p:nvSpPr>
+        <p:spPr>
+          <a:xfrm>
+            <a:off x="517200" y="870279"/>
             <a:ext cx="4509300" cy="1416000"/>
           </a:xfrm>
           <a:prstGeom prst="rect">
@@ -9466,29 +10575,21 @@
         </p:spPr>
         <p:txBody>
           <a:bodyPr spcFirstLastPara="1" wrap="square" lIns="91425" tIns="91425" rIns="91425" bIns="91425" anchor="t" anchorCtr="0">
-            <a:spAutoFit/>
+            <a:normAutofit/>
           </a:bodyPr>
           <a:lstStyle/>
           <a:p>
-            <a:pPr marL="0" marR="0" lvl="0" indent="0" algn="l" rtl="0">
-              <a:lnSpc>
-                <a:spcPct val="100000"/>
-              </a:lnSpc>
-              <a:spcBef>
-                <a:spcPts val="0"/>
-              </a:spcBef>
-              <a:spcAft>
-                <a:spcPts val="0"/>
-              </a:spcAft>
-              <a:buClr>
-                <a:srgbClr val="000000"/>
-              </a:buClr>
-              <a:buSzPts val="4000"/>
-              <a:buFont typeface="Arial"/>
+            <a:pPr marL="0" lvl="0" indent="0" algn="l" rtl="0">
+              <a:spcBef>
+                <a:spcPts val="0"/>
+              </a:spcBef>
+              <a:spcAft>
+                <a:spcPts val="0"/>
+              </a:spcAft>
               <a:buNone/>
             </a:pPr>
             <a:r>
-              <a:rPr lang="tr" sz="4000" b="1" i="0" u="none" strike="noStrike" cap="none" dirty="0">
+              <a:rPr lang="tr" sz="4000" b="1">
                 <a:solidFill>
                   <a:srgbClr val="292D33"/>
                 </a:solidFill>
@@ -9499,7 +10600,7 @@
               </a:rPr>
               <a:t>THANK FOR</a:t>
             </a:r>
-            <a:endParaRPr sz="4000" b="1" i="0" u="none" strike="noStrike" cap="none" dirty="0">
+            <a:endParaRPr sz="4000" b="1">
               <a:solidFill>
                 <a:srgbClr val="292D33"/>
               </a:solidFill>
@@ -9510,25 +10611,17 @@
             </a:endParaRPr>
           </a:p>
           <a:p>
-            <a:pPr marL="0" marR="0" lvl="0" indent="0" algn="l" rtl="0">
-              <a:lnSpc>
-                <a:spcPct val="100000"/>
-              </a:lnSpc>
-              <a:spcBef>
-                <a:spcPts val="0"/>
-              </a:spcBef>
-              <a:spcAft>
-                <a:spcPts val="0"/>
-              </a:spcAft>
-              <a:buClr>
-                <a:srgbClr val="000000"/>
-              </a:buClr>
-              <a:buSzPts val="4000"/>
-              <a:buFont typeface="Arial"/>
+            <a:pPr marL="0" lvl="0" indent="0" algn="l" rtl="0">
+              <a:spcBef>
+                <a:spcPts val="0"/>
+              </a:spcBef>
+              <a:spcAft>
+                <a:spcPts val="0"/>
+              </a:spcAft>
               <a:buNone/>
             </a:pPr>
             <a:r>
-              <a:rPr lang="tr" sz="4000" b="1" i="0" u="none" strike="noStrike" cap="none" dirty="0">
+              <a:rPr lang="tr" sz="4000" b="1">
                 <a:solidFill>
                   <a:srgbClr val="292D33"/>
                 </a:solidFill>
@@ -9539,7 +10632,7 @@
               </a:rPr>
               <a:t>WATCHING</a:t>
             </a:r>
-            <a:endParaRPr sz="4000" b="1" i="0" u="none" strike="noStrike" cap="none" dirty="0">
+            <a:endParaRPr sz="4000" b="1">
               <a:solidFill>
                 <a:srgbClr val="292D33"/>
               </a:solidFill>
@@ -9553,21 +10646,22 @@
       </p:sp>
       <p:pic>
         <p:nvPicPr>
-          <p:cNvPr id="73" name="Google Shape;73;p3"/>
+          <p:cNvPr id="78" name="Google Shape;78;p3"/>
           <p:cNvPicPr preferRelativeResize="0"/>
           <p:nvPr/>
         </p:nvPicPr>
-        <p:blipFill rotWithShape="1">
+        <p:blipFill>
           <a:blip r:embed="rId4">
             <a:alphaModFix/>
           </a:blip>
-          <a:srcRect/>
-          <a:stretch/>
+          <a:stretch>
+            <a:fillRect/>
+          </a:stretch>
         </p:blipFill>
         <p:spPr>
           <a:xfrm>
-            <a:off x="1467325" y="1299938"/>
-            <a:ext cx="1750575" cy="2543625"/>
+            <a:off x="627720" y="3597713"/>
+            <a:ext cx="235600" cy="235600"/>
           </a:xfrm>
           <a:prstGeom prst="rect">
             <a:avLst/>
@@ -9580,7 +10674,7 @@
       </p:pic>
       <p:pic>
         <p:nvPicPr>
-          <p:cNvPr id="74" name="Google Shape;74;p3"/>
+          <p:cNvPr id="79" name="Google Shape;79;p3"/>
           <p:cNvPicPr preferRelativeResize="0"/>
           <p:nvPr/>
         </p:nvPicPr>
@@ -9594,8 +10688,8 @@
         </p:blipFill>
         <p:spPr>
           <a:xfrm>
-            <a:off x="3462832" y="3090287"/>
-            <a:ext cx="1104993" cy="379725"/>
+            <a:off x="627724" y="3980436"/>
+            <a:ext cx="235600" cy="235600"/>
           </a:xfrm>
           <a:prstGeom prst="rect">
             <a:avLst/>
@@ -9604,6 +10698,367 @@
           <a:ln>
             <a:noFill/>
           </a:ln>
+        </p:spPr>
+      </p:pic>
+      <p:sp>
+        <p:nvSpPr>
+          <p:cNvPr id="80" name="Google Shape;80;p3"/>
+          <p:cNvSpPr txBox="1"/>
+          <p:nvPr/>
+        </p:nvSpPr>
+        <p:spPr>
+          <a:xfrm>
+            <a:off x="863325" y="3534613"/>
+            <a:ext cx="4509300" cy="369300"/>
+          </a:xfrm>
+          <a:prstGeom prst="rect">
+            <a:avLst/>
+          </a:prstGeom>
+          <a:noFill/>
+          <a:ln>
+            <a:noFill/>
+          </a:ln>
+        </p:spPr>
+        <p:txBody>
+          <a:bodyPr spcFirstLastPara="1" wrap="square" lIns="91425" tIns="91425" rIns="91425" bIns="91425" anchor="t" anchorCtr="0">
+            <a:normAutofit/>
+          </a:bodyPr>
+          <a:lstStyle/>
+          <a:p>
+            <a:r>
+              <a:rPr lang="en-US" sz="1200" dirty="0">
+                <a:solidFill>
+                  <a:srgbClr val="292D33"/>
+                </a:solidFill>
+                <a:latin typeface="Poppins"/>
+                <a:ea typeface="Poppins"/>
+                <a:cs typeface="Poppins"/>
+                <a:sym typeface="Poppins"/>
+              </a:rPr>
+              <a:t>@hibrahimkalkan</a:t>
+            </a:r>
+          </a:p>
+        </p:txBody>
+      </p:sp>
+      <p:sp>
+        <p:nvSpPr>
+          <p:cNvPr id="81" name="Google Shape;81;p3"/>
+          <p:cNvSpPr txBox="1"/>
+          <p:nvPr/>
+        </p:nvSpPr>
+        <p:spPr>
+          <a:xfrm>
+            <a:off x="863325" y="3903913"/>
+            <a:ext cx="4509300" cy="369300"/>
+          </a:xfrm>
+          <a:prstGeom prst="rect">
+            <a:avLst/>
+          </a:prstGeom>
+          <a:noFill/>
+          <a:ln>
+            <a:noFill/>
+          </a:ln>
+        </p:spPr>
+        <p:txBody>
+          <a:bodyPr spcFirstLastPara="1" wrap="square" lIns="91425" tIns="91425" rIns="91425" bIns="91425" anchor="t" anchorCtr="0">
+            <a:normAutofit/>
+          </a:bodyPr>
+          <a:lstStyle/>
+          <a:p>
+            <a:pPr marL="0" lvl="0" indent="0" algn="l" rtl="0">
+              <a:spcBef>
+                <a:spcPts val="0"/>
+              </a:spcBef>
+              <a:spcAft>
+                <a:spcPts val="0"/>
+              </a:spcAft>
+              <a:buNone/>
+            </a:pPr>
+            <a:r>
+              <a:rPr lang="en-US" sz="1200" dirty="0">
+                <a:solidFill>
+                  <a:srgbClr val="292D33"/>
+                </a:solidFill>
+                <a:latin typeface="Poppins"/>
+                <a:ea typeface="Poppins"/>
+                <a:cs typeface="Poppins"/>
+                <a:sym typeface="Poppins"/>
+              </a:rPr>
+              <a:t>@</a:t>
+            </a:r>
+            <a:r>
+              <a:rPr lang="tr" sz="1200" dirty="0">
+                <a:solidFill>
+                  <a:srgbClr val="292D33"/>
+                </a:solidFill>
+                <a:latin typeface="Poppins"/>
+                <a:ea typeface="Poppins"/>
+                <a:cs typeface="Poppins"/>
+                <a:sym typeface="Poppins"/>
+              </a:rPr>
+              <a:t>hikalkan</a:t>
+            </a:r>
+            <a:endParaRPr lang="en-US" sz="1200" dirty="0">
+              <a:solidFill>
+                <a:srgbClr val="292D33"/>
+              </a:solidFill>
+              <a:latin typeface="Poppins"/>
+              <a:ea typeface="Poppins"/>
+              <a:cs typeface="Poppins"/>
+              <a:sym typeface="Poppins"/>
+            </a:endParaRPr>
+          </a:p>
+        </p:txBody>
+      </p:sp>
+      <p:pic>
+        <p:nvPicPr>
+          <p:cNvPr id="82" name="Google Shape;82;p3"/>
+          <p:cNvPicPr preferRelativeResize="0"/>
+          <p:nvPr/>
+        </p:nvPicPr>
+        <p:blipFill>
+          <a:blip r:embed="rId6">
+            <a:alphaModFix/>
+          </a:blip>
+          <a:stretch>
+            <a:fillRect/>
+          </a:stretch>
+        </p:blipFill>
+        <p:spPr>
+          <a:xfrm>
+            <a:off x="5676925" y="1154038"/>
+            <a:ext cx="2957700" cy="2957700"/>
+          </a:xfrm>
+          <a:prstGeom prst="rect">
+            <a:avLst/>
+          </a:prstGeom>
+          <a:noFill/>
+          <a:ln>
+            <a:noFill/>
+          </a:ln>
+        </p:spPr>
+      </p:pic>
+      <p:sp>
+        <p:nvSpPr>
+          <p:cNvPr id="3" name="Google Shape;56;p1">
+            <a:extLst>
+              <a:ext uri="{FF2B5EF4-FFF2-40B4-BE49-F238E27FC236}">
+                <a16:creationId xmlns:a16="http://schemas.microsoft.com/office/drawing/2014/main" id="{51B5DA2F-46BD-1F36-EAD4-DA9E79384F25}"/>
+              </a:ext>
+            </a:extLst>
+          </p:cNvPr>
+          <p:cNvSpPr txBox="1"/>
+          <p:nvPr/>
+        </p:nvSpPr>
+        <p:spPr>
+          <a:xfrm>
+            <a:off x="1435882" y="2436577"/>
+            <a:ext cx="3936743" cy="507900"/>
+          </a:xfrm>
+          <a:prstGeom prst="rect">
+            <a:avLst/>
+          </a:prstGeom>
+          <a:noFill/>
+          <a:ln>
+            <a:noFill/>
+          </a:ln>
+        </p:spPr>
+        <p:txBody>
+          <a:bodyPr spcFirstLastPara="1" wrap="square" lIns="91425" tIns="91425" rIns="91425" bIns="91425" anchor="t" anchorCtr="0">
+            <a:normAutofit/>
+          </a:bodyPr>
+          <a:lstStyle/>
+          <a:p>
+            <a:pPr marL="0" lvl="0" indent="0" algn="l" rtl="0">
+              <a:spcBef>
+                <a:spcPts val="0"/>
+              </a:spcBef>
+              <a:spcAft>
+                <a:spcPts val="0"/>
+              </a:spcAft>
+              <a:buNone/>
+            </a:pPr>
+            <a:r>
+              <a:rPr lang="tr-TR" sz="2100" dirty="0">
+                <a:solidFill>
+                  <a:srgbClr val="292D33"/>
+                </a:solidFill>
+                <a:latin typeface="Poppins Medium"/>
+                <a:ea typeface="Poppins Medium"/>
+                <a:cs typeface="Poppins Medium"/>
+                <a:sym typeface="Poppins Medium"/>
+              </a:rPr>
+              <a:t>Halil İbrahim KALKAN</a:t>
+            </a:r>
+            <a:endParaRPr sz="2100" dirty="0">
+              <a:solidFill>
+                <a:srgbClr val="292D33"/>
+              </a:solidFill>
+              <a:latin typeface="Poppins Medium"/>
+              <a:ea typeface="Poppins Medium"/>
+              <a:cs typeface="Poppins Medium"/>
+              <a:sym typeface="Poppins Medium"/>
+            </a:endParaRPr>
+          </a:p>
+        </p:txBody>
+      </p:sp>
+      <p:sp>
+        <p:nvSpPr>
+          <p:cNvPr id="4" name="Google Shape;57;p1">
+            <a:extLst>
+              <a:ext uri="{FF2B5EF4-FFF2-40B4-BE49-F238E27FC236}">
+                <a16:creationId xmlns:a16="http://schemas.microsoft.com/office/drawing/2014/main" id="{B78DE9D6-7507-A9AC-B04A-268C12DA554F}"/>
+              </a:ext>
+            </a:extLst>
+          </p:cNvPr>
+          <p:cNvSpPr txBox="1"/>
+          <p:nvPr/>
+        </p:nvSpPr>
+        <p:spPr>
+          <a:xfrm>
+            <a:off x="1435882" y="2821277"/>
+            <a:ext cx="3936743" cy="400200"/>
+          </a:xfrm>
+          <a:prstGeom prst="rect">
+            <a:avLst/>
+          </a:prstGeom>
+          <a:noFill/>
+          <a:ln>
+            <a:noFill/>
+          </a:ln>
+        </p:spPr>
+        <p:txBody>
+          <a:bodyPr spcFirstLastPara="1" wrap="square" lIns="91425" tIns="91425" rIns="91425" bIns="91425" anchor="t" anchorCtr="0">
+            <a:normAutofit/>
+          </a:bodyPr>
+          <a:lstStyle/>
+          <a:p>
+            <a:pPr marL="0" lvl="0" indent="0" algn="l" rtl="0">
+              <a:spcBef>
+                <a:spcPts val="0"/>
+              </a:spcBef>
+              <a:spcAft>
+                <a:spcPts val="0"/>
+              </a:spcAft>
+              <a:buNone/>
+            </a:pPr>
+            <a:r>
+              <a:rPr lang="tr" dirty="0">
+                <a:solidFill>
+                  <a:srgbClr val="4E5258"/>
+                </a:solidFill>
+                <a:latin typeface="Poppins"/>
+                <a:ea typeface="Poppins"/>
+                <a:cs typeface="Poppins"/>
+                <a:sym typeface="Poppins"/>
+              </a:rPr>
+              <a:t>Volosoft, Co-founder</a:t>
+            </a:r>
+            <a:endParaRPr dirty="0">
+              <a:solidFill>
+                <a:srgbClr val="4E5258"/>
+              </a:solidFill>
+              <a:latin typeface="Poppins"/>
+              <a:ea typeface="Poppins"/>
+              <a:cs typeface="Poppins"/>
+              <a:sym typeface="Poppins"/>
+            </a:endParaRPr>
+          </a:p>
+        </p:txBody>
+      </p:sp>
+      <p:pic>
+        <p:nvPicPr>
+          <p:cNvPr id="5" name="Picture 4" descr="Halil İbrahim Kalkan">
+            <a:extLst>
+              <a:ext uri="{FF2B5EF4-FFF2-40B4-BE49-F238E27FC236}">
+                <a16:creationId xmlns:a16="http://schemas.microsoft.com/office/drawing/2014/main" id="{E8883BFA-809D-EC40-BADA-940BE81559A7}"/>
+              </a:ext>
+            </a:extLst>
+          </p:cNvPr>
+          <p:cNvPicPr>
+            <a:picLocks noChangeAspect="1" noChangeArrowheads="1"/>
+          </p:cNvPicPr>
+          <p:nvPr/>
+        </p:nvPicPr>
+        <p:blipFill>
+          <a:blip r:embed="rId7">
+            <a:extLst>
+              <a:ext uri="{28A0092B-C50C-407E-A947-70E740481C1C}">
+                <a14:useLocalDpi xmlns:a14="http://schemas.microsoft.com/office/drawing/2010/main" val="0"/>
+              </a:ext>
+            </a:extLst>
+          </a:blip>
+          <a:srcRect/>
+          <a:stretch>
+            <a:fillRect/>
+          </a:stretch>
+        </p:blipFill>
+        <p:spPr bwMode="auto">
+          <a:xfrm>
+            <a:off x="517200" y="2436577"/>
+            <a:ext cx="812175" cy="812175"/>
+          </a:xfrm>
+          <a:prstGeom prst="ellipse">
+            <a:avLst/>
+          </a:prstGeom>
+          <a:ln w="25400" cap="rnd">
+            <a:noFill/>
+          </a:ln>
+          <a:effectLst/>
+          <a:scene3d>
+            <a:camera prst="orthographicFront"/>
+            <a:lightRig rig="contrasting" dir="t">
+              <a:rot lat="0" lon="0" rev="3000000"/>
+            </a:lightRig>
+          </a:scene3d>
+          <a:sp3d contourW="7620">
+            <a:bevelT w="95250" h="31750"/>
+            <a:contourClr>
+              <a:srgbClr val="333333"/>
+            </a:contourClr>
+          </a:sp3d>
+          <a:extLst>
+            <a:ext uri="{909E8E84-426E-40DD-AFC4-6F175D3DCCD1}">
+              <a14:hiddenFill xmlns:a14="http://schemas.microsoft.com/office/drawing/2010/main">
+                <a:solidFill>
+                  <a:srgbClr val="FFFFFF"/>
+                </a:solidFill>
+              </a14:hiddenFill>
+            </a:ext>
+          </a:extLst>
+        </p:spPr>
+      </p:pic>
+      <p:pic>
+        <p:nvPicPr>
+          <p:cNvPr id="9" name="Picture 8">
+            <a:extLst>
+              <a:ext uri="{FF2B5EF4-FFF2-40B4-BE49-F238E27FC236}">
+                <a16:creationId xmlns:a16="http://schemas.microsoft.com/office/drawing/2014/main" id="{681ED303-0DA2-90CA-94E8-8DE3275D21FB}"/>
+              </a:ext>
+            </a:extLst>
+          </p:cNvPr>
+          <p:cNvPicPr>
+            <a:picLocks noChangeAspect="1"/>
+          </p:cNvPicPr>
+          <p:nvPr/>
+        </p:nvPicPr>
+        <p:blipFill>
+          <a:blip r:embed="rId8"/>
+          <a:stretch>
+            <a:fillRect/>
+          </a:stretch>
+        </p:blipFill>
+        <p:spPr>
+          <a:xfrm>
+            <a:off x="5823388" y="1287542"/>
+            <a:ext cx="2692892" cy="2692892"/>
+          </a:xfrm>
+          <a:prstGeom prst="rect">
+            <a:avLst/>
+          </a:prstGeom>
+          <a:effectLst>
+            <a:softEdge rad="165100"/>
+          </a:effectLst>
         </p:spPr>
       </p:pic>
     </p:spTree>
@@ -9617,9 +11072,22 @@
 <file path=ppt/slides/slide2.xml><?xml version="1.0" encoding="utf-8"?>
 <p:sld xmlns:a="http://schemas.openxmlformats.org/drawingml/2006/main" xmlns:r="http://schemas.openxmlformats.org/officeDocument/2006/relationships" xmlns:p="http://schemas.openxmlformats.org/presentationml/2006/main">
   <p:cSld>
+    <p:bg>
+      <p:bgPr>
+        <a:blipFill>
+          <a:blip r:embed="rId3">
+            <a:alphaModFix/>
+          </a:blip>
+          <a:stretch>
+            <a:fillRect/>
+          </a:stretch>
+        </a:blipFill>
+        <a:effectLst/>
+      </p:bgPr>
+    </p:bg>
     <p:spTree>
       <p:nvGrpSpPr>
-        <p:cNvPr id="1" name=""/>
+        <p:cNvPr id="1" name="Shape 66"/>
         <p:cNvGrpSpPr/>
         <p:nvPr/>
       </p:nvGrpSpPr>
@@ -9633,131 +11101,14 @@
       </p:grpSpPr>
       <p:sp>
         <p:nvSpPr>
-          <p:cNvPr id="2" name="Title 1">
-            <a:extLst>
-              <a:ext uri="{FF2B5EF4-FFF2-40B4-BE49-F238E27FC236}">
-                <a16:creationId xmlns:a16="http://schemas.microsoft.com/office/drawing/2014/main" id="{55E11F08-6CA0-48F1-AD67-97430DDA07F0}"/>
-              </a:ext>
-            </a:extLst>
-          </p:cNvPr>
-          <p:cNvSpPr>
-            <a:spLocks noGrp="1"/>
-          </p:cNvSpPr>
-          <p:nvPr>
-            <p:ph type="title"/>
-          </p:nvPr>
+          <p:cNvPr id="67" name="Google Shape;67;p2"/>
+          <p:cNvSpPr txBox="1"/>
+          <p:nvPr/>
         </p:nvSpPr>
         <p:spPr>
           <a:xfrm>
-            <a:off x="311700" y="288275"/>
-            <a:ext cx="8520600" cy="572700"/>
-          </a:xfrm>
-        </p:spPr>
-        <p:txBody>
-          <a:bodyPr>
-            <a:normAutofit fontScale="90000"/>
-          </a:bodyPr>
-          <a:lstStyle/>
-          <a:p>
-            <a:r>
-              <a:rPr lang="tr" sz="2800" b="1" i="0" u="none" strike="noStrike" cap="none" dirty="0">
-                <a:solidFill>
-                  <a:srgbClr val="292D33"/>
-                </a:solidFill>
-                <a:latin typeface="Lexend"/>
-                <a:ea typeface="Lexend"/>
-                <a:cs typeface="Lexend"/>
-                <a:sym typeface="Lexend"/>
-              </a:rPr>
-              <a:t>About Me</a:t>
-            </a:r>
-            <a:endParaRPr lang="en-US" b="1" dirty="0">
-              <a:solidFill>
-                <a:srgbClr val="292D33"/>
-              </a:solidFill>
-              <a:latin typeface="Euclid Circular B" panose="020B0504000000000000" pitchFamily="34" charset="0"/>
-              <a:ea typeface="Euclid Circular B" panose="020B0504000000000000" pitchFamily="34" charset="0"/>
-            </a:endParaRPr>
-          </a:p>
-        </p:txBody>
-      </p:sp>
-      <p:sp>
-        <p:nvSpPr>
-          <p:cNvPr id="3" name="Content Placeholder 2">
-            <a:extLst>
-              <a:ext uri="{FF2B5EF4-FFF2-40B4-BE49-F238E27FC236}">
-                <a16:creationId xmlns:a16="http://schemas.microsoft.com/office/drawing/2014/main" id="{891C7693-D3DF-4635-96F4-97F3B4136FDF}"/>
-              </a:ext>
-            </a:extLst>
-          </p:cNvPr>
-          <p:cNvSpPr>
-            <a:spLocks noGrp="1"/>
-          </p:cNvSpPr>
-          <p:nvPr>
-            <p:ph idx="1"/>
-          </p:nvPr>
-        </p:nvSpPr>
-        <p:spPr>
-          <a:xfrm>
-            <a:off x="311700" y="860975"/>
-            <a:ext cx="8520600" cy="3707900"/>
-          </a:xfrm>
-        </p:spPr>
-        <p:txBody>
-          <a:bodyPr>
-            <a:normAutofit/>
-          </a:bodyPr>
-          <a:lstStyle/>
-          <a:p>
-            <a:pPr marL="114300" indent="0">
-              <a:buNone/>
-            </a:pPr>
-            <a:r>
-              <a:rPr lang="tr-TR" sz="1600" dirty="0">
-                <a:solidFill>
-                  <a:schemeClr val="tx1"/>
-                </a:solidFill>
-                <a:latin typeface="Poppins" panose="00000500000000000000" pitchFamily="2" charset="-94"/>
-                <a:ea typeface="Euclid Circular B" panose="020B0504000000000000" pitchFamily="34" charset="0"/>
-                <a:cs typeface="Poppins" panose="00000500000000000000" pitchFamily="2" charset="-94"/>
-              </a:rPr>
-              <a:t>TODO</a:t>
-            </a:r>
-            <a:endParaRPr lang="en-US" sz="1600" dirty="0">
-              <a:solidFill>
-                <a:schemeClr val="tx1"/>
-              </a:solidFill>
-              <a:latin typeface="Poppins" panose="00000500000000000000" pitchFamily="2" charset="-94"/>
-              <a:ea typeface="Euclid Circular B" panose="020B0504000000000000" pitchFamily="34" charset="0"/>
-              <a:cs typeface="Poppins" panose="00000500000000000000" pitchFamily="2" charset="-94"/>
-            </a:endParaRPr>
-          </a:p>
-        </p:txBody>
-      </p:sp>
-      <p:pic>
-        <p:nvPicPr>
-          <p:cNvPr id="4" name="Google Shape;67;p2">
-            <a:extLst>
-              <a:ext uri="{FF2B5EF4-FFF2-40B4-BE49-F238E27FC236}">
-                <a16:creationId xmlns:a16="http://schemas.microsoft.com/office/drawing/2014/main" id="{AF5317AF-3A19-02CB-072D-1F6BD33DA599}"/>
-              </a:ext>
-            </a:extLst>
-          </p:cNvPr>
-          <p:cNvPicPr preferRelativeResize="0"/>
-          <p:nvPr/>
-        </p:nvPicPr>
-        <p:blipFill>
-          <a:blip r:embed="rId2">
-            <a:alphaModFix/>
-          </a:blip>
-          <a:stretch>
-            <a:fillRect/>
-          </a:stretch>
-        </p:blipFill>
-        <p:spPr>
-          <a:xfrm>
-            <a:off x="8247767" y="4746141"/>
-            <a:ext cx="740597" cy="254502"/>
+            <a:off x="306575" y="269175"/>
+            <a:ext cx="8410500" cy="554100"/>
           </a:xfrm>
           <a:prstGeom prst="rect">
             <a:avLst/>
@@ -9767,13 +11118,104 @@
             <a:noFill/>
           </a:ln>
         </p:spPr>
-      </p:pic>
+        <p:txBody>
+          <a:bodyPr spcFirstLastPara="1" wrap="square" lIns="91425" tIns="91425" rIns="91425" bIns="91425" anchor="t" anchorCtr="0">
+            <a:normAutofit/>
+          </a:bodyPr>
+          <a:lstStyle/>
+          <a:p>
+            <a:pPr marL="0" lvl="0" indent="0" algn="l" rtl="0">
+              <a:spcBef>
+                <a:spcPts val="0"/>
+              </a:spcBef>
+              <a:spcAft>
+                <a:spcPts val="0"/>
+              </a:spcAft>
+              <a:buNone/>
+            </a:pPr>
+            <a:r>
+              <a:rPr lang="tr" sz="2400" b="1" dirty="0">
+                <a:solidFill>
+                  <a:srgbClr val="292D33"/>
+                </a:solidFill>
+                <a:latin typeface="Lexend"/>
+                <a:ea typeface="Lexend"/>
+                <a:cs typeface="Lexend"/>
+                <a:sym typeface="Lexend"/>
+              </a:rPr>
+              <a:t>TITLE</a:t>
+            </a:r>
+            <a:endParaRPr sz="2400" b="1" dirty="0">
+              <a:solidFill>
+                <a:srgbClr val="292D33"/>
+              </a:solidFill>
+              <a:latin typeface="Lexend"/>
+              <a:ea typeface="Lexend"/>
+              <a:cs typeface="Lexend"/>
+              <a:sym typeface="Lexend"/>
+            </a:endParaRPr>
+          </a:p>
+        </p:txBody>
+      </p:sp>
+      <p:sp>
+        <p:nvSpPr>
+          <p:cNvPr id="68" name="Google Shape;68;p2"/>
+          <p:cNvSpPr txBox="1"/>
+          <p:nvPr/>
+        </p:nvSpPr>
+        <p:spPr>
+          <a:xfrm>
+            <a:off x="306575" y="823275"/>
+            <a:ext cx="8410500" cy="3577500"/>
+          </a:xfrm>
+          <a:prstGeom prst="rect">
+            <a:avLst/>
+          </a:prstGeom>
+          <a:noFill/>
+          <a:ln>
+            <a:noFill/>
+          </a:ln>
+        </p:spPr>
+        <p:txBody>
+          <a:bodyPr spcFirstLastPara="1" wrap="square" lIns="91425" tIns="91425" rIns="91425" bIns="91425" anchor="t" anchorCtr="0">
+            <a:normAutofit/>
+          </a:bodyPr>
+          <a:lstStyle/>
+          <a:p>
+            <a:pPr marL="0" lvl="0" indent="0" algn="l" rtl="0">
+              <a:spcBef>
+                <a:spcPts val="0"/>
+              </a:spcBef>
+              <a:spcAft>
+                <a:spcPts val="0"/>
+              </a:spcAft>
+              <a:buNone/>
+            </a:pPr>
+            <a:r>
+              <a:rPr lang="tr" sz="1500" dirty="0">
+                <a:solidFill>
+                  <a:srgbClr val="4E5258"/>
+                </a:solidFill>
+                <a:latin typeface="Poppins"/>
+                <a:ea typeface="Poppins"/>
+                <a:cs typeface="Poppins"/>
+                <a:sym typeface="Poppins"/>
+              </a:rPr>
+              <a:t>TODO</a:t>
+            </a:r>
+            <a:endParaRPr sz="1500" dirty="0">
+              <a:solidFill>
+                <a:srgbClr val="4E5258"/>
+              </a:solidFill>
+              <a:latin typeface="Poppins"/>
+              <a:ea typeface="Poppins"/>
+              <a:cs typeface="Poppins"/>
+              <a:sym typeface="Poppins"/>
+            </a:endParaRPr>
+          </a:p>
+        </p:txBody>
+      </p:sp>
     </p:spTree>
-    <p:extLst>
-      <p:ext uri="{BB962C8B-B14F-4D97-AF65-F5344CB8AC3E}">
-        <p14:creationId xmlns:p14="http://schemas.microsoft.com/office/powerpoint/2010/main" val="721846992"/>
-      </p:ext>
-    </p:extLst>
   </p:cSld>
   <p:clrMapOvr>
     <a:masterClrMapping/>
@@ -9784,9 +11226,22 @@
 <file path=ppt/slides/slide3.xml><?xml version="1.0" encoding="utf-8"?>
 <p:sld xmlns:a="http://schemas.openxmlformats.org/drawingml/2006/main" xmlns:r="http://schemas.openxmlformats.org/officeDocument/2006/relationships" xmlns:p="http://schemas.openxmlformats.org/presentationml/2006/main">
   <p:cSld>
+    <p:bg>
+      <p:bgPr>
+        <a:blipFill>
+          <a:blip r:embed="rId3">
+            <a:alphaModFix/>
+          </a:blip>
+          <a:stretch>
+            <a:fillRect/>
+          </a:stretch>
+        </a:blipFill>
+        <a:effectLst/>
+      </p:bgPr>
+    </p:bg>
     <p:spTree>
       <p:nvGrpSpPr>
-        <p:cNvPr id="1" name=""/>
+        <p:cNvPr id="1" name="Shape 66"/>
         <p:cNvGrpSpPr/>
         <p:nvPr/>
       </p:nvGrpSpPr>
@@ -9800,131 +11255,14 @@
       </p:grpSpPr>
       <p:sp>
         <p:nvSpPr>
-          <p:cNvPr id="2" name="Title 1">
-            <a:extLst>
-              <a:ext uri="{FF2B5EF4-FFF2-40B4-BE49-F238E27FC236}">
-                <a16:creationId xmlns:a16="http://schemas.microsoft.com/office/drawing/2014/main" id="{55E11F08-6CA0-48F1-AD67-97430DDA07F0}"/>
-              </a:ext>
-            </a:extLst>
-          </p:cNvPr>
-          <p:cNvSpPr>
-            <a:spLocks noGrp="1"/>
-          </p:cNvSpPr>
-          <p:nvPr>
-            <p:ph type="title"/>
-          </p:nvPr>
+          <p:cNvPr id="67" name="Google Shape;67;p2"/>
+          <p:cNvSpPr txBox="1"/>
+          <p:nvPr/>
         </p:nvSpPr>
         <p:spPr>
           <a:xfrm>
-            <a:off x="311700" y="288275"/>
-            <a:ext cx="8520600" cy="572700"/>
-          </a:xfrm>
-        </p:spPr>
-        <p:txBody>
-          <a:bodyPr>
-            <a:normAutofit fontScale="90000"/>
-          </a:bodyPr>
-          <a:lstStyle/>
-          <a:p>
-            <a:r>
-              <a:rPr lang="tr" sz="2800" b="1" i="0" u="none" strike="noStrike" cap="none" dirty="0">
-                <a:solidFill>
-                  <a:srgbClr val="292D33"/>
-                </a:solidFill>
-                <a:latin typeface="Lexend"/>
-                <a:ea typeface="Lexend"/>
-                <a:cs typeface="Lexend"/>
-                <a:sym typeface="Lexend"/>
-              </a:rPr>
-              <a:t>Agenda</a:t>
-            </a:r>
-            <a:endParaRPr lang="en-US" b="1" dirty="0">
-              <a:solidFill>
-                <a:srgbClr val="292D33"/>
-              </a:solidFill>
-              <a:latin typeface="Euclid Circular B" panose="020B0504000000000000" pitchFamily="34" charset="0"/>
-              <a:ea typeface="Euclid Circular B" panose="020B0504000000000000" pitchFamily="34" charset="0"/>
-            </a:endParaRPr>
-          </a:p>
-        </p:txBody>
-      </p:sp>
-      <p:sp>
-        <p:nvSpPr>
-          <p:cNvPr id="3" name="Content Placeholder 2">
-            <a:extLst>
-              <a:ext uri="{FF2B5EF4-FFF2-40B4-BE49-F238E27FC236}">
-                <a16:creationId xmlns:a16="http://schemas.microsoft.com/office/drawing/2014/main" id="{891C7693-D3DF-4635-96F4-97F3B4136FDF}"/>
-              </a:ext>
-            </a:extLst>
-          </p:cNvPr>
-          <p:cNvSpPr>
-            <a:spLocks noGrp="1"/>
-          </p:cNvSpPr>
-          <p:nvPr>
-            <p:ph idx="1"/>
-          </p:nvPr>
-        </p:nvSpPr>
-        <p:spPr>
-          <a:xfrm>
-            <a:off x="311700" y="860975"/>
-            <a:ext cx="8520600" cy="3707900"/>
-          </a:xfrm>
-        </p:spPr>
-        <p:txBody>
-          <a:bodyPr>
-            <a:normAutofit/>
-          </a:bodyPr>
-          <a:lstStyle/>
-          <a:p>
-            <a:pPr marL="114300" indent="0">
-              <a:buNone/>
-            </a:pPr>
-            <a:r>
-              <a:rPr lang="tr-TR" sz="1600" dirty="0">
-                <a:solidFill>
-                  <a:schemeClr val="tx1"/>
-                </a:solidFill>
-                <a:latin typeface="Poppins" panose="00000500000000000000" pitchFamily="2" charset="-94"/>
-                <a:ea typeface="Euclid Circular B" panose="020B0504000000000000" pitchFamily="34" charset="0"/>
-                <a:cs typeface="Poppins" panose="00000500000000000000" pitchFamily="2" charset="-94"/>
-              </a:rPr>
-              <a:t>TODO</a:t>
-            </a:r>
-            <a:endParaRPr lang="en-US" sz="1600" dirty="0">
-              <a:solidFill>
-                <a:schemeClr val="tx1"/>
-              </a:solidFill>
-              <a:latin typeface="Poppins" panose="00000500000000000000" pitchFamily="2" charset="-94"/>
-              <a:ea typeface="Euclid Circular B" panose="020B0504000000000000" pitchFamily="34" charset="0"/>
-              <a:cs typeface="Poppins" panose="00000500000000000000" pitchFamily="2" charset="-94"/>
-            </a:endParaRPr>
-          </a:p>
-        </p:txBody>
-      </p:sp>
-      <p:pic>
-        <p:nvPicPr>
-          <p:cNvPr id="4" name="Google Shape;67;p2">
-            <a:extLst>
-              <a:ext uri="{FF2B5EF4-FFF2-40B4-BE49-F238E27FC236}">
-                <a16:creationId xmlns:a16="http://schemas.microsoft.com/office/drawing/2014/main" id="{AF5317AF-3A19-02CB-072D-1F6BD33DA599}"/>
-              </a:ext>
-            </a:extLst>
-          </p:cNvPr>
-          <p:cNvPicPr preferRelativeResize="0"/>
-          <p:nvPr/>
-        </p:nvPicPr>
-        <p:blipFill>
-          <a:blip r:embed="rId2">
-            <a:alphaModFix/>
-          </a:blip>
-          <a:stretch>
-            <a:fillRect/>
-          </a:stretch>
-        </p:blipFill>
-        <p:spPr>
-          <a:xfrm>
-            <a:off x="8247767" y="4746141"/>
-            <a:ext cx="740597" cy="254502"/>
+            <a:off x="306575" y="269175"/>
+            <a:ext cx="8410500" cy="554100"/>
           </a:xfrm>
           <a:prstGeom prst="rect">
             <a:avLst/>
@@ -9934,11 +11272,107 @@
             <a:noFill/>
           </a:ln>
         </p:spPr>
-      </p:pic>
+        <p:txBody>
+          <a:bodyPr spcFirstLastPara="1" wrap="square" lIns="91425" tIns="91425" rIns="91425" bIns="91425" anchor="t" anchorCtr="0">
+            <a:normAutofit/>
+          </a:bodyPr>
+          <a:lstStyle/>
+          <a:p>
+            <a:pPr marL="0" lvl="0" indent="0" algn="l" rtl="0">
+              <a:spcBef>
+                <a:spcPts val="0"/>
+              </a:spcBef>
+              <a:spcAft>
+                <a:spcPts val="0"/>
+              </a:spcAft>
+              <a:buNone/>
+            </a:pPr>
+            <a:r>
+              <a:rPr lang="tr" sz="2400" b="1" dirty="0">
+                <a:solidFill>
+                  <a:srgbClr val="292D33"/>
+                </a:solidFill>
+                <a:latin typeface="Lexend"/>
+                <a:ea typeface="Lexend"/>
+                <a:cs typeface="Lexend"/>
+                <a:sym typeface="Lexend"/>
+              </a:rPr>
+              <a:t>TITLE</a:t>
+            </a:r>
+            <a:endParaRPr sz="2400" b="1" dirty="0">
+              <a:solidFill>
+                <a:srgbClr val="292D33"/>
+              </a:solidFill>
+              <a:latin typeface="Lexend"/>
+              <a:ea typeface="Lexend"/>
+              <a:cs typeface="Lexend"/>
+              <a:sym typeface="Lexend"/>
+            </a:endParaRPr>
+          </a:p>
+        </p:txBody>
+      </p:sp>
+      <p:sp>
+        <p:nvSpPr>
+          <p:cNvPr id="68" name="Google Shape;68;p2"/>
+          <p:cNvSpPr txBox="1"/>
+          <p:nvPr/>
+        </p:nvSpPr>
+        <p:spPr>
+          <a:xfrm>
+            <a:off x="306575" y="823275"/>
+            <a:ext cx="8410500" cy="3577500"/>
+          </a:xfrm>
+          <a:prstGeom prst="rect">
+            <a:avLst/>
+          </a:prstGeom>
+          <a:noFill/>
+          <a:ln>
+            <a:noFill/>
+          </a:ln>
+        </p:spPr>
+        <p:txBody>
+          <a:bodyPr spcFirstLastPara="1" wrap="square" lIns="91425" tIns="91425" rIns="91425" bIns="91425" anchor="t" anchorCtr="0">
+            <a:normAutofit/>
+          </a:bodyPr>
+          <a:lstStyle/>
+          <a:p>
+            <a:pPr marL="0" lvl="0" indent="0" algn="l" rtl="0">
+              <a:spcBef>
+                <a:spcPts val="0"/>
+              </a:spcBef>
+              <a:spcAft>
+                <a:spcPts val="0"/>
+              </a:spcAft>
+              <a:buNone/>
+            </a:pPr>
+            <a:r>
+              <a:rPr lang="tr" sz="1500" dirty="0">
+                <a:solidFill>
+                  <a:srgbClr val="4E5258"/>
+                </a:solidFill>
+                <a:latin typeface="Poppins"/>
+                <a:ea typeface="Poppins"/>
+                <a:cs typeface="Poppins"/>
+                <a:sym typeface="Poppins"/>
+              </a:rPr>
+              <a:t>TODO</a:t>
+            </a:r>
+            <a:endParaRPr sz="1500" dirty="0">
+              <a:solidFill>
+                <a:srgbClr val="4E5258"/>
+              </a:solidFill>
+              <a:latin typeface="Poppins"/>
+              <a:ea typeface="Poppins"/>
+              <a:cs typeface="Poppins"/>
+              <a:sym typeface="Poppins"/>
+            </a:endParaRPr>
+          </a:p>
+        </p:txBody>
+      </p:sp>
     </p:spTree>
     <p:extLst>
       <p:ext uri="{BB962C8B-B14F-4D97-AF65-F5344CB8AC3E}">
-        <p14:creationId xmlns:p14="http://schemas.microsoft.com/office/powerpoint/2010/main" val="1717746831"/>
+        <p14:creationId xmlns:p14="http://schemas.microsoft.com/office/powerpoint/2010/main" val="1543042706"/>
       </p:ext>
     </p:extLst>
   </p:cSld>
@@ -9951,9 +11385,22 @@
 <file path=ppt/slides/slide4.xml><?xml version="1.0" encoding="utf-8"?>
 <p:sld xmlns:a="http://schemas.openxmlformats.org/drawingml/2006/main" xmlns:r="http://schemas.openxmlformats.org/officeDocument/2006/relationships" xmlns:p="http://schemas.openxmlformats.org/presentationml/2006/main">
   <p:cSld>
+    <p:bg>
+      <p:bgPr>
+        <a:blipFill>
+          <a:blip r:embed="rId3">
+            <a:alphaModFix/>
+          </a:blip>
+          <a:stretch>
+            <a:fillRect/>
+          </a:stretch>
+        </a:blipFill>
+        <a:effectLst/>
+      </p:bgPr>
+    </p:bg>
     <p:spTree>
       <p:nvGrpSpPr>
-        <p:cNvPr id="1" name=""/>
+        <p:cNvPr id="1" name="Shape 66"/>
         <p:cNvGrpSpPr/>
         <p:nvPr/>
       </p:nvGrpSpPr>
@@ -9967,131 +11414,14 @@
       </p:grpSpPr>
       <p:sp>
         <p:nvSpPr>
-          <p:cNvPr id="2" name="Title 1">
-            <a:extLst>
-              <a:ext uri="{FF2B5EF4-FFF2-40B4-BE49-F238E27FC236}">
-                <a16:creationId xmlns:a16="http://schemas.microsoft.com/office/drawing/2014/main" id="{55E11F08-6CA0-48F1-AD67-97430DDA07F0}"/>
-              </a:ext>
-            </a:extLst>
-          </p:cNvPr>
-          <p:cNvSpPr>
-            <a:spLocks noGrp="1"/>
-          </p:cNvSpPr>
-          <p:nvPr>
-            <p:ph type="title"/>
-          </p:nvPr>
+          <p:cNvPr id="67" name="Google Shape;67;p2"/>
+          <p:cNvSpPr txBox="1"/>
+          <p:nvPr/>
         </p:nvSpPr>
         <p:spPr>
           <a:xfrm>
-            <a:off x="311700" y="288275"/>
-            <a:ext cx="8520600" cy="572700"/>
-          </a:xfrm>
-        </p:spPr>
-        <p:txBody>
-          <a:bodyPr>
-            <a:normAutofit fontScale="90000"/>
-          </a:bodyPr>
-          <a:lstStyle/>
-          <a:p>
-            <a:r>
-              <a:rPr lang="tr" sz="2800" b="1" i="0" u="none" strike="noStrike" cap="none" dirty="0">
-                <a:solidFill>
-                  <a:srgbClr val="292D33"/>
-                </a:solidFill>
-                <a:latin typeface="Lexend"/>
-                <a:ea typeface="Lexend"/>
-                <a:cs typeface="Lexend"/>
-                <a:sym typeface="Lexend"/>
-              </a:rPr>
-              <a:t>TITLE</a:t>
-            </a:r>
-            <a:endParaRPr lang="en-US" b="1" dirty="0">
-              <a:solidFill>
-                <a:srgbClr val="292D33"/>
-              </a:solidFill>
-              <a:latin typeface="Euclid Circular B" panose="020B0504000000000000" pitchFamily="34" charset="0"/>
-              <a:ea typeface="Euclid Circular B" panose="020B0504000000000000" pitchFamily="34" charset="0"/>
-            </a:endParaRPr>
-          </a:p>
-        </p:txBody>
-      </p:sp>
-      <p:sp>
-        <p:nvSpPr>
-          <p:cNvPr id="3" name="Content Placeholder 2">
-            <a:extLst>
-              <a:ext uri="{FF2B5EF4-FFF2-40B4-BE49-F238E27FC236}">
-                <a16:creationId xmlns:a16="http://schemas.microsoft.com/office/drawing/2014/main" id="{891C7693-D3DF-4635-96F4-97F3B4136FDF}"/>
-              </a:ext>
-            </a:extLst>
-          </p:cNvPr>
-          <p:cNvSpPr>
-            <a:spLocks noGrp="1"/>
-          </p:cNvSpPr>
-          <p:nvPr>
-            <p:ph idx="1"/>
-          </p:nvPr>
-        </p:nvSpPr>
-        <p:spPr>
-          <a:xfrm>
-            <a:off x="311700" y="860975"/>
-            <a:ext cx="8520600" cy="3707900"/>
-          </a:xfrm>
-        </p:spPr>
-        <p:txBody>
-          <a:bodyPr>
-            <a:normAutofit/>
-          </a:bodyPr>
-          <a:lstStyle/>
-          <a:p>
-            <a:pPr marL="114300" indent="0">
-              <a:buNone/>
-            </a:pPr>
-            <a:r>
-              <a:rPr lang="tr-TR" sz="1600" dirty="0">
-                <a:solidFill>
-                  <a:schemeClr val="tx1"/>
-                </a:solidFill>
-                <a:latin typeface="Poppins" panose="00000500000000000000" pitchFamily="2" charset="-94"/>
-                <a:ea typeface="Euclid Circular B" panose="020B0504000000000000" pitchFamily="34" charset="0"/>
-                <a:cs typeface="Poppins" panose="00000500000000000000" pitchFamily="2" charset="-94"/>
-              </a:rPr>
-              <a:t>TODO</a:t>
-            </a:r>
-            <a:endParaRPr lang="en-US" sz="1600" dirty="0">
-              <a:solidFill>
-                <a:schemeClr val="tx1"/>
-              </a:solidFill>
-              <a:latin typeface="Poppins" panose="00000500000000000000" pitchFamily="2" charset="-94"/>
-              <a:ea typeface="Euclid Circular B" panose="020B0504000000000000" pitchFamily="34" charset="0"/>
-              <a:cs typeface="Poppins" panose="00000500000000000000" pitchFamily="2" charset="-94"/>
-            </a:endParaRPr>
-          </a:p>
-        </p:txBody>
-      </p:sp>
-      <p:pic>
-        <p:nvPicPr>
-          <p:cNvPr id="4" name="Google Shape;67;p2">
-            <a:extLst>
-              <a:ext uri="{FF2B5EF4-FFF2-40B4-BE49-F238E27FC236}">
-                <a16:creationId xmlns:a16="http://schemas.microsoft.com/office/drawing/2014/main" id="{AF5317AF-3A19-02CB-072D-1F6BD33DA599}"/>
-              </a:ext>
-            </a:extLst>
-          </p:cNvPr>
-          <p:cNvPicPr preferRelativeResize="0"/>
-          <p:nvPr/>
-        </p:nvPicPr>
-        <p:blipFill>
-          <a:blip r:embed="rId2">
-            <a:alphaModFix/>
-          </a:blip>
-          <a:stretch>
-            <a:fillRect/>
-          </a:stretch>
-        </p:blipFill>
-        <p:spPr>
-          <a:xfrm>
-            <a:off x="8247767" y="4746141"/>
-            <a:ext cx="740597" cy="254502"/>
+            <a:off x="306575" y="269175"/>
+            <a:ext cx="8410500" cy="554100"/>
           </a:xfrm>
           <a:prstGeom prst="rect">
             <a:avLst/>
@@ -10101,11 +11431,107 @@
             <a:noFill/>
           </a:ln>
         </p:spPr>
-      </p:pic>
+        <p:txBody>
+          <a:bodyPr spcFirstLastPara="1" wrap="square" lIns="91425" tIns="91425" rIns="91425" bIns="91425" anchor="t" anchorCtr="0">
+            <a:normAutofit/>
+          </a:bodyPr>
+          <a:lstStyle/>
+          <a:p>
+            <a:pPr marL="0" lvl="0" indent="0" algn="l" rtl="0">
+              <a:spcBef>
+                <a:spcPts val="0"/>
+              </a:spcBef>
+              <a:spcAft>
+                <a:spcPts val="0"/>
+              </a:spcAft>
+              <a:buNone/>
+            </a:pPr>
+            <a:r>
+              <a:rPr lang="tr" sz="2400" b="1" dirty="0">
+                <a:solidFill>
+                  <a:srgbClr val="292D33"/>
+                </a:solidFill>
+                <a:latin typeface="Lexend"/>
+                <a:ea typeface="Lexend"/>
+                <a:cs typeface="Lexend"/>
+                <a:sym typeface="Lexend"/>
+              </a:rPr>
+              <a:t>TITLE</a:t>
+            </a:r>
+            <a:endParaRPr sz="2400" b="1" dirty="0">
+              <a:solidFill>
+                <a:srgbClr val="292D33"/>
+              </a:solidFill>
+              <a:latin typeface="Lexend"/>
+              <a:ea typeface="Lexend"/>
+              <a:cs typeface="Lexend"/>
+              <a:sym typeface="Lexend"/>
+            </a:endParaRPr>
+          </a:p>
+        </p:txBody>
+      </p:sp>
+      <p:sp>
+        <p:nvSpPr>
+          <p:cNvPr id="68" name="Google Shape;68;p2"/>
+          <p:cNvSpPr txBox="1"/>
+          <p:nvPr/>
+        </p:nvSpPr>
+        <p:spPr>
+          <a:xfrm>
+            <a:off x="306575" y="823275"/>
+            <a:ext cx="8410500" cy="3577500"/>
+          </a:xfrm>
+          <a:prstGeom prst="rect">
+            <a:avLst/>
+          </a:prstGeom>
+          <a:noFill/>
+          <a:ln>
+            <a:noFill/>
+          </a:ln>
+        </p:spPr>
+        <p:txBody>
+          <a:bodyPr spcFirstLastPara="1" wrap="square" lIns="91425" tIns="91425" rIns="91425" bIns="91425" anchor="t" anchorCtr="0">
+            <a:normAutofit/>
+          </a:bodyPr>
+          <a:lstStyle/>
+          <a:p>
+            <a:pPr marL="0" lvl="0" indent="0" algn="l" rtl="0">
+              <a:spcBef>
+                <a:spcPts val="0"/>
+              </a:spcBef>
+              <a:spcAft>
+                <a:spcPts val="0"/>
+              </a:spcAft>
+              <a:buNone/>
+            </a:pPr>
+            <a:r>
+              <a:rPr lang="tr" sz="1500" dirty="0">
+                <a:solidFill>
+                  <a:srgbClr val="4E5258"/>
+                </a:solidFill>
+                <a:latin typeface="Poppins"/>
+                <a:ea typeface="Poppins"/>
+                <a:cs typeface="Poppins"/>
+                <a:sym typeface="Poppins"/>
+              </a:rPr>
+              <a:t>TODO</a:t>
+            </a:r>
+            <a:endParaRPr sz="1500" dirty="0">
+              <a:solidFill>
+                <a:srgbClr val="4E5258"/>
+              </a:solidFill>
+              <a:latin typeface="Poppins"/>
+              <a:ea typeface="Poppins"/>
+              <a:cs typeface="Poppins"/>
+              <a:sym typeface="Poppins"/>
+            </a:endParaRPr>
+          </a:p>
+        </p:txBody>
+      </p:sp>
     </p:spTree>
     <p:extLst>
       <p:ext uri="{BB962C8B-B14F-4D97-AF65-F5344CB8AC3E}">
-        <p14:creationId xmlns:p14="http://schemas.microsoft.com/office/powerpoint/2010/main" val="1406529515"/>
+        <p14:creationId xmlns:p14="http://schemas.microsoft.com/office/powerpoint/2010/main" val="2033411675"/>
       </p:ext>
     </p:extLst>
   </p:cSld>
@@ -10118,9 +11544,22 @@
 <file path=ppt/slides/slide5.xml><?xml version="1.0" encoding="utf-8"?>
 <p:sld xmlns:a="http://schemas.openxmlformats.org/drawingml/2006/main" xmlns:r="http://schemas.openxmlformats.org/officeDocument/2006/relationships" xmlns:p="http://schemas.openxmlformats.org/presentationml/2006/main">
   <p:cSld>
+    <p:bg>
+      <p:bgPr>
+        <a:blipFill>
+          <a:blip r:embed="rId3">
+            <a:alphaModFix/>
+          </a:blip>
+          <a:stretch>
+            <a:fillRect/>
+          </a:stretch>
+        </a:blipFill>
+        <a:effectLst/>
+      </p:bgPr>
+    </p:bg>
     <p:spTree>
       <p:nvGrpSpPr>
-        <p:cNvPr id="1" name=""/>
+        <p:cNvPr id="1" name="Shape 66"/>
         <p:cNvGrpSpPr/>
         <p:nvPr/>
       </p:nvGrpSpPr>
@@ -10134,131 +11573,14 @@
       </p:grpSpPr>
       <p:sp>
         <p:nvSpPr>
-          <p:cNvPr id="2" name="Title 1">
-            <a:extLst>
-              <a:ext uri="{FF2B5EF4-FFF2-40B4-BE49-F238E27FC236}">
-                <a16:creationId xmlns:a16="http://schemas.microsoft.com/office/drawing/2014/main" id="{55E11F08-6CA0-48F1-AD67-97430DDA07F0}"/>
-              </a:ext>
-            </a:extLst>
-          </p:cNvPr>
-          <p:cNvSpPr>
-            <a:spLocks noGrp="1"/>
-          </p:cNvSpPr>
-          <p:nvPr>
-            <p:ph type="title"/>
-          </p:nvPr>
+          <p:cNvPr id="67" name="Google Shape;67;p2"/>
+          <p:cNvSpPr txBox="1"/>
+          <p:nvPr/>
         </p:nvSpPr>
         <p:spPr>
           <a:xfrm>
-            <a:off x="311700" y="288275"/>
-            <a:ext cx="8520600" cy="572700"/>
-          </a:xfrm>
-        </p:spPr>
-        <p:txBody>
-          <a:bodyPr>
-            <a:normAutofit fontScale="90000"/>
-          </a:bodyPr>
-          <a:lstStyle/>
-          <a:p>
-            <a:r>
-              <a:rPr lang="tr" sz="2800" b="1" i="0" u="none" strike="noStrike" cap="none" dirty="0">
-                <a:solidFill>
-                  <a:srgbClr val="292D33"/>
-                </a:solidFill>
-                <a:latin typeface="Lexend"/>
-                <a:ea typeface="Lexend"/>
-                <a:cs typeface="Lexend"/>
-                <a:sym typeface="Lexend"/>
-              </a:rPr>
-              <a:t>TITLE</a:t>
-            </a:r>
-            <a:endParaRPr lang="en-US" b="1" dirty="0">
-              <a:solidFill>
-                <a:srgbClr val="292D33"/>
-              </a:solidFill>
-              <a:latin typeface="Euclid Circular B" panose="020B0504000000000000" pitchFamily="34" charset="0"/>
-              <a:ea typeface="Euclid Circular B" panose="020B0504000000000000" pitchFamily="34" charset="0"/>
-            </a:endParaRPr>
-          </a:p>
-        </p:txBody>
-      </p:sp>
-      <p:sp>
-        <p:nvSpPr>
-          <p:cNvPr id="3" name="Content Placeholder 2">
-            <a:extLst>
-              <a:ext uri="{FF2B5EF4-FFF2-40B4-BE49-F238E27FC236}">
-                <a16:creationId xmlns:a16="http://schemas.microsoft.com/office/drawing/2014/main" id="{891C7693-D3DF-4635-96F4-97F3B4136FDF}"/>
-              </a:ext>
-            </a:extLst>
-          </p:cNvPr>
-          <p:cNvSpPr>
-            <a:spLocks noGrp="1"/>
-          </p:cNvSpPr>
-          <p:nvPr>
-            <p:ph idx="1"/>
-          </p:nvPr>
-        </p:nvSpPr>
-        <p:spPr>
-          <a:xfrm>
-            <a:off x="311700" y="860975"/>
-            <a:ext cx="8520600" cy="3707900"/>
-          </a:xfrm>
-        </p:spPr>
-        <p:txBody>
-          <a:bodyPr>
-            <a:normAutofit/>
-          </a:bodyPr>
-          <a:lstStyle/>
-          <a:p>
-            <a:pPr marL="114300" indent="0">
-              <a:buNone/>
-            </a:pPr>
-            <a:r>
-              <a:rPr lang="tr-TR" sz="1600" dirty="0">
-                <a:solidFill>
-                  <a:schemeClr val="tx1"/>
-                </a:solidFill>
-                <a:latin typeface="Poppins" panose="00000500000000000000" pitchFamily="2" charset="-94"/>
-                <a:ea typeface="Euclid Circular B" panose="020B0504000000000000" pitchFamily="34" charset="0"/>
-                <a:cs typeface="Poppins" panose="00000500000000000000" pitchFamily="2" charset="-94"/>
-              </a:rPr>
-              <a:t>TODO</a:t>
-            </a:r>
-            <a:endParaRPr lang="en-US" sz="1600" dirty="0">
-              <a:solidFill>
-                <a:schemeClr val="tx1"/>
-              </a:solidFill>
-              <a:latin typeface="Poppins" panose="00000500000000000000" pitchFamily="2" charset="-94"/>
-              <a:ea typeface="Euclid Circular B" panose="020B0504000000000000" pitchFamily="34" charset="0"/>
-              <a:cs typeface="Poppins" panose="00000500000000000000" pitchFamily="2" charset="-94"/>
-            </a:endParaRPr>
-          </a:p>
-        </p:txBody>
-      </p:sp>
-      <p:pic>
-        <p:nvPicPr>
-          <p:cNvPr id="4" name="Google Shape;67;p2">
-            <a:extLst>
-              <a:ext uri="{FF2B5EF4-FFF2-40B4-BE49-F238E27FC236}">
-                <a16:creationId xmlns:a16="http://schemas.microsoft.com/office/drawing/2014/main" id="{AF5317AF-3A19-02CB-072D-1F6BD33DA599}"/>
-              </a:ext>
-            </a:extLst>
-          </p:cNvPr>
-          <p:cNvPicPr preferRelativeResize="0"/>
-          <p:nvPr/>
-        </p:nvPicPr>
-        <p:blipFill>
-          <a:blip r:embed="rId2">
-            <a:alphaModFix/>
-          </a:blip>
-          <a:stretch>
-            <a:fillRect/>
-          </a:stretch>
-        </p:blipFill>
-        <p:spPr>
-          <a:xfrm>
-            <a:off x="8247767" y="4746141"/>
-            <a:ext cx="740597" cy="254502"/>
+            <a:off x="306575" y="269175"/>
+            <a:ext cx="8410500" cy="554100"/>
           </a:xfrm>
           <a:prstGeom prst="rect">
             <a:avLst/>
@@ -10268,11 +11590,107 @@
             <a:noFill/>
           </a:ln>
         </p:spPr>
-      </p:pic>
+        <p:txBody>
+          <a:bodyPr spcFirstLastPara="1" wrap="square" lIns="91425" tIns="91425" rIns="91425" bIns="91425" anchor="t" anchorCtr="0">
+            <a:normAutofit/>
+          </a:bodyPr>
+          <a:lstStyle/>
+          <a:p>
+            <a:pPr marL="0" lvl="0" indent="0" algn="l" rtl="0">
+              <a:spcBef>
+                <a:spcPts val="0"/>
+              </a:spcBef>
+              <a:spcAft>
+                <a:spcPts val="0"/>
+              </a:spcAft>
+              <a:buNone/>
+            </a:pPr>
+            <a:r>
+              <a:rPr lang="tr" sz="2400" b="1" dirty="0">
+                <a:solidFill>
+                  <a:srgbClr val="292D33"/>
+                </a:solidFill>
+                <a:latin typeface="Lexend"/>
+                <a:ea typeface="Lexend"/>
+                <a:cs typeface="Lexend"/>
+                <a:sym typeface="Lexend"/>
+              </a:rPr>
+              <a:t>TITLE</a:t>
+            </a:r>
+            <a:endParaRPr sz="2400" b="1" dirty="0">
+              <a:solidFill>
+                <a:srgbClr val="292D33"/>
+              </a:solidFill>
+              <a:latin typeface="Lexend"/>
+              <a:ea typeface="Lexend"/>
+              <a:cs typeface="Lexend"/>
+              <a:sym typeface="Lexend"/>
+            </a:endParaRPr>
+          </a:p>
+        </p:txBody>
+      </p:sp>
+      <p:sp>
+        <p:nvSpPr>
+          <p:cNvPr id="68" name="Google Shape;68;p2"/>
+          <p:cNvSpPr txBox="1"/>
+          <p:nvPr/>
+        </p:nvSpPr>
+        <p:spPr>
+          <a:xfrm>
+            <a:off x="306575" y="823275"/>
+            <a:ext cx="8410500" cy="3577500"/>
+          </a:xfrm>
+          <a:prstGeom prst="rect">
+            <a:avLst/>
+          </a:prstGeom>
+          <a:noFill/>
+          <a:ln>
+            <a:noFill/>
+          </a:ln>
+        </p:spPr>
+        <p:txBody>
+          <a:bodyPr spcFirstLastPara="1" wrap="square" lIns="91425" tIns="91425" rIns="91425" bIns="91425" anchor="t" anchorCtr="0">
+            <a:normAutofit/>
+          </a:bodyPr>
+          <a:lstStyle/>
+          <a:p>
+            <a:pPr marL="0" lvl="0" indent="0" algn="l" rtl="0">
+              <a:spcBef>
+                <a:spcPts val="0"/>
+              </a:spcBef>
+              <a:spcAft>
+                <a:spcPts val="0"/>
+              </a:spcAft>
+              <a:buNone/>
+            </a:pPr>
+            <a:r>
+              <a:rPr lang="tr" sz="1500" dirty="0">
+                <a:solidFill>
+                  <a:srgbClr val="4E5258"/>
+                </a:solidFill>
+                <a:latin typeface="Poppins"/>
+                <a:ea typeface="Poppins"/>
+                <a:cs typeface="Poppins"/>
+                <a:sym typeface="Poppins"/>
+              </a:rPr>
+              <a:t>TODO</a:t>
+            </a:r>
+            <a:endParaRPr sz="1500" dirty="0">
+              <a:solidFill>
+                <a:srgbClr val="4E5258"/>
+              </a:solidFill>
+              <a:latin typeface="Poppins"/>
+              <a:ea typeface="Poppins"/>
+              <a:cs typeface="Poppins"/>
+              <a:sym typeface="Poppins"/>
+            </a:endParaRPr>
+          </a:p>
+        </p:txBody>
+      </p:sp>
     </p:spTree>
     <p:extLst>
       <p:ext uri="{BB962C8B-B14F-4D97-AF65-F5344CB8AC3E}">
-        <p14:creationId xmlns:p14="http://schemas.microsoft.com/office/powerpoint/2010/main" val="4188042031"/>
+        <p14:creationId xmlns:p14="http://schemas.microsoft.com/office/powerpoint/2010/main" val="1698451706"/>
       </p:ext>
     </p:extLst>
   </p:cSld>
@@ -10285,9 +11703,22 @@
 <file path=ppt/slides/slide6.xml><?xml version="1.0" encoding="utf-8"?>
 <p:sld xmlns:a="http://schemas.openxmlformats.org/drawingml/2006/main" xmlns:r="http://schemas.openxmlformats.org/officeDocument/2006/relationships" xmlns:p="http://schemas.openxmlformats.org/presentationml/2006/main">
   <p:cSld>
+    <p:bg>
+      <p:bgPr>
+        <a:blipFill>
+          <a:blip r:embed="rId3">
+            <a:alphaModFix/>
+          </a:blip>
+          <a:stretch>
+            <a:fillRect/>
+          </a:stretch>
+        </a:blipFill>
+        <a:effectLst/>
+      </p:bgPr>
+    </p:bg>
     <p:spTree>
       <p:nvGrpSpPr>
-        <p:cNvPr id="1" name=""/>
+        <p:cNvPr id="1" name="Shape 66"/>
         <p:cNvGrpSpPr/>
         <p:nvPr/>
       </p:nvGrpSpPr>
@@ -10301,131 +11732,14 @@
       </p:grpSpPr>
       <p:sp>
         <p:nvSpPr>
-          <p:cNvPr id="2" name="Title 1">
-            <a:extLst>
-              <a:ext uri="{FF2B5EF4-FFF2-40B4-BE49-F238E27FC236}">
-                <a16:creationId xmlns:a16="http://schemas.microsoft.com/office/drawing/2014/main" id="{55E11F08-6CA0-48F1-AD67-97430DDA07F0}"/>
-              </a:ext>
-            </a:extLst>
-          </p:cNvPr>
-          <p:cNvSpPr>
-            <a:spLocks noGrp="1"/>
-          </p:cNvSpPr>
-          <p:nvPr>
-            <p:ph type="title"/>
-          </p:nvPr>
+          <p:cNvPr id="67" name="Google Shape;67;p2"/>
+          <p:cNvSpPr txBox="1"/>
+          <p:nvPr/>
         </p:nvSpPr>
         <p:spPr>
           <a:xfrm>
-            <a:off x="311700" y="288275"/>
-            <a:ext cx="8520600" cy="572700"/>
-          </a:xfrm>
-        </p:spPr>
-        <p:txBody>
-          <a:bodyPr>
-            <a:normAutofit fontScale="90000"/>
-          </a:bodyPr>
-          <a:lstStyle/>
-          <a:p>
-            <a:r>
-              <a:rPr lang="tr" sz="2800" b="1" i="0" u="none" strike="noStrike" cap="none" dirty="0">
-                <a:solidFill>
-                  <a:srgbClr val="292D33"/>
-                </a:solidFill>
-                <a:latin typeface="Lexend"/>
-                <a:ea typeface="Lexend"/>
-                <a:cs typeface="Lexend"/>
-                <a:sym typeface="Lexend"/>
-              </a:rPr>
-              <a:t>TITLE</a:t>
-            </a:r>
-            <a:endParaRPr lang="en-US" b="1" dirty="0">
-              <a:solidFill>
-                <a:srgbClr val="292D33"/>
-              </a:solidFill>
-              <a:latin typeface="Euclid Circular B" panose="020B0504000000000000" pitchFamily="34" charset="0"/>
-              <a:ea typeface="Euclid Circular B" panose="020B0504000000000000" pitchFamily="34" charset="0"/>
-            </a:endParaRPr>
-          </a:p>
-        </p:txBody>
-      </p:sp>
-      <p:sp>
-        <p:nvSpPr>
-          <p:cNvPr id="3" name="Content Placeholder 2">
-            <a:extLst>
-              <a:ext uri="{FF2B5EF4-FFF2-40B4-BE49-F238E27FC236}">
-                <a16:creationId xmlns:a16="http://schemas.microsoft.com/office/drawing/2014/main" id="{891C7693-D3DF-4635-96F4-97F3B4136FDF}"/>
-              </a:ext>
-            </a:extLst>
-          </p:cNvPr>
-          <p:cNvSpPr>
-            <a:spLocks noGrp="1"/>
-          </p:cNvSpPr>
-          <p:nvPr>
-            <p:ph idx="1"/>
-          </p:nvPr>
-        </p:nvSpPr>
-        <p:spPr>
-          <a:xfrm>
-            <a:off x="311700" y="860975"/>
-            <a:ext cx="8520600" cy="3707900"/>
-          </a:xfrm>
-        </p:spPr>
-        <p:txBody>
-          <a:bodyPr>
-            <a:normAutofit/>
-          </a:bodyPr>
-          <a:lstStyle/>
-          <a:p>
-            <a:pPr marL="114300" indent="0">
-              <a:buNone/>
-            </a:pPr>
-            <a:r>
-              <a:rPr lang="tr-TR" sz="1600" dirty="0">
-                <a:solidFill>
-                  <a:schemeClr val="tx1"/>
-                </a:solidFill>
-                <a:latin typeface="Poppins" panose="00000500000000000000" pitchFamily="2" charset="-94"/>
-                <a:ea typeface="Euclid Circular B" panose="020B0504000000000000" pitchFamily="34" charset="0"/>
-                <a:cs typeface="Poppins" panose="00000500000000000000" pitchFamily="2" charset="-94"/>
-              </a:rPr>
-              <a:t>TODO</a:t>
-            </a:r>
-            <a:endParaRPr lang="en-US" sz="1600" dirty="0">
-              <a:solidFill>
-                <a:schemeClr val="tx1"/>
-              </a:solidFill>
-              <a:latin typeface="Poppins" panose="00000500000000000000" pitchFamily="2" charset="-94"/>
-              <a:ea typeface="Euclid Circular B" panose="020B0504000000000000" pitchFamily="34" charset="0"/>
-              <a:cs typeface="Poppins" panose="00000500000000000000" pitchFamily="2" charset="-94"/>
-            </a:endParaRPr>
-          </a:p>
-        </p:txBody>
-      </p:sp>
-      <p:pic>
-        <p:nvPicPr>
-          <p:cNvPr id="4" name="Google Shape;67;p2">
-            <a:extLst>
-              <a:ext uri="{FF2B5EF4-FFF2-40B4-BE49-F238E27FC236}">
-                <a16:creationId xmlns:a16="http://schemas.microsoft.com/office/drawing/2014/main" id="{AF5317AF-3A19-02CB-072D-1F6BD33DA599}"/>
-              </a:ext>
-            </a:extLst>
-          </p:cNvPr>
-          <p:cNvPicPr preferRelativeResize="0"/>
-          <p:nvPr/>
-        </p:nvPicPr>
-        <p:blipFill>
-          <a:blip r:embed="rId2">
-            <a:alphaModFix/>
-          </a:blip>
-          <a:stretch>
-            <a:fillRect/>
-          </a:stretch>
-        </p:blipFill>
-        <p:spPr>
-          <a:xfrm>
-            <a:off x="8247767" y="4746141"/>
-            <a:ext cx="740597" cy="254502"/>
+            <a:off x="306575" y="269175"/>
+            <a:ext cx="8410500" cy="554100"/>
           </a:xfrm>
           <a:prstGeom prst="rect">
             <a:avLst/>
@@ -10435,11 +11749,107 @@
             <a:noFill/>
           </a:ln>
         </p:spPr>
-      </p:pic>
+        <p:txBody>
+          <a:bodyPr spcFirstLastPara="1" wrap="square" lIns="91425" tIns="91425" rIns="91425" bIns="91425" anchor="t" anchorCtr="0">
+            <a:normAutofit/>
+          </a:bodyPr>
+          <a:lstStyle/>
+          <a:p>
+            <a:pPr marL="0" lvl="0" indent="0" algn="l" rtl="0">
+              <a:spcBef>
+                <a:spcPts val="0"/>
+              </a:spcBef>
+              <a:spcAft>
+                <a:spcPts val="0"/>
+              </a:spcAft>
+              <a:buNone/>
+            </a:pPr>
+            <a:r>
+              <a:rPr lang="tr" sz="2400" b="1" dirty="0">
+                <a:solidFill>
+                  <a:srgbClr val="292D33"/>
+                </a:solidFill>
+                <a:latin typeface="Lexend"/>
+                <a:ea typeface="Lexend"/>
+                <a:cs typeface="Lexend"/>
+                <a:sym typeface="Lexend"/>
+              </a:rPr>
+              <a:t>TITLE</a:t>
+            </a:r>
+            <a:endParaRPr sz="2400" b="1" dirty="0">
+              <a:solidFill>
+                <a:srgbClr val="292D33"/>
+              </a:solidFill>
+              <a:latin typeface="Lexend"/>
+              <a:ea typeface="Lexend"/>
+              <a:cs typeface="Lexend"/>
+              <a:sym typeface="Lexend"/>
+            </a:endParaRPr>
+          </a:p>
+        </p:txBody>
+      </p:sp>
+      <p:sp>
+        <p:nvSpPr>
+          <p:cNvPr id="68" name="Google Shape;68;p2"/>
+          <p:cNvSpPr txBox="1"/>
+          <p:nvPr/>
+        </p:nvSpPr>
+        <p:spPr>
+          <a:xfrm>
+            <a:off x="306575" y="823275"/>
+            <a:ext cx="8410500" cy="3577500"/>
+          </a:xfrm>
+          <a:prstGeom prst="rect">
+            <a:avLst/>
+          </a:prstGeom>
+          <a:noFill/>
+          <a:ln>
+            <a:noFill/>
+          </a:ln>
+        </p:spPr>
+        <p:txBody>
+          <a:bodyPr spcFirstLastPara="1" wrap="square" lIns="91425" tIns="91425" rIns="91425" bIns="91425" anchor="t" anchorCtr="0">
+            <a:normAutofit/>
+          </a:bodyPr>
+          <a:lstStyle/>
+          <a:p>
+            <a:pPr marL="0" lvl="0" indent="0" algn="l" rtl="0">
+              <a:spcBef>
+                <a:spcPts val="0"/>
+              </a:spcBef>
+              <a:spcAft>
+                <a:spcPts val="0"/>
+              </a:spcAft>
+              <a:buNone/>
+            </a:pPr>
+            <a:r>
+              <a:rPr lang="tr" sz="1500" dirty="0">
+                <a:solidFill>
+                  <a:srgbClr val="4E5258"/>
+                </a:solidFill>
+                <a:latin typeface="Poppins"/>
+                <a:ea typeface="Poppins"/>
+                <a:cs typeface="Poppins"/>
+                <a:sym typeface="Poppins"/>
+              </a:rPr>
+              <a:t>TODO</a:t>
+            </a:r>
+            <a:endParaRPr sz="1500" dirty="0">
+              <a:solidFill>
+                <a:srgbClr val="4E5258"/>
+              </a:solidFill>
+              <a:latin typeface="Poppins"/>
+              <a:ea typeface="Poppins"/>
+              <a:cs typeface="Poppins"/>
+              <a:sym typeface="Poppins"/>
+            </a:endParaRPr>
+          </a:p>
+        </p:txBody>
+      </p:sp>
     </p:spTree>
     <p:extLst>
       <p:ext uri="{BB962C8B-B14F-4D97-AF65-F5344CB8AC3E}">
-        <p14:creationId xmlns:p14="http://schemas.microsoft.com/office/powerpoint/2010/main" val="3544911774"/>
+        <p14:creationId xmlns:p14="http://schemas.microsoft.com/office/powerpoint/2010/main" val="472061954"/>
       </p:ext>
     </p:extLst>
   </p:cSld>
@@ -10452,9 +11862,22 @@
 <file path=ppt/slides/slide7.xml><?xml version="1.0" encoding="utf-8"?>
 <p:sld xmlns:a="http://schemas.openxmlformats.org/drawingml/2006/main" xmlns:r="http://schemas.openxmlformats.org/officeDocument/2006/relationships" xmlns:p="http://schemas.openxmlformats.org/presentationml/2006/main">
   <p:cSld>
+    <p:bg>
+      <p:bgPr>
+        <a:blipFill>
+          <a:blip r:embed="rId3">
+            <a:alphaModFix/>
+          </a:blip>
+          <a:stretch>
+            <a:fillRect/>
+          </a:stretch>
+        </a:blipFill>
+        <a:effectLst/>
+      </p:bgPr>
+    </p:bg>
     <p:spTree>
       <p:nvGrpSpPr>
-        <p:cNvPr id="1" name=""/>
+        <p:cNvPr id="1" name="Shape 66"/>
         <p:cNvGrpSpPr/>
         <p:nvPr/>
       </p:nvGrpSpPr>
@@ -10468,131 +11891,14 @@
       </p:grpSpPr>
       <p:sp>
         <p:nvSpPr>
-          <p:cNvPr id="2" name="Title 1">
-            <a:extLst>
-              <a:ext uri="{FF2B5EF4-FFF2-40B4-BE49-F238E27FC236}">
-                <a16:creationId xmlns:a16="http://schemas.microsoft.com/office/drawing/2014/main" id="{55E11F08-6CA0-48F1-AD67-97430DDA07F0}"/>
-              </a:ext>
-            </a:extLst>
-          </p:cNvPr>
-          <p:cNvSpPr>
-            <a:spLocks noGrp="1"/>
-          </p:cNvSpPr>
-          <p:nvPr>
-            <p:ph type="title"/>
-          </p:nvPr>
+          <p:cNvPr id="67" name="Google Shape;67;p2"/>
+          <p:cNvSpPr txBox="1"/>
+          <p:nvPr/>
         </p:nvSpPr>
         <p:spPr>
           <a:xfrm>
-            <a:off x="311700" y="288275"/>
-            <a:ext cx="8520600" cy="572700"/>
-          </a:xfrm>
-        </p:spPr>
-        <p:txBody>
-          <a:bodyPr>
-            <a:normAutofit fontScale="90000"/>
-          </a:bodyPr>
-          <a:lstStyle/>
-          <a:p>
-            <a:r>
-              <a:rPr lang="tr" sz="2800" b="1" i="0" u="none" strike="noStrike" cap="none" dirty="0">
-                <a:solidFill>
-                  <a:srgbClr val="292D33"/>
-                </a:solidFill>
-                <a:latin typeface="Lexend"/>
-                <a:ea typeface="Lexend"/>
-                <a:cs typeface="Lexend"/>
-                <a:sym typeface="Lexend"/>
-              </a:rPr>
-              <a:t>TITLE</a:t>
-            </a:r>
-            <a:endParaRPr lang="en-US" b="1" dirty="0">
-              <a:solidFill>
-                <a:srgbClr val="292D33"/>
-              </a:solidFill>
-              <a:latin typeface="Euclid Circular B" panose="020B0504000000000000" pitchFamily="34" charset="0"/>
-              <a:ea typeface="Euclid Circular B" panose="020B0504000000000000" pitchFamily="34" charset="0"/>
-            </a:endParaRPr>
-          </a:p>
-        </p:txBody>
-      </p:sp>
-      <p:sp>
-        <p:nvSpPr>
-          <p:cNvPr id="3" name="Content Placeholder 2">
-            <a:extLst>
-              <a:ext uri="{FF2B5EF4-FFF2-40B4-BE49-F238E27FC236}">
-                <a16:creationId xmlns:a16="http://schemas.microsoft.com/office/drawing/2014/main" id="{891C7693-D3DF-4635-96F4-97F3B4136FDF}"/>
-              </a:ext>
-            </a:extLst>
-          </p:cNvPr>
-          <p:cNvSpPr>
-            <a:spLocks noGrp="1"/>
-          </p:cNvSpPr>
-          <p:nvPr>
-            <p:ph idx="1"/>
-          </p:nvPr>
-        </p:nvSpPr>
-        <p:spPr>
-          <a:xfrm>
-            <a:off x="311700" y="860975"/>
-            <a:ext cx="8520600" cy="3707900"/>
-          </a:xfrm>
-        </p:spPr>
-        <p:txBody>
-          <a:bodyPr>
-            <a:normAutofit/>
-          </a:bodyPr>
-          <a:lstStyle/>
-          <a:p>
-            <a:pPr marL="114300" indent="0">
-              <a:buNone/>
-            </a:pPr>
-            <a:r>
-              <a:rPr lang="tr-TR" sz="1600" dirty="0">
-                <a:solidFill>
-                  <a:schemeClr val="tx1"/>
-                </a:solidFill>
-                <a:latin typeface="Poppins" panose="00000500000000000000" pitchFamily="2" charset="-94"/>
-                <a:ea typeface="Euclid Circular B" panose="020B0504000000000000" pitchFamily="34" charset="0"/>
-                <a:cs typeface="Poppins" panose="00000500000000000000" pitchFamily="2" charset="-94"/>
-              </a:rPr>
-              <a:t>TODO</a:t>
-            </a:r>
-            <a:endParaRPr lang="en-US" sz="1600" dirty="0">
-              <a:solidFill>
-                <a:schemeClr val="tx1"/>
-              </a:solidFill>
-              <a:latin typeface="Poppins" panose="00000500000000000000" pitchFamily="2" charset="-94"/>
-              <a:ea typeface="Euclid Circular B" panose="020B0504000000000000" pitchFamily="34" charset="0"/>
-              <a:cs typeface="Poppins" panose="00000500000000000000" pitchFamily="2" charset="-94"/>
-            </a:endParaRPr>
-          </a:p>
-        </p:txBody>
-      </p:sp>
-      <p:pic>
-        <p:nvPicPr>
-          <p:cNvPr id="4" name="Google Shape;67;p2">
-            <a:extLst>
-              <a:ext uri="{FF2B5EF4-FFF2-40B4-BE49-F238E27FC236}">
-                <a16:creationId xmlns:a16="http://schemas.microsoft.com/office/drawing/2014/main" id="{AF5317AF-3A19-02CB-072D-1F6BD33DA599}"/>
-              </a:ext>
-            </a:extLst>
-          </p:cNvPr>
-          <p:cNvPicPr preferRelativeResize="0"/>
-          <p:nvPr/>
-        </p:nvPicPr>
-        <p:blipFill>
-          <a:blip r:embed="rId2">
-            <a:alphaModFix/>
-          </a:blip>
-          <a:stretch>
-            <a:fillRect/>
-          </a:stretch>
-        </p:blipFill>
-        <p:spPr>
-          <a:xfrm>
-            <a:off x="8247767" y="4746141"/>
-            <a:ext cx="740597" cy="254502"/>
+            <a:off x="306575" y="269175"/>
+            <a:ext cx="8410500" cy="554100"/>
           </a:xfrm>
           <a:prstGeom prst="rect">
             <a:avLst/>
@@ -10602,11 +11908,107 @@
             <a:noFill/>
           </a:ln>
         </p:spPr>
-      </p:pic>
+        <p:txBody>
+          <a:bodyPr spcFirstLastPara="1" wrap="square" lIns="91425" tIns="91425" rIns="91425" bIns="91425" anchor="t" anchorCtr="0">
+            <a:normAutofit/>
+          </a:bodyPr>
+          <a:lstStyle/>
+          <a:p>
+            <a:pPr marL="0" lvl="0" indent="0" algn="l" rtl="0">
+              <a:spcBef>
+                <a:spcPts val="0"/>
+              </a:spcBef>
+              <a:spcAft>
+                <a:spcPts val="0"/>
+              </a:spcAft>
+              <a:buNone/>
+            </a:pPr>
+            <a:r>
+              <a:rPr lang="tr" sz="2400" b="1" dirty="0">
+                <a:solidFill>
+                  <a:srgbClr val="292D33"/>
+                </a:solidFill>
+                <a:latin typeface="Lexend"/>
+                <a:ea typeface="Lexend"/>
+                <a:cs typeface="Lexend"/>
+                <a:sym typeface="Lexend"/>
+              </a:rPr>
+              <a:t>TITLE</a:t>
+            </a:r>
+            <a:endParaRPr sz="2400" b="1" dirty="0">
+              <a:solidFill>
+                <a:srgbClr val="292D33"/>
+              </a:solidFill>
+              <a:latin typeface="Lexend"/>
+              <a:ea typeface="Lexend"/>
+              <a:cs typeface="Lexend"/>
+              <a:sym typeface="Lexend"/>
+            </a:endParaRPr>
+          </a:p>
+        </p:txBody>
+      </p:sp>
+      <p:sp>
+        <p:nvSpPr>
+          <p:cNvPr id="68" name="Google Shape;68;p2"/>
+          <p:cNvSpPr txBox="1"/>
+          <p:nvPr/>
+        </p:nvSpPr>
+        <p:spPr>
+          <a:xfrm>
+            <a:off x="306575" y="823275"/>
+            <a:ext cx="8410500" cy="3577500"/>
+          </a:xfrm>
+          <a:prstGeom prst="rect">
+            <a:avLst/>
+          </a:prstGeom>
+          <a:noFill/>
+          <a:ln>
+            <a:noFill/>
+          </a:ln>
+        </p:spPr>
+        <p:txBody>
+          <a:bodyPr spcFirstLastPara="1" wrap="square" lIns="91425" tIns="91425" rIns="91425" bIns="91425" anchor="t" anchorCtr="0">
+            <a:normAutofit/>
+          </a:bodyPr>
+          <a:lstStyle/>
+          <a:p>
+            <a:pPr marL="0" lvl="0" indent="0" algn="l" rtl="0">
+              <a:spcBef>
+                <a:spcPts val="0"/>
+              </a:spcBef>
+              <a:spcAft>
+                <a:spcPts val="0"/>
+              </a:spcAft>
+              <a:buNone/>
+            </a:pPr>
+            <a:r>
+              <a:rPr lang="tr" sz="1500" dirty="0">
+                <a:solidFill>
+                  <a:srgbClr val="4E5258"/>
+                </a:solidFill>
+                <a:latin typeface="Poppins"/>
+                <a:ea typeface="Poppins"/>
+                <a:cs typeface="Poppins"/>
+                <a:sym typeface="Poppins"/>
+              </a:rPr>
+              <a:t>TODO</a:t>
+            </a:r>
+            <a:endParaRPr sz="1500" dirty="0">
+              <a:solidFill>
+                <a:srgbClr val="4E5258"/>
+              </a:solidFill>
+              <a:latin typeface="Poppins"/>
+              <a:ea typeface="Poppins"/>
+              <a:cs typeface="Poppins"/>
+              <a:sym typeface="Poppins"/>
+            </a:endParaRPr>
+          </a:p>
+        </p:txBody>
+      </p:sp>
     </p:spTree>
     <p:extLst>
       <p:ext uri="{BB962C8B-B14F-4D97-AF65-F5344CB8AC3E}">
-        <p14:creationId xmlns:p14="http://schemas.microsoft.com/office/powerpoint/2010/main" val="490979414"/>
+        <p14:creationId xmlns:p14="http://schemas.microsoft.com/office/powerpoint/2010/main" val="3036415536"/>
       </p:ext>
     </p:extLst>
   </p:cSld>
@@ -10619,9 +12021,22 @@
 <file path=ppt/slides/slide8.xml><?xml version="1.0" encoding="utf-8"?>
 <p:sld xmlns:a="http://schemas.openxmlformats.org/drawingml/2006/main" xmlns:r="http://schemas.openxmlformats.org/officeDocument/2006/relationships" xmlns:p="http://schemas.openxmlformats.org/presentationml/2006/main">
   <p:cSld>
+    <p:bg>
+      <p:bgPr>
+        <a:blipFill>
+          <a:blip r:embed="rId3">
+            <a:alphaModFix/>
+          </a:blip>
+          <a:stretch>
+            <a:fillRect/>
+          </a:stretch>
+        </a:blipFill>
+        <a:effectLst/>
+      </p:bgPr>
+    </p:bg>
     <p:spTree>
       <p:nvGrpSpPr>
-        <p:cNvPr id="1" name=""/>
+        <p:cNvPr id="1" name="Shape 66"/>
         <p:cNvGrpSpPr/>
         <p:nvPr/>
       </p:nvGrpSpPr>
@@ -10635,131 +12050,14 @@
       </p:grpSpPr>
       <p:sp>
         <p:nvSpPr>
-          <p:cNvPr id="2" name="Title 1">
-            <a:extLst>
-              <a:ext uri="{FF2B5EF4-FFF2-40B4-BE49-F238E27FC236}">
-                <a16:creationId xmlns:a16="http://schemas.microsoft.com/office/drawing/2014/main" id="{55E11F08-6CA0-48F1-AD67-97430DDA07F0}"/>
-              </a:ext>
-            </a:extLst>
-          </p:cNvPr>
-          <p:cNvSpPr>
-            <a:spLocks noGrp="1"/>
-          </p:cNvSpPr>
-          <p:nvPr>
-            <p:ph type="title"/>
-          </p:nvPr>
+          <p:cNvPr id="67" name="Google Shape;67;p2"/>
+          <p:cNvSpPr txBox="1"/>
+          <p:nvPr/>
         </p:nvSpPr>
         <p:spPr>
           <a:xfrm>
-            <a:off x="311700" y="288275"/>
-            <a:ext cx="8520600" cy="572700"/>
-          </a:xfrm>
-        </p:spPr>
-        <p:txBody>
-          <a:bodyPr>
-            <a:normAutofit fontScale="90000"/>
-          </a:bodyPr>
-          <a:lstStyle/>
-          <a:p>
-            <a:r>
-              <a:rPr lang="tr" sz="2800" b="1" i="0" u="none" strike="noStrike" cap="none" dirty="0">
-                <a:solidFill>
-                  <a:srgbClr val="292D33"/>
-                </a:solidFill>
-                <a:latin typeface="Lexend"/>
-                <a:ea typeface="Lexend"/>
-                <a:cs typeface="Lexend"/>
-                <a:sym typeface="Lexend"/>
-              </a:rPr>
-              <a:t>TITLE</a:t>
-            </a:r>
-            <a:endParaRPr lang="en-US" b="1" dirty="0">
-              <a:solidFill>
-                <a:srgbClr val="292D33"/>
-              </a:solidFill>
-              <a:latin typeface="Euclid Circular B" panose="020B0504000000000000" pitchFamily="34" charset="0"/>
-              <a:ea typeface="Euclid Circular B" panose="020B0504000000000000" pitchFamily="34" charset="0"/>
-            </a:endParaRPr>
-          </a:p>
-        </p:txBody>
-      </p:sp>
-      <p:sp>
-        <p:nvSpPr>
-          <p:cNvPr id="3" name="Content Placeholder 2">
-            <a:extLst>
-              <a:ext uri="{FF2B5EF4-FFF2-40B4-BE49-F238E27FC236}">
-                <a16:creationId xmlns:a16="http://schemas.microsoft.com/office/drawing/2014/main" id="{891C7693-D3DF-4635-96F4-97F3B4136FDF}"/>
-              </a:ext>
-            </a:extLst>
-          </p:cNvPr>
-          <p:cNvSpPr>
-            <a:spLocks noGrp="1"/>
-          </p:cNvSpPr>
-          <p:nvPr>
-            <p:ph idx="1"/>
-          </p:nvPr>
-        </p:nvSpPr>
-        <p:spPr>
-          <a:xfrm>
-            <a:off x="311700" y="860975"/>
-            <a:ext cx="8520600" cy="3707900"/>
-          </a:xfrm>
-        </p:spPr>
-        <p:txBody>
-          <a:bodyPr>
-            <a:normAutofit/>
-          </a:bodyPr>
-          <a:lstStyle/>
-          <a:p>
-            <a:pPr marL="114300" indent="0">
-              <a:buNone/>
-            </a:pPr>
-            <a:r>
-              <a:rPr lang="tr-TR" sz="1600" dirty="0">
-                <a:solidFill>
-                  <a:schemeClr val="tx1"/>
-                </a:solidFill>
-                <a:latin typeface="Poppins" panose="00000500000000000000" pitchFamily="2" charset="-94"/>
-                <a:ea typeface="Euclid Circular B" panose="020B0504000000000000" pitchFamily="34" charset="0"/>
-                <a:cs typeface="Poppins" panose="00000500000000000000" pitchFamily="2" charset="-94"/>
-              </a:rPr>
-              <a:t>TODO</a:t>
-            </a:r>
-            <a:endParaRPr lang="en-US" sz="1600" dirty="0">
-              <a:solidFill>
-                <a:schemeClr val="tx1"/>
-              </a:solidFill>
-              <a:latin typeface="Poppins" panose="00000500000000000000" pitchFamily="2" charset="-94"/>
-              <a:ea typeface="Euclid Circular B" panose="020B0504000000000000" pitchFamily="34" charset="0"/>
-              <a:cs typeface="Poppins" panose="00000500000000000000" pitchFamily="2" charset="-94"/>
-            </a:endParaRPr>
-          </a:p>
-        </p:txBody>
-      </p:sp>
-      <p:pic>
-        <p:nvPicPr>
-          <p:cNvPr id="4" name="Google Shape;67;p2">
-            <a:extLst>
-              <a:ext uri="{FF2B5EF4-FFF2-40B4-BE49-F238E27FC236}">
-                <a16:creationId xmlns:a16="http://schemas.microsoft.com/office/drawing/2014/main" id="{AF5317AF-3A19-02CB-072D-1F6BD33DA599}"/>
-              </a:ext>
-            </a:extLst>
-          </p:cNvPr>
-          <p:cNvPicPr preferRelativeResize="0"/>
-          <p:nvPr/>
-        </p:nvPicPr>
-        <p:blipFill>
-          <a:blip r:embed="rId2">
-            <a:alphaModFix/>
-          </a:blip>
-          <a:stretch>
-            <a:fillRect/>
-          </a:stretch>
-        </p:blipFill>
-        <p:spPr>
-          <a:xfrm>
-            <a:off x="8247767" y="4746141"/>
-            <a:ext cx="740597" cy="254502"/>
+            <a:off x="306575" y="269175"/>
+            <a:ext cx="8410500" cy="554100"/>
           </a:xfrm>
           <a:prstGeom prst="rect">
             <a:avLst/>
@@ -10769,11 +12067,107 @@
             <a:noFill/>
           </a:ln>
         </p:spPr>
-      </p:pic>
+        <p:txBody>
+          <a:bodyPr spcFirstLastPara="1" wrap="square" lIns="91425" tIns="91425" rIns="91425" bIns="91425" anchor="t" anchorCtr="0">
+            <a:normAutofit/>
+          </a:bodyPr>
+          <a:lstStyle/>
+          <a:p>
+            <a:pPr marL="0" lvl="0" indent="0" algn="l" rtl="0">
+              <a:spcBef>
+                <a:spcPts val="0"/>
+              </a:spcBef>
+              <a:spcAft>
+                <a:spcPts val="0"/>
+              </a:spcAft>
+              <a:buNone/>
+            </a:pPr>
+            <a:r>
+              <a:rPr lang="tr" sz="2400" b="1" dirty="0">
+                <a:solidFill>
+                  <a:srgbClr val="292D33"/>
+                </a:solidFill>
+                <a:latin typeface="Lexend"/>
+                <a:ea typeface="Lexend"/>
+                <a:cs typeface="Lexend"/>
+                <a:sym typeface="Lexend"/>
+              </a:rPr>
+              <a:t>TITLE</a:t>
+            </a:r>
+            <a:endParaRPr sz="2400" b="1" dirty="0">
+              <a:solidFill>
+                <a:srgbClr val="292D33"/>
+              </a:solidFill>
+              <a:latin typeface="Lexend"/>
+              <a:ea typeface="Lexend"/>
+              <a:cs typeface="Lexend"/>
+              <a:sym typeface="Lexend"/>
+            </a:endParaRPr>
+          </a:p>
+        </p:txBody>
+      </p:sp>
+      <p:sp>
+        <p:nvSpPr>
+          <p:cNvPr id="68" name="Google Shape;68;p2"/>
+          <p:cNvSpPr txBox="1"/>
+          <p:nvPr/>
+        </p:nvSpPr>
+        <p:spPr>
+          <a:xfrm>
+            <a:off x="306575" y="823275"/>
+            <a:ext cx="8410500" cy="3577500"/>
+          </a:xfrm>
+          <a:prstGeom prst="rect">
+            <a:avLst/>
+          </a:prstGeom>
+          <a:noFill/>
+          <a:ln>
+            <a:noFill/>
+          </a:ln>
+        </p:spPr>
+        <p:txBody>
+          <a:bodyPr spcFirstLastPara="1" wrap="square" lIns="91425" tIns="91425" rIns="91425" bIns="91425" anchor="t" anchorCtr="0">
+            <a:normAutofit/>
+          </a:bodyPr>
+          <a:lstStyle/>
+          <a:p>
+            <a:pPr marL="0" lvl="0" indent="0" algn="l" rtl="0">
+              <a:spcBef>
+                <a:spcPts val="0"/>
+              </a:spcBef>
+              <a:spcAft>
+                <a:spcPts val="0"/>
+              </a:spcAft>
+              <a:buNone/>
+            </a:pPr>
+            <a:r>
+              <a:rPr lang="tr" sz="1500" dirty="0">
+                <a:solidFill>
+                  <a:srgbClr val="4E5258"/>
+                </a:solidFill>
+                <a:latin typeface="Poppins"/>
+                <a:ea typeface="Poppins"/>
+                <a:cs typeface="Poppins"/>
+                <a:sym typeface="Poppins"/>
+              </a:rPr>
+              <a:t>TODO</a:t>
+            </a:r>
+            <a:endParaRPr sz="1500" dirty="0">
+              <a:solidFill>
+                <a:srgbClr val="4E5258"/>
+              </a:solidFill>
+              <a:latin typeface="Poppins"/>
+              <a:ea typeface="Poppins"/>
+              <a:cs typeface="Poppins"/>
+              <a:sym typeface="Poppins"/>
+            </a:endParaRPr>
+          </a:p>
+        </p:txBody>
+      </p:sp>
     </p:spTree>
     <p:extLst>
       <p:ext uri="{BB962C8B-B14F-4D97-AF65-F5344CB8AC3E}">
-        <p14:creationId xmlns:p14="http://schemas.microsoft.com/office/powerpoint/2010/main" val="3032680392"/>
+        <p14:creationId xmlns:p14="http://schemas.microsoft.com/office/powerpoint/2010/main" val="1493757578"/>
       </p:ext>
     </p:extLst>
   </p:cSld>
@@ -10786,9 +12180,22 @@
 <file path=ppt/slides/slide9.xml><?xml version="1.0" encoding="utf-8"?>
 <p:sld xmlns:a="http://schemas.openxmlformats.org/drawingml/2006/main" xmlns:r="http://schemas.openxmlformats.org/officeDocument/2006/relationships" xmlns:p="http://schemas.openxmlformats.org/presentationml/2006/main">
   <p:cSld>
+    <p:bg>
+      <p:bgPr>
+        <a:blipFill>
+          <a:blip r:embed="rId3">
+            <a:alphaModFix/>
+          </a:blip>
+          <a:stretch>
+            <a:fillRect/>
+          </a:stretch>
+        </a:blipFill>
+        <a:effectLst/>
+      </p:bgPr>
+    </p:bg>
     <p:spTree>
       <p:nvGrpSpPr>
-        <p:cNvPr id="1" name=""/>
+        <p:cNvPr id="1" name="Shape 66"/>
         <p:cNvGrpSpPr/>
         <p:nvPr/>
       </p:nvGrpSpPr>
@@ -10802,131 +12209,14 @@
       </p:grpSpPr>
       <p:sp>
         <p:nvSpPr>
-          <p:cNvPr id="2" name="Title 1">
-            <a:extLst>
-              <a:ext uri="{FF2B5EF4-FFF2-40B4-BE49-F238E27FC236}">
-                <a16:creationId xmlns:a16="http://schemas.microsoft.com/office/drawing/2014/main" id="{55E11F08-6CA0-48F1-AD67-97430DDA07F0}"/>
-              </a:ext>
-            </a:extLst>
-          </p:cNvPr>
-          <p:cNvSpPr>
-            <a:spLocks noGrp="1"/>
-          </p:cNvSpPr>
-          <p:nvPr>
-            <p:ph type="title"/>
-          </p:nvPr>
+          <p:cNvPr id="67" name="Google Shape;67;p2"/>
+          <p:cNvSpPr txBox="1"/>
+          <p:nvPr/>
         </p:nvSpPr>
         <p:spPr>
           <a:xfrm>
-            <a:off x="311700" y="288275"/>
-            <a:ext cx="8520600" cy="572700"/>
-          </a:xfrm>
-        </p:spPr>
-        <p:txBody>
-          <a:bodyPr>
-            <a:normAutofit fontScale="90000"/>
-          </a:bodyPr>
-          <a:lstStyle/>
-          <a:p>
-            <a:r>
-              <a:rPr lang="tr" sz="2800" b="1" i="0" u="none" strike="noStrike" cap="none" dirty="0">
-                <a:solidFill>
-                  <a:srgbClr val="292D33"/>
-                </a:solidFill>
-                <a:latin typeface="Lexend"/>
-                <a:ea typeface="Lexend"/>
-                <a:cs typeface="Lexend"/>
-                <a:sym typeface="Lexend"/>
-              </a:rPr>
-              <a:t>TITLE</a:t>
-            </a:r>
-            <a:endParaRPr lang="en-US" b="1" dirty="0">
-              <a:solidFill>
-                <a:srgbClr val="292D33"/>
-              </a:solidFill>
-              <a:latin typeface="Euclid Circular B" panose="020B0504000000000000" pitchFamily="34" charset="0"/>
-              <a:ea typeface="Euclid Circular B" panose="020B0504000000000000" pitchFamily="34" charset="0"/>
-            </a:endParaRPr>
-          </a:p>
-        </p:txBody>
-      </p:sp>
-      <p:sp>
-        <p:nvSpPr>
-          <p:cNvPr id="3" name="Content Placeholder 2">
-            <a:extLst>
-              <a:ext uri="{FF2B5EF4-FFF2-40B4-BE49-F238E27FC236}">
-                <a16:creationId xmlns:a16="http://schemas.microsoft.com/office/drawing/2014/main" id="{891C7693-D3DF-4635-96F4-97F3B4136FDF}"/>
-              </a:ext>
-            </a:extLst>
-          </p:cNvPr>
-          <p:cNvSpPr>
-            <a:spLocks noGrp="1"/>
-          </p:cNvSpPr>
-          <p:nvPr>
-            <p:ph idx="1"/>
-          </p:nvPr>
-        </p:nvSpPr>
-        <p:spPr>
-          <a:xfrm>
-            <a:off x="311700" y="860975"/>
-            <a:ext cx="8520600" cy="3707900"/>
-          </a:xfrm>
-        </p:spPr>
-        <p:txBody>
-          <a:bodyPr>
-            <a:normAutofit/>
-          </a:bodyPr>
-          <a:lstStyle/>
-          <a:p>
-            <a:pPr marL="114300" indent="0">
-              <a:buNone/>
-            </a:pPr>
-            <a:r>
-              <a:rPr lang="tr-TR" sz="1600" dirty="0">
-                <a:solidFill>
-                  <a:schemeClr val="tx1"/>
-                </a:solidFill>
-                <a:latin typeface="Poppins" panose="00000500000000000000" pitchFamily="2" charset="-94"/>
-                <a:ea typeface="Euclid Circular B" panose="020B0504000000000000" pitchFamily="34" charset="0"/>
-                <a:cs typeface="Poppins" panose="00000500000000000000" pitchFamily="2" charset="-94"/>
-              </a:rPr>
-              <a:t>TODO</a:t>
-            </a:r>
-            <a:endParaRPr lang="en-US" sz="1600" dirty="0">
-              <a:solidFill>
-                <a:schemeClr val="tx1"/>
-              </a:solidFill>
-              <a:latin typeface="Poppins" panose="00000500000000000000" pitchFamily="2" charset="-94"/>
-              <a:ea typeface="Euclid Circular B" panose="020B0504000000000000" pitchFamily="34" charset="0"/>
-              <a:cs typeface="Poppins" panose="00000500000000000000" pitchFamily="2" charset="-94"/>
-            </a:endParaRPr>
-          </a:p>
-        </p:txBody>
-      </p:sp>
-      <p:pic>
-        <p:nvPicPr>
-          <p:cNvPr id="4" name="Google Shape;67;p2">
-            <a:extLst>
-              <a:ext uri="{FF2B5EF4-FFF2-40B4-BE49-F238E27FC236}">
-                <a16:creationId xmlns:a16="http://schemas.microsoft.com/office/drawing/2014/main" id="{AF5317AF-3A19-02CB-072D-1F6BD33DA599}"/>
-              </a:ext>
-            </a:extLst>
-          </p:cNvPr>
-          <p:cNvPicPr preferRelativeResize="0"/>
-          <p:nvPr/>
-        </p:nvPicPr>
-        <p:blipFill>
-          <a:blip r:embed="rId2">
-            <a:alphaModFix/>
-          </a:blip>
-          <a:stretch>
-            <a:fillRect/>
-          </a:stretch>
-        </p:blipFill>
-        <p:spPr>
-          <a:xfrm>
-            <a:off x="8247767" y="4746141"/>
-            <a:ext cx="740597" cy="254502"/>
+            <a:off x="306575" y="269175"/>
+            <a:ext cx="8410500" cy="554100"/>
           </a:xfrm>
           <a:prstGeom prst="rect">
             <a:avLst/>
@@ -10936,11 +12226,107 @@
             <a:noFill/>
           </a:ln>
         </p:spPr>
-      </p:pic>
+        <p:txBody>
+          <a:bodyPr spcFirstLastPara="1" wrap="square" lIns="91425" tIns="91425" rIns="91425" bIns="91425" anchor="t" anchorCtr="0">
+            <a:normAutofit/>
+          </a:bodyPr>
+          <a:lstStyle/>
+          <a:p>
+            <a:pPr marL="0" lvl="0" indent="0" algn="l" rtl="0">
+              <a:spcBef>
+                <a:spcPts val="0"/>
+              </a:spcBef>
+              <a:spcAft>
+                <a:spcPts val="0"/>
+              </a:spcAft>
+              <a:buNone/>
+            </a:pPr>
+            <a:r>
+              <a:rPr lang="tr" sz="2400" b="1" dirty="0">
+                <a:solidFill>
+                  <a:srgbClr val="292D33"/>
+                </a:solidFill>
+                <a:latin typeface="Lexend"/>
+                <a:ea typeface="Lexend"/>
+                <a:cs typeface="Lexend"/>
+                <a:sym typeface="Lexend"/>
+              </a:rPr>
+              <a:t>TITLE</a:t>
+            </a:r>
+            <a:endParaRPr sz="2400" b="1" dirty="0">
+              <a:solidFill>
+                <a:srgbClr val="292D33"/>
+              </a:solidFill>
+              <a:latin typeface="Lexend"/>
+              <a:ea typeface="Lexend"/>
+              <a:cs typeface="Lexend"/>
+              <a:sym typeface="Lexend"/>
+            </a:endParaRPr>
+          </a:p>
+        </p:txBody>
+      </p:sp>
+      <p:sp>
+        <p:nvSpPr>
+          <p:cNvPr id="68" name="Google Shape;68;p2"/>
+          <p:cNvSpPr txBox="1"/>
+          <p:nvPr/>
+        </p:nvSpPr>
+        <p:spPr>
+          <a:xfrm>
+            <a:off x="306575" y="823275"/>
+            <a:ext cx="8410500" cy="3577500"/>
+          </a:xfrm>
+          <a:prstGeom prst="rect">
+            <a:avLst/>
+          </a:prstGeom>
+          <a:noFill/>
+          <a:ln>
+            <a:noFill/>
+          </a:ln>
+        </p:spPr>
+        <p:txBody>
+          <a:bodyPr spcFirstLastPara="1" wrap="square" lIns="91425" tIns="91425" rIns="91425" bIns="91425" anchor="t" anchorCtr="0">
+            <a:normAutofit/>
+          </a:bodyPr>
+          <a:lstStyle/>
+          <a:p>
+            <a:pPr marL="0" lvl="0" indent="0" algn="l" rtl="0">
+              <a:spcBef>
+                <a:spcPts val="0"/>
+              </a:spcBef>
+              <a:spcAft>
+                <a:spcPts val="0"/>
+              </a:spcAft>
+              <a:buNone/>
+            </a:pPr>
+            <a:r>
+              <a:rPr lang="tr" sz="1500" dirty="0">
+                <a:solidFill>
+                  <a:srgbClr val="4E5258"/>
+                </a:solidFill>
+                <a:latin typeface="Poppins"/>
+                <a:ea typeface="Poppins"/>
+                <a:cs typeface="Poppins"/>
+                <a:sym typeface="Poppins"/>
+              </a:rPr>
+              <a:t>TODO</a:t>
+            </a:r>
+            <a:endParaRPr sz="1500" dirty="0">
+              <a:solidFill>
+                <a:srgbClr val="4E5258"/>
+              </a:solidFill>
+              <a:latin typeface="Poppins"/>
+              <a:ea typeface="Poppins"/>
+              <a:cs typeface="Poppins"/>
+              <a:sym typeface="Poppins"/>
+            </a:endParaRPr>
+          </a:p>
+        </p:txBody>
+      </p:sp>
     </p:spTree>
     <p:extLst>
       <p:ext uri="{BB962C8B-B14F-4D97-AF65-F5344CB8AC3E}">
-        <p14:creationId xmlns:p14="http://schemas.microsoft.com/office/powerpoint/2010/main" val="681700208"/>
+        <p14:creationId xmlns:p14="http://schemas.microsoft.com/office/powerpoint/2010/main" val="2952147212"/>
       </p:ext>
     </p:extLst>
   </p:cSld>

--- a/2024-10-12 Devnot Summit 2024/ModularMonolithIntegrationPatterns.pptx
+++ b/2024-10-12 Devnot Summit 2024/ModularMonolithIntegrationPatterns.pptx
@@ -5,7 +5,7 @@
     <p:sldMasterId id="2147483648" r:id="rId1"/>
   </p:sldMasterIdLst>
   <p:notesMasterIdLst>
-    <p:notesMasterId r:id="rId12"/>
+    <p:notesMasterId r:id="rId16"/>
   </p:notesMasterIdLst>
   <p:sldIdLst>
     <p:sldId id="256" r:id="rId2"/>
@@ -17,29 +17,33 @@
     <p:sldId id="263" r:id="rId8"/>
     <p:sldId id="264" r:id="rId9"/>
     <p:sldId id="265" r:id="rId10"/>
-    <p:sldId id="258" r:id="rId11"/>
+    <p:sldId id="266" r:id="rId11"/>
+    <p:sldId id="267" r:id="rId12"/>
+    <p:sldId id="268" r:id="rId13"/>
+    <p:sldId id="269" r:id="rId14"/>
+    <p:sldId id="258" r:id="rId15"/>
   </p:sldIdLst>
   <p:sldSz cx="9144000" cy="5143500" type="screen16x9"/>
   <p:notesSz cx="6858000" cy="9144000"/>
   <p:embeddedFontLst>
     <p:embeddedFont>
-      <p:font typeface="Lexend" pitchFamily="2" charset="-94"/>
-      <p:regular r:id="rId13"/>
-      <p:bold r:id="rId14"/>
+      <p:font typeface="Lexend" pitchFamily="2" charset="0"/>
+      <p:regular r:id="rId17"/>
+      <p:bold r:id="rId18"/>
     </p:embeddedFont>
     <p:embeddedFont>
-      <p:font typeface="Poppins" panose="00000500000000000000" pitchFamily="2" charset="-94"/>
-      <p:regular r:id="rId15"/>
-      <p:bold r:id="rId16"/>
-      <p:italic r:id="rId17"/>
-      <p:boldItalic r:id="rId18"/>
-    </p:embeddedFont>
-    <p:embeddedFont>
-      <p:font typeface="Poppins Medium" panose="00000600000000000000" pitchFamily="2" charset="-94"/>
+      <p:font typeface="Poppins" panose="00000500000000000000" pitchFamily="2" charset="0"/>
       <p:regular r:id="rId19"/>
       <p:bold r:id="rId20"/>
       <p:italic r:id="rId21"/>
       <p:boldItalic r:id="rId22"/>
+    </p:embeddedFont>
+    <p:embeddedFont>
+      <p:font typeface="Poppins Medium" panose="00000600000000000000" pitchFamily="2" charset="0"/>
+      <p:regular r:id="rId23"/>
+      <p:bold r:id="rId24"/>
+      <p:italic r:id="rId25"/>
+      <p:boldItalic r:id="rId26"/>
     </p:embeddedFont>
   </p:embeddedFontLst>
   <p:defaultTextStyle>
@@ -287,7 +291,7 @@
       </p15:sldGuideLst>
     </p:ext>
     <p:ext uri="GoogleSlidesCustomDataVersion2">
-      <go:slidesCustomData xmlns="" xmlns:mc="http://schemas.openxmlformats.org/markup-compatibility/2006" xmlns:mv="urn:schemas-microsoft-com:mac:vml" xmlns:c="http://schemas.openxmlformats.org/drawingml/2006/chart" xmlns:dgm="http://schemas.openxmlformats.org/drawingml/2006/diagram" xmlns:o="urn:schemas-microsoft-com:office:office" xmlns:v="urn:schemas-microsoft-com:vml" xmlns:pvml="urn:schemas-microsoft-com:office:powerpoint" xmlns:com="http://schemas.openxmlformats.org/drawingml/2006/compatibility" xmlns:p14="http://schemas.microsoft.com/office/powerpoint/2010/main" xmlns:p15="http://schemas.microsoft.com/office/powerpoint/2012/main" xmlns:ahyp="http://schemas.microsoft.com/office/drawing/2018/hyperlinkcolor" xmlns:go="http://customooxmlschemas.google.com/" r:id="rId23" roundtripDataSignature="AMtx7mgxsD15ndTQVU9gw8iMs1NA3bZRVg=="/>
+      <go:slidesCustomData xmlns:go="http://customooxmlschemas.google.com/" xmlns:ahyp="http://schemas.microsoft.com/office/drawing/2018/hyperlinkcolor" xmlns:p15="http://schemas.microsoft.com/office/powerpoint/2012/main" xmlns:p14="http://schemas.microsoft.com/office/powerpoint/2010/main" xmlns:com="http://schemas.openxmlformats.org/drawingml/2006/compatibility" xmlns:pvml="urn:schemas-microsoft-com:office:powerpoint" xmlns:v="urn:schemas-microsoft-com:vml" xmlns:o="urn:schemas-microsoft-com:office:office" xmlns:dgm="http://schemas.openxmlformats.org/drawingml/2006/diagram" xmlns:c="http://schemas.openxmlformats.org/drawingml/2006/chart" xmlns:mv="urn:schemas-microsoft-com:mac:vml" xmlns:mc="http://schemas.openxmlformats.org/markup-compatibility/2006" xmlns="" r:id="rId27" roundtripDataSignature="AMtx7mgxsD15ndTQVU9gw8iMs1NA3bZRVg=="/>
     </p:ext>
   </p:extLst>
 </p:presentation>
@@ -992,6 +996,514 @@
 </file>
 
 <file path=ppt/notesSlides/notesSlide10.xml><?xml version="1.0" encoding="utf-8"?>
+<p:notes xmlns:a="http://schemas.openxmlformats.org/drawingml/2006/main" xmlns:r="http://schemas.openxmlformats.org/officeDocument/2006/relationships" xmlns:p="http://schemas.openxmlformats.org/presentationml/2006/main" showMasterSp="0" showMasterPhAnim="0">
+  <p:cSld>
+    <p:spTree>
+      <p:nvGrpSpPr>
+        <p:cNvPr id="1" name="Shape 63"/>
+        <p:cNvGrpSpPr/>
+        <p:nvPr/>
+      </p:nvGrpSpPr>
+      <p:grpSpPr>
+        <a:xfrm>
+          <a:off x="0" y="0"/>
+          <a:ext cx="0" cy="0"/>
+          <a:chOff x="0" y="0"/>
+          <a:chExt cx="0" cy="0"/>
+        </a:xfrm>
+      </p:grpSpPr>
+      <p:sp>
+        <p:nvSpPr>
+          <p:cNvPr id="64" name="Google Shape;64;p2:notes"/>
+          <p:cNvSpPr>
+            <a:spLocks noGrp="1" noRot="1" noChangeAspect="1"/>
+          </p:cNvSpPr>
+          <p:nvPr>
+            <p:ph type="sldImg" idx="2"/>
+          </p:nvPr>
+        </p:nvSpPr>
+        <p:spPr>
+          <a:xfrm>
+            <a:off x="381000" y="685800"/>
+            <a:ext cx="6096000" cy="3429000"/>
+          </a:xfrm>
+          <a:custGeom>
+            <a:avLst/>
+            <a:gdLst/>
+            <a:ahLst/>
+            <a:cxnLst/>
+            <a:rect l="l" t="t" r="r" b="b"/>
+            <a:pathLst>
+              <a:path w="120000" h="120000" extrusionOk="0">
+                <a:moveTo>
+                  <a:pt x="0" y="0"/>
+                </a:moveTo>
+                <a:lnTo>
+                  <a:pt x="120000" y="0"/>
+                </a:lnTo>
+                <a:lnTo>
+                  <a:pt x="120000" y="120000"/>
+                </a:lnTo>
+                <a:lnTo>
+                  <a:pt x="0" y="120000"/>
+                </a:lnTo>
+                <a:close/>
+              </a:path>
+            </a:pathLst>
+          </a:custGeom>
+          <a:noFill/>
+          <a:ln w="9525" cap="flat" cmpd="sng">
+            <a:solidFill>
+              <a:srgbClr val="000000"/>
+            </a:solidFill>
+            <a:prstDash val="solid"/>
+            <a:round/>
+            <a:headEnd type="none" w="sm" len="sm"/>
+            <a:tailEnd type="none" w="sm" len="sm"/>
+          </a:ln>
+        </p:spPr>
+      </p:sp>
+      <p:sp>
+        <p:nvSpPr>
+          <p:cNvPr id="65" name="Google Shape;65;p2:notes"/>
+          <p:cNvSpPr txBox="1">
+            <a:spLocks noGrp="1"/>
+          </p:cNvSpPr>
+          <p:nvPr>
+            <p:ph type="body" idx="1"/>
+          </p:nvPr>
+        </p:nvSpPr>
+        <p:spPr>
+          <a:xfrm>
+            <a:off x="685800" y="4343400"/>
+            <a:ext cx="5486400" cy="4114800"/>
+          </a:xfrm>
+          <a:prstGeom prst="rect">
+            <a:avLst/>
+          </a:prstGeom>
+          <a:noFill/>
+          <a:ln>
+            <a:noFill/>
+          </a:ln>
+        </p:spPr>
+        <p:txBody>
+          <a:bodyPr spcFirstLastPara="1" wrap="square" lIns="91425" tIns="91425" rIns="91425" bIns="91425" anchor="t" anchorCtr="0">
+            <a:noAutofit/>
+          </a:bodyPr>
+          <a:lstStyle/>
+          <a:p>
+            <a:pPr marL="0" lvl="0" indent="0" algn="l" rtl="0">
+              <a:lnSpc>
+                <a:spcPct val="100000"/>
+              </a:lnSpc>
+              <a:spcBef>
+                <a:spcPts val="0"/>
+              </a:spcBef>
+              <a:spcAft>
+                <a:spcPts val="0"/>
+              </a:spcAft>
+              <a:buSzPts val="1100"/>
+              <a:buNone/>
+            </a:pPr>
+            <a:endParaRPr/>
+          </a:p>
+        </p:txBody>
+      </p:sp>
+    </p:spTree>
+    <p:extLst>
+      <p:ext uri="{BB962C8B-B14F-4D97-AF65-F5344CB8AC3E}">
+        <p14:creationId xmlns:p14="http://schemas.microsoft.com/office/powerpoint/2010/main" val="1148266024"/>
+      </p:ext>
+    </p:extLst>
+  </p:cSld>
+  <p:clrMapOvr>
+    <a:masterClrMapping/>
+  </p:clrMapOvr>
+</p:notes>
+</file>
+
+<file path=ppt/notesSlides/notesSlide11.xml><?xml version="1.0" encoding="utf-8"?>
+<p:notes xmlns:a="http://schemas.openxmlformats.org/drawingml/2006/main" xmlns:r="http://schemas.openxmlformats.org/officeDocument/2006/relationships" xmlns:p="http://schemas.openxmlformats.org/presentationml/2006/main" showMasterSp="0" showMasterPhAnim="0">
+  <p:cSld>
+    <p:spTree>
+      <p:nvGrpSpPr>
+        <p:cNvPr id="1" name="Shape 63"/>
+        <p:cNvGrpSpPr/>
+        <p:nvPr/>
+      </p:nvGrpSpPr>
+      <p:grpSpPr>
+        <a:xfrm>
+          <a:off x="0" y="0"/>
+          <a:ext cx="0" cy="0"/>
+          <a:chOff x="0" y="0"/>
+          <a:chExt cx="0" cy="0"/>
+        </a:xfrm>
+      </p:grpSpPr>
+      <p:sp>
+        <p:nvSpPr>
+          <p:cNvPr id="64" name="Google Shape;64;p2:notes"/>
+          <p:cNvSpPr>
+            <a:spLocks noGrp="1" noRot="1" noChangeAspect="1"/>
+          </p:cNvSpPr>
+          <p:nvPr>
+            <p:ph type="sldImg" idx="2"/>
+          </p:nvPr>
+        </p:nvSpPr>
+        <p:spPr>
+          <a:xfrm>
+            <a:off x="381000" y="685800"/>
+            <a:ext cx="6096000" cy="3429000"/>
+          </a:xfrm>
+          <a:custGeom>
+            <a:avLst/>
+            <a:gdLst/>
+            <a:ahLst/>
+            <a:cxnLst/>
+            <a:rect l="l" t="t" r="r" b="b"/>
+            <a:pathLst>
+              <a:path w="120000" h="120000" extrusionOk="0">
+                <a:moveTo>
+                  <a:pt x="0" y="0"/>
+                </a:moveTo>
+                <a:lnTo>
+                  <a:pt x="120000" y="0"/>
+                </a:lnTo>
+                <a:lnTo>
+                  <a:pt x="120000" y="120000"/>
+                </a:lnTo>
+                <a:lnTo>
+                  <a:pt x="0" y="120000"/>
+                </a:lnTo>
+                <a:close/>
+              </a:path>
+            </a:pathLst>
+          </a:custGeom>
+          <a:noFill/>
+          <a:ln w="9525" cap="flat" cmpd="sng">
+            <a:solidFill>
+              <a:srgbClr val="000000"/>
+            </a:solidFill>
+            <a:prstDash val="solid"/>
+            <a:round/>
+            <a:headEnd type="none" w="sm" len="sm"/>
+            <a:tailEnd type="none" w="sm" len="sm"/>
+          </a:ln>
+        </p:spPr>
+      </p:sp>
+      <p:sp>
+        <p:nvSpPr>
+          <p:cNvPr id="65" name="Google Shape;65;p2:notes"/>
+          <p:cNvSpPr txBox="1">
+            <a:spLocks noGrp="1"/>
+          </p:cNvSpPr>
+          <p:nvPr>
+            <p:ph type="body" idx="1"/>
+          </p:nvPr>
+        </p:nvSpPr>
+        <p:spPr>
+          <a:xfrm>
+            <a:off x="685800" y="4343400"/>
+            <a:ext cx="5486400" cy="4114800"/>
+          </a:xfrm>
+          <a:prstGeom prst="rect">
+            <a:avLst/>
+          </a:prstGeom>
+          <a:noFill/>
+          <a:ln>
+            <a:noFill/>
+          </a:ln>
+        </p:spPr>
+        <p:txBody>
+          <a:bodyPr spcFirstLastPara="1" wrap="square" lIns="91425" tIns="91425" rIns="91425" bIns="91425" anchor="t" anchorCtr="0">
+            <a:noAutofit/>
+          </a:bodyPr>
+          <a:lstStyle/>
+          <a:p>
+            <a:pPr marL="0" lvl="0" indent="0" algn="l" rtl="0">
+              <a:lnSpc>
+                <a:spcPct val="100000"/>
+              </a:lnSpc>
+              <a:spcBef>
+                <a:spcPts val="0"/>
+              </a:spcBef>
+              <a:spcAft>
+                <a:spcPts val="0"/>
+              </a:spcAft>
+              <a:buSzPts val="1100"/>
+              <a:buNone/>
+            </a:pPr>
+            <a:endParaRPr/>
+          </a:p>
+        </p:txBody>
+      </p:sp>
+    </p:spTree>
+    <p:extLst>
+      <p:ext uri="{BB962C8B-B14F-4D97-AF65-F5344CB8AC3E}">
+        <p14:creationId xmlns:p14="http://schemas.microsoft.com/office/powerpoint/2010/main" val="690276766"/>
+      </p:ext>
+    </p:extLst>
+  </p:cSld>
+  <p:clrMapOvr>
+    <a:masterClrMapping/>
+  </p:clrMapOvr>
+</p:notes>
+</file>
+
+<file path=ppt/notesSlides/notesSlide12.xml><?xml version="1.0" encoding="utf-8"?>
+<p:notes xmlns:a="http://schemas.openxmlformats.org/drawingml/2006/main" xmlns:r="http://schemas.openxmlformats.org/officeDocument/2006/relationships" xmlns:p="http://schemas.openxmlformats.org/presentationml/2006/main" showMasterSp="0" showMasterPhAnim="0">
+  <p:cSld>
+    <p:spTree>
+      <p:nvGrpSpPr>
+        <p:cNvPr id="1" name="Shape 63"/>
+        <p:cNvGrpSpPr/>
+        <p:nvPr/>
+      </p:nvGrpSpPr>
+      <p:grpSpPr>
+        <a:xfrm>
+          <a:off x="0" y="0"/>
+          <a:ext cx="0" cy="0"/>
+          <a:chOff x="0" y="0"/>
+          <a:chExt cx="0" cy="0"/>
+        </a:xfrm>
+      </p:grpSpPr>
+      <p:sp>
+        <p:nvSpPr>
+          <p:cNvPr id="64" name="Google Shape;64;p2:notes"/>
+          <p:cNvSpPr>
+            <a:spLocks noGrp="1" noRot="1" noChangeAspect="1"/>
+          </p:cNvSpPr>
+          <p:nvPr>
+            <p:ph type="sldImg" idx="2"/>
+          </p:nvPr>
+        </p:nvSpPr>
+        <p:spPr>
+          <a:xfrm>
+            <a:off x="381000" y="685800"/>
+            <a:ext cx="6096000" cy="3429000"/>
+          </a:xfrm>
+          <a:custGeom>
+            <a:avLst/>
+            <a:gdLst/>
+            <a:ahLst/>
+            <a:cxnLst/>
+            <a:rect l="l" t="t" r="r" b="b"/>
+            <a:pathLst>
+              <a:path w="120000" h="120000" extrusionOk="0">
+                <a:moveTo>
+                  <a:pt x="0" y="0"/>
+                </a:moveTo>
+                <a:lnTo>
+                  <a:pt x="120000" y="0"/>
+                </a:lnTo>
+                <a:lnTo>
+                  <a:pt x="120000" y="120000"/>
+                </a:lnTo>
+                <a:lnTo>
+                  <a:pt x="0" y="120000"/>
+                </a:lnTo>
+                <a:close/>
+              </a:path>
+            </a:pathLst>
+          </a:custGeom>
+          <a:noFill/>
+          <a:ln w="9525" cap="flat" cmpd="sng">
+            <a:solidFill>
+              <a:srgbClr val="000000"/>
+            </a:solidFill>
+            <a:prstDash val="solid"/>
+            <a:round/>
+            <a:headEnd type="none" w="sm" len="sm"/>
+            <a:tailEnd type="none" w="sm" len="sm"/>
+          </a:ln>
+        </p:spPr>
+      </p:sp>
+      <p:sp>
+        <p:nvSpPr>
+          <p:cNvPr id="65" name="Google Shape;65;p2:notes"/>
+          <p:cNvSpPr txBox="1">
+            <a:spLocks noGrp="1"/>
+          </p:cNvSpPr>
+          <p:nvPr>
+            <p:ph type="body" idx="1"/>
+          </p:nvPr>
+        </p:nvSpPr>
+        <p:spPr>
+          <a:xfrm>
+            <a:off x="685800" y="4343400"/>
+            <a:ext cx="5486400" cy="4114800"/>
+          </a:xfrm>
+          <a:prstGeom prst="rect">
+            <a:avLst/>
+          </a:prstGeom>
+          <a:noFill/>
+          <a:ln>
+            <a:noFill/>
+          </a:ln>
+        </p:spPr>
+        <p:txBody>
+          <a:bodyPr spcFirstLastPara="1" wrap="square" lIns="91425" tIns="91425" rIns="91425" bIns="91425" anchor="t" anchorCtr="0">
+            <a:noAutofit/>
+          </a:bodyPr>
+          <a:lstStyle/>
+          <a:p>
+            <a:pPr marL="0" lvl="0" indent="0" algn="l" rtl="0">
+              <a:lnSpc>
+                <a:spcPct val="100000"/>
+              </a:lnSpc>
+              <a:spcBef>
+                <a:spcPts val="0"/>
+              </a:spcBef>
+              <a:spcAft>
+                <a:spcPts val="0"/>
+              </a:spcAft>
+              <a:buSzPts val="1100"/>
+              <a:buNone/>
+            </a:pPr>
+            <a:endParaRPr/>
+          </a:p>
+        </p:txBody>
+      </p:sp>
+    </p:spTree>
+    <p:extLst>
+      <p:ext uri="{BB962C8B-B14F-4D97-AF65-F5344CB8AC3E}">
+        <p14:creationId xmlns:p14="http://schemas.microsoft.com/office/powerpoint/2010/main" val="3690560857"/>
+      </p:ext>
+    </p:extLst>
+  </p:cSld>
+  <p:clrMapOvr>
+    <a:masterClrMapping/>
+  </p:clrMapOvr>
+</p:notes>
+</file>
+
+<file path=ppt/notesSlides/notesSlide13.xml><?xml version="1.0" encoding="utf-8"?>
+<p:notes xmlns:a="http://schemas.openxmlformats.org/drawingml/2006/main" xmlns:r="http://schemas.openxmlformats.org/officeDocument/2006/relationships" xmlns:p="http://schemas.openxmlformats.org/presentationml/2006/main" showMasterSp="0" showMasterPhAnim="0">
+  <p:cSld>
+    <p:spTree>
+      <p:nvGrpSpPr>
+        <p:cNvPr id="1" name="Shape 63"/>
+        <p:cNvGrpSpPr/>
+        <p:nvPr/>
+      </p:nvGrpSpPr>
+      <p:grpSpPr>
+        <a:xfrm>
+          <a:off x="0" y="0"/>
+          <a:ext cx="0" cy="0"/>
+          <a:chOff x="0" y="0"/>
+          <a:chExt cx="0" cy="0"/>
+        </a:xfrm>
+      </p:grpSpPr>
+      <p:sp>
+        <p:nvSpPr>
+          <p:cNvPr id="64" name="Google Shape;64;p2:notes"/>
+          <p:cNvSpPr>
+            <a:spLocks noGrp="1" noRot="1" noChangeAspect="1"/>
+          </p:cNvSpPr>
+          <p:nvPr>
+            <p:ph type="sldImg" idx="2"/>
+          </p:nvPr>
+        </p:nvSpPr>
+        <p:spPr>
+          <a:xfrm>
+            <a:off x="381000" y="685800"/>
+            <a:ext cx="6096000" cy="3429000"/>
+          </a:xfrm>
+          <a:custGeom>
+            <a:avLst/>
+            <a:gdLst/>
+            <a:ahLst/>
+            <a:cxnLst/>
+            <a:rect l="l" t="t" r="r" b="b"/>
+            <a:pathLst>
+              <a:path w="120000" h="120000" extrusionOk="0">
+                <a:moveTo>
+                  <a:pt x="0" y="0"/>
+                </a:moveTo>
+                <a:lnTo>
+                  <a:pt x="120000" y="0"/>
+                </a:lnTo>
+                <a:lnTo>
+                  <a:pt x="120000" y="120000"/>
+                </a:lnTo>
+                <a:lnTo>
+                  <a:pt x="0" y="120000"/>
+                </a:lnTo>
+                <a:close/>
+              </a:path>
+            </a:pathLst>
+          </a:custGeom>
+          <a:noFill/>
+          <a:ln w="9525" cap="flat" cmpd="sng">
+            <a:solidFill>
+              <a:srgbClr val="000000"/>
+            </a:solidFill>
+            <a:prstDash val="solid"/>
+            <a:round/>
+            <a:headEnd type="none" w="sm" len="sm"/>
+            <a:tailEnd type="none" w="sm" len="sm"/>
+          </a:ln>
+        </p:spPr>
+      </p:sp>
+      <p:sp>
+        <p:nvSpPr>
+          <p:cNvPr id="65" name="Google Shape;65;p2:notes"/>
+          <p:cNvSpPr txBox="1">
+            <a:spLocks noGrp="1"/>
+          </p:cNvSpPr>
+          <p:nvPr>
+            <p:ph type="body" idx="1"/>
+          </p:nvPr>
+        </p:nvSpPr>
+        <p:spPr>
+          <a:xfrm>
+            <a:off x="685800" y="4343400"/>
+            <a:ext cx="5486400" cy="4114800"/>
+          </a:xfrm>
+          <a:prstGeom prst="rect">
+            <a:avLst/>
+          </a:prstGeom>
+          <a:noFill/>
+          <a:ln>
+            <a:noFill/>
+          </a:ln>
+        </p:spPr>
+        <p:txBody>
+          <a:bodyPr spcFirstLastPara="1" wrap="square" lIns="91425" tIns="91425" rIns="91425" bIns="91425" anchor="t" anchorCtr="0">
+            <a:noAutofit/>
+          </a:bodyPr>
+          <a:lstStyle/>
+          <a:p>
+            <a:pPr marL="0" lvl="0" indent="0" algn="l" rtl="0">
+              <a:lnSpc>
+                <a:spcPct val="100000"/>
+              </a:lnSpc>
+              <a:spcBef>
+                <a:spcPts val="0"/>
+              </a:spcBef>
+              <a:spcAft>
+                <a:spcPts val="0"/>
+              </a:spcAft>
+              <a:buSzPts val="1100"/>
+              <a:buNone/>
+            </a:pPr>
+            <a:endParaRPr/>
+          </a:p>
+        </p:txBody>
+      </p:sp>
+    </p:spTree>
+    <p:extLst>
+      <p:ext uri="{BB962C8B-B14F-4D97-AF65-F5344CB8AC3E}">
+        <p14:creationId xmlns:p14="http://schemas.microsoft.com/office/powerpoint/2010/main" val="2974522270"/>
+      </p:ext>
+    </p:extLst>
+  </p:cSld>
+  <p:clrMapOvr>
+    <a:masterClrMapping/>
+  </p:clrMapOvr>
+</p:notes>
+</file>
+
+<file path=ppt/notesSlides/notesSlide14.xml><?xml version="1.0" encoding="utf-8"?>
 <p:notes xmlns:a="http://schemas.openxmlformats.org/drawingml/2006/main" xmlns:r="http://schemas.openxmlformats.org/officeDocument/2006/relationships" xmlns:p="http://schemas.openxmlformats.org/presentationml/2006/main" showMasterSp="0" showMasterPhAnim="0">
   <p:cSld>
     <p:spTree>
@@ -10452,6 +10964,642 @@
     </p:bg>
     <p:spTree>
       <p:nvGrpSpPr>
+        <p:cNvPr id="1" name="Shape 66"/>
+        <p:cNvGrpSpPr/>
+        <p:nvPr/>
+      </p:nvGrpSpPr>
+      <p:grpSpPr>
+        <a:xfrm>
+          <a:off x="0" y="0"/>
+          <a:ext cx="0" cy="0"/>
+          <a:chOff x="0" y="0"/>
+          <a:chExt cx="0" cy="0"/>
+        </a:xfrm>
+      </p:grpSpPr>
+      <p:sp>
+        <p:nvSpPr>
+          <p:cNvPr id="67" name="Google Shape;67;p2"/>
+          <p:cNvSpPr txBox="1"/>
+          <p:nvPr/>
+        </p:nvSpPr>
+        <p:spPr>
+          <a:xfrm>
+            <a:off x="306575" y="269175"/>
+            <a:ext cx="8410500" cy="554100"/>
+          </a:xfrm>
+          <a:prstGeom prst="rect">
+            <a:avLst/>
+          </a:prstGeom>
+          <a:noFill/>
+          <a:ln>
+            <a:noFill/>
+          </a:ln>
+        </p:spPr>
+        <p:txBody>
+          <a:bodyPr spcFirstLastPara="1" wrap="square" lIns="91425" tIns="91425" rIns="91425" bIns="91425" anchor="t" anchorCtr="0">
+            <a:normAutofit/>
+          </a:bodyPr>
+          <a:lstStyle/>
+          <a:p>
+            <a:pPr marL="0" lvl="0" indent="0" algn="l" rtl="0">
+              <a:spcBef>
+                <a:spcPts val="0"/>
+              </a:spcBef>
+              <a:spcAft>
+                <a:spcPts val="0"/>
+              </a:spcAft>
+              <a:buNone/>
+            </a:pPr>
+            <a:r>
+              <a:rPr lang="tr" sz="2400" b="1" dirty="0">
+                <a:solidFill>
+                  <a:srgbClr val="292D33"/>
+                </a:solidFill>
+                <a:latin typeface="Lexend"/>
+                <a:ea typeface="Lexend"/>
+                <a:cs typeface="Lexend"/>
+                <a:sym typeface="Lexend"/>
+              </a:rPr>
+              <a:t>TITLE</a:t>
+            </a:r>
+            <a:endParaRPr sz="2400" b="1" dirty="0">
+              <a:solidFill>
+                <a:srgbClr val="292D33"/>
+              </a:solidFill>
+              <a:latin typeface="Lexend"/>
+              <a:ea typeface="Lexend"/>
+              <a:cs typeface="Lexend"/>
+              <a:sym typeface="Lexend"/>
+            </a:endParaRPr>
+          </a:p>
+        </p:txBody>
+      </p:sp>
+      <p:sp>
+        <p:nvSpPr>
+          <p:cNvPr id="68" name="Google Shape;68;p2"/>
+          <p:cNvSpPr txBox="1"/>
+          <p:nvPr/>
+        </p:nvSpPr>
+        <p:spPr>
+          <a:xfrm>
+            <a:off x="306575" y="823275"/>
+            <a:ext cx="8410500" cy="3577500"/>
+          </a:xfrm>
+          <a:prstGeom prst="rect">
+            <a:avLst/>
+          </a:prstGeom>
+          <a:noFill/>
+          <a:ln>
+            <a:noFill/>
+          </a:ln>
+        </p:spPr>
+        <p:txBody>
+          <a:bodyPr spcFirstLastPara="1" wrap="square" lIns="91425" tIns="91425" rIns="91425" bIns="91425" anchor="t" anchorCtr="0">
+            <a:normAutofit/>
+          </a:bodyPr>
+          <a:lstStyle/>
+          <a:p>
+            <a:pPr marL="0" lvl="0" indent="0" algn="l" rtl="0">
+              <a:spcBef>
+                <a:spcPts val="0"/>
+              </a:spcBef>
+              <a:spcAft>
+                <a:spcPts val="0"/>
+              </a:spcAft>
+              <a:buNone/>
+            </a:pPr>
+            <a:r>
+              <a:rPr lang="tr" sz="1500" dirty="0">
+                <a:solidFill>
+                  <a:srgbClr val="4E5258"/>
+                </a:solidFill>
+                <a:latin typeface="Poppins"/>
+                <a:ea typeface="Poppins"/>
+                <a:cs typeface="Poppins"/>
+                <a:sym typeface="Poppins"/>
+              </a:rPr>
+              <a:t>TODO</a:t>
+            </a:r>
+            <a:endParaRPr sz="1500" dirty="0">
+              <a:solidFill>
+                <a:srgbClr val="4E5258"/>
+              </a:solidFill>
+              <a:latin typeface="Poppins"/>
+              <a:ea typeface="Poppins"/>
+              <a:cs typeface="Poppins"/>
+              <a:sym typeface="Poppins"/>
+            </a:endParaRPr>
+          </a:p>
+        </p:txBody>
+      </p:sp>
+    </p:spTree>
+    <p:extLst>
+      <p:ext uri="{BB962C8B-B14F-4D97-AF65-F5344CB8AC3E}">
+        <p14:creationId xmlns:p14="http://schemas.microsoft.com/office/powerpoint/2010/main" val="2380386735"/>
+      </p:ext>
+    </p:extLst>
+  </p:cSld>
+  <p:clrMapOvr>
+    <a:masterClrMapping/>
+  </p:clrMapOvr>
+</p:sld>
+</file>
+
+<file path=ppt/slides/slide11.xml><?xml version="1.0" encoding="utf-8"?>
+<p:sld xmlns:a="http://schemas.openxmlformats.org/drawingml/2006/main" xmlns:r="http://schemas.openxmlformats.org/officeDocument/2006/relationships" xmlns:p="http://schemas.openxmlformats.org/presentationml/2006/main">
+  <p:cSld>
+    <p:bg>
+      <p:bgPr>
+        <a:blipFill>
+          <a:blip r:embed="rId3">
+            <a:alphaModFix/>
+          </a:blip>
+          <a:stretch>
+            <a:fillRect/>
+          </a:stretch>
+        </a:blipFill>
+        <a:effectLst/>
+      </p:bgPr>
+    </p:bg>
+    <p:spTree>
+      <p:nvGrpSpPr>
+        <p:cNvPr id="1" name="Shape 66"/>
+        <p:cNvGrpSpPr/>
+        <p:nvPr/>
+      </p:nvGrpSpPr>
+      <p:grpSpPr>
+        <a:xfrm>
+          <a:off x="0" y="0"/>
+          <a:ext cx="0" cy="0"/>
+          <a:chOff x="0" y="0"/>
+          <a:chExt cx="0" cy="0"/>
+        </a:xfrm>
+      </p:grpSpPr>
+      <p:sp>
+        <p:nvSpPr>
+          <p:cNvPr id="67" name="Google Shape;67;p2"/>
+          <p:cNvSpPr txBox="1"/>
+          <p:nvPr/>
+        </p:nvSpPr>
+        <p:spPr>
+          <a:xfrm>
+            <a:off x="306575" y="269175"/>
+            <a:ext cx="8410500" cy="554100"/>
+          </a:xfrm>
+          <a:prstGeom prst="rect">
+            <a:avLst/>
+          </a:prstGeom>
+          <a:noFill/>
+          <a:ln>
+            <a:noFill/>
+          </a:ln>
+        </p:spPr>
+        <p:txBody>
+          <a:bodyPr spcFirstLastPara="1" wrap="square" lIns="91425" tIns="91425" rIns="91425" bIns="91425" anchor="t" anchorCtr="0">
+            <a:normAutofit/>
+          </a:bodyPr>
+          <a:lstStyle/>
+          <a:p>
+            <a:pPr marL="0" lvl="0" indent="0" algn="l" rtl="0">
+              <a:spcBef>
+                <a:spcPts val="0"/>
+              </a:spcBef>
+              <a:spcAft>
+                <a:spcPts val="0"/>
+              </a:spcAft>
+              <a:buNone/>
+            </a:pPr>
+            <a:r>
+              <a:rPr lang="tr" sz="2400" b="1" dirty="0">
+                <a:solidFill>
+                  <a:srgbClr val="292D33"/>
+                </a:solidFill>
+                <a:latin typeface="Lexend"/>
+                <a:ea typeface="Lexend"/>
+                <a:cs typeface="Lexend"/>
+                <a:sym typeface="Lexend"/>
+              </a:rPr>
+              <a:t>TITLE</a:t>
+            </a:r>
+            <a:endParaRPr sz="2400" b="1" dirty="0">
+              <a:solidFill>
+                <a:srgbClr val="292D33"/>
+              </a:solidFill>
+              <a:latin typeface="Lexend"/>
+              <a:ea typeface="Lexend"/>
+              <a:cs typeface="Lexend"/>
+              <a:sym typeface="Lexend"/>
+            </a:endParaRPr>
+          </a:p>
+        </p:txBody>
+      </p:sp>
+      <p:sp>
+        <p:nvSpPr>
+          <p:cNvPr id="68" name="Google Shape;68;p2"/>
+          <p:cNvSpPr txBox="1"/>
+          <p:nvPr/>
+        </p:nvSpPr>
+        <p:spPr>
+          <a:xfrm>
+            <a:off x="306575" y="823275"/>
+            <a:ext cx="8410500" cy="3577500"/>
+          </a:xfrm>
+          <a:prstGeom prst="rect">
+            <a:avLst/>
+          </a:prstGeom>
+          <a:noFill/>
+          <a:ln>
+            <a:noFill/>
+          </a:ln>
+        </p:spPr>
+        <p:txBody>
+          <a:bodyPr spcFirstLastPara="1" wrap="square" lIns="91425" tIns="91425" rIns="91425" bIns="91425" anchor="t" anchorCtr="0">
+            <a:normAutofit/>
+          </a:bodyPr>
+          <a:lstStyle/>
+          <a:p>
+            <a:pPr marL="0" lvl="0" indent="0" algn="l" rtl="0">
+              <a:spcBef>
+                <a:spcPts val="0"/>
+              </a:spcBef>
+              <a:spcAft>
+                <a:spcPts val="0"/>
+              </a:spcAft>
+              <a:buNone/>
+            </a:pPr>
+            <a:r>
+              <a:rPr lang="tr" sz="1500" dirty="0">
+                <a:solidFill>
+                  <a:srgbClr val="4E5258"/>
+                </a:solidFill>
+                <a:latin typeface="Poppins"/>
+                <a:ea typeface="Poppins"/>
+                <a:cs typeface="Poppins"/>
+                <a:sym typeface="Poppins"/>
+              </a:rPr>
+              <a:t>TODO</a:t>
+            </a:r>
+            <a:endParaRPr sz="1500" dirty="0">
+              <a:solidFill>
+                <a:srgbClr val="4E5258"/>
+              </a:solidFill>
+              <a:latin typeface="Poppins"/>
+              <a:ea typeface="Poppins"/>
+              <a:cs typeface="Poppins"/>
+              <a:sym typeface="Poppins"/>
+            </a:endParaRPr>
+          </a:p>
+        </p:txBody>
+      </p:sp>
+    </p:spTree>
+    <p:extLst>
+      <p:ext uri="{BB962C8B-B14F-4D97-AF65-F5344CB8AC3E}">
+        <p14:creationId xmlns:p14="http://schemas.microsoft.com/office/powerpoint/2010/main" val="3312240688"/>
+      </p:ext>
+    </p:extLst>
+  </p:cSld>
+  <p:clrMapOvr>
+    <a:masterClrMapping/>
+  </p:clrMapOvr>
+</p:sld>
+</file>
+
+<file path=ppt/slides/slide12.xml><?xml version="1.0" encoding="utf-8"?>
+<p:sld xmlns:a="http://schemas.openxmlformats.org/drawingml/2006/main" xmlns:r="http://schemas.openxmlformats.org/officeDocument/2006/relationships" xmlns:p="http://schemas.openxmlformats.org/presentationml/2006/main">
+  <p:cSld>
+    <p:bg>
+      <p:bgPr>
+        <a:blipFill>
+          <a:blip r:embed="rId3">
+            <a:alphaModFix/>
+          </a:blip>
+          <a:stretch>
+            <a:fillRect/>
+          </a:stretch>
+        </a:blipFill>
+        <a:effectLst/>
+      </p:bgPr>
+    </p:bg>
+    <p:spTree>
+      <p:nvGrpSpPr>
+        <p:cNvPr id="1" name="Shape 66"/>
+        <p:cNvGrpSpPr/>
+        <p:nvPr/>
+      </p:nvGrpSpPr>
+      <p:grpSpPr>
+        <a:xfrm>
+          <a:off x="0" y="0"/>
+          <a:ext cx="0" cy="0"/>
+          <a:chOff x="0" y="0"/>
+          <a:chExt cx="0" cy="0"/>
+        </a:xfrm>
+      </p:grpSpPr>
+      <p:sp>
+        <p:nvSpPr>
+          <p:cNvPr id="67" name="Google Shape;67;p2"/>
+          <p:cNvSpPr txBox="1"/>
+          <p:nvPr/>
+        </p:nvSpPr>
+        <p:spPr>
+          <a:xfrm>
+            <a:off x="306575" y="269175"/>
+            <a:ext cx="8410500" cy="554100"/>
+          </a:xfrm>
+          <a:prstGeom prst="rect">
+            <a:avLst/>
+          </a:prstGeom>
+          <a:noFill/>
+          <a:ln>
+            <a:noFill/>
+          </a:ln>
+        </p:spPr>
+        <p:txBody>
+          <a:bodyPr spcFirstLastPara="1" wrap="square" lIns="91425" tIns="91425" rIns="91425" bIns="91425" anchor="t" anchorCtr="0">
+            <a:normAutofit/>
+          </a:bodyPr>
+          <a:lstStyle/>
+          <a:p>
+            <a:pPr marL="0" lvl="0" indent="0" algn="l" rtl="0">
+              <a:spcBef>
+                <a:spcPts val="0"/>
+              </a:spcBef>
+              <a:spcAft>
+                <a:spcPts val="0"/>
+              </a:spcAft>
+              <a:buNone/>
+            </a:pPr>
+            <a:r>
+              <a:rPr lang="tr" sz="2400" b="1" dirty="0">
+                <a:solidFill>
+                  <a:srgbClr val="292D33"/>
+                </a:solidFill>
+                <a:latin typeface="Lexend"/>
+                <a:ea typeface="Lexend"/>
+                <a:cs typeface="Lexend"/>
+                <a:sym typeface="Lexend"/>
+              </a:rPr>
+              <a:t>TITLE</a:t>
+            </a:r>
+            <a:endParaRPr sz="2400" b="1" dirty="0">
+              <a:solidFill>
+                <a:srgbClr val="292D33"/>
+              </a:solidFill>
+              <a:latin typeface="Lexend"/>
+              <a:ea typeface="Lexend"/>
+              <a:cs typeface="Lexend"/>
+              <a:sym typeface="Lexend"/>
+            </a:endParaRPr>
+          </a:p>
+        </p:txBody>
+      </p:sp>
+      <p:sp>
+        <p:nvSpPr>
+          <p:cNvPr id="68" name="Google Shape;68;p2"/>
+          <p:cNvSpPr txBox="1"/>
+          <p:nvPr/>
+        </p:nvSpPr>
+        <p:spPr>
+          <a:xfrm>
+            <a:off x="306575" y="823275"/>
+            <a:ext cx="8410500" cy="3577500"/>
+          </a:xfrm>
+          <a:prstGeom prst="rect">
+            <a:avLst/>
+          </a:prstGeom>
+          <a:noFill/>
+          <a:ln>
+            <a:noFill/>
+          </a:ln>
+        </p:spPr>
+        <p:txBody>
+          <a:bodyPr spcFirstLastPara="1" wrap="square" lIns="91425" tIns="91425" rIns="91425" bIns="91425" anchor="t" anchorCtr="0">
+            <a:normAutofit/>
+          </a:bodyPr>
+          <a:lstStyle/>
+          <a:p>
+            <a:pPr marL="0" lvl="0" indent="0" algn="l" rtl="0">
+              <a:spcBef>
+                <a:spcPts val="0"/>
+              </a:spcBef>
+              <a:spcAft>
+                <a:spcPts val="0"/>
+              </a:spcAft>
+              <a:buNone/>
+            </a:pPr>
+            <a:r>
+              <a:rPr lang="tr" sz="1500" dirty="0">
+                <a:solidFill>
+                  <a:srgbClr val="4E5258"/>
+                </a:solidFill>
+                <a:latin typeface="Poppins"/>
+                <a:ea typeface="Poppins"/>
+                <a:cs typeface="Poppins"/>
+                <a:sym typeface="Poppins"/>
+              </a:rPr>
+              <a:t>TODO</a:t>
+            </a:r>
+            <a:endParaRPr sz="1500" dirty="0">
+              <a:solidFill>
+                <a:srgbClr val="4E5258"/>
+              </a:solidFill>
+              <a:latin typeface="Poppins"/>
+              <a:ea typeface="Poppins"/>
+              <a:cs typeface="Poppins"/>
+              <a:sym typeface="Poppins"/>
+            </a:endParaRPr>
+          </a:p>
+        </p:txBody>
+      </p:sp>
+    </p:spTree>
+    <p:extLst>
+      <p:ext uri="{BB962C8B-B14F-4D97-AF65-F5344CB8AC3E}">
+        <p14:creationId xmlns:p14="http://schemas.microsoft.com/office/powerpoint/2010/main" val="2279270790"/>
+      </p:ext>
+    </p:extLst>
+  </p:cSld>
+  <p:clrMapOvr>
+    <a:masterClrMapping/>
+  </p:clrMapOvr>
+</p:sld>
+</file>
+
+<file path=ppt/slides/slide13.xml><?xml version="1.0" encoding="utf-8"?>
+<p:sld xmlns:a="http://schemas.openxmlformats.org/drawingml/2006/main" xmlns:r="http://schemas.openxmlformats.org/officeDocument/2006/relationships" xmlns:p="http://schemas.openxmlformats.org/presentationml/2006/main">
+  <p:cSld>
+    <p:bg>
+      <p:bgPr>
+        <a:blipFill>
+          <a:blip r:embed="rId3">
+            <a:alphaModFix/>
+          </a:blip>
+          <a:stretch>
+            <a:fillRect/>
+          </a:stretch>
+        </a:blipFill>
+        <a:effectLst/>
+      </p:bgPr>
+    </p:bg>
+    <p:spTree>
+      <p:nvGrpSpPr>
+        <p:cNvPr id="1" name="Shape 66"/>
+        <p:cNvGrpSpPr/>
+        <p:nvPr/>
+      </p:nvGrpSpPr>
+      <p:grpSpPr>
+        <a:xfrm>
+          <a:off x="0" y="0"/>
+          <a:ext cx="0" cy="0"/>
+          <a:chOff x="0" y="0"/>
+          <a:chExt cx="0" cy="0"/>
+        </a:xfrm>
+      </p:grpSpPr>
+      <p:sp>
+        <p:nvSpPr>
+          <p:cNvPr id="67" name="Google Shape;67;p2"/>
+          <p:cNvSpPr txBox="1"/>
+          <p:nvPr/>
+        </p:nvSpPr>
+        <p:spPr>
+          <a:xfrm>
+            <a:off x="306575" y="269175"/>
+            <a:ext cx="8410500" cy="554100"/>
+          </a:xfrm>
+          <a:prstGeom prst="rect">
+            <a:avLst/>
+          </a:prstGeom>
+          <a:noFill/>
+          <a:ln>
+            <a:noFill/>
+          </a:ln>
+        </p:spPr>
+        <p:txBody>
+          <a:bodyPr spcFirstLastPara="1" wrap="square" lIns="91425" tIns="91425" rIns="91425" bIns="91425" anchor="t" anchorCtr="0">
+            <a:normAutofit/>
+          </a:bodyPr>
+          <a:lstStyle/>
+          <a:p>
+            <a:pPr marL="0" lvl="0" indent="0" algn="l" rtl="0">
+              <a:spcBef>
+                <a:spcPts val="0"/>
+              </a:spcBef>
+              <a:spcAft>
+                <a:spcPts val="0"/>
+              </a:spcAft>
+              <a:buNone/>
+            </a:pPr>
+            <a:r>
+              <a:rPr lang="tr" sz="2400" b="1" dirty="0">
+                <a:solidFill>
+                  <a:srgbClr val="292D33"/>
+                </a:solidFill>
+                <a:latin typeface="Lexend"/>
+                <a:ea typeface="Lexend"/>
+                <a:cs typeface="Lexend"/>
+                <a:sym typeface="Lexend"/>
+              </a:rPr>
+              <a:t>TITLE</a:t>
+            </a:r>
+            <a:endParaRPr sz="2400" b="1" dirty="0">
+              <a:solidFill>
+                <a:srgbClr val="292D33"/>
+              </a:solidFill>
+              <a:latin typeface="Lexend"/>
+              <a:ea typeface="Lexend"/>
+              <a:cs typeface="Lexend"/>
+              <a:sym typeface="Lexend"/>
+            </a:endParaRPr>
+          </a:p>
+        </p:txBody>
+      </p:sp>
+      <p:sp>
+        <p:nvSpPr>
+          <p:cNvPr id="68" name="Google Shape;68;p2"/>
+          <p:cNvSpPr txBox="1"/>
+          <p:nvPr/>
+        </p:nvSpPr>
+        <p:spPr>
+          <a:xfrm>
+            <a:off x="306575" y="823275"/>
+            <a:ext cx="8410500" cy="3577500"/>
+          </a:xfrm>
+          <a:prstGeom prst="rect">
+            <a:avLst/>
+          </a:prstGeom>
+          <a:noFill/>
+          <a:ln>
+            <a:noFill/>
+          </a:ln>
+        </p:spPr>
+        <p:txBody>
+          <a:bodyPr spcFirstLastPara="1" wrap="square" lIns="91425" tIns="91425" rIns="91425" bIns="91425" anchor="t" anchorCtr="0">
+            <a:normAutofit/>
+          </a:bodyPr>
+          <a:lstStyle/>
+          <a:p>
+            <a:pPr marL="0" lvl="0" indent="0" algn="l" rtl="0">
+              <a:spcBef>
+                <a:spcPts val="0"/>
+              </a:spcBef>
+              <a:spcAft>
+                <a:spcPts val="0"/>
+              </a:spcAft>
+              <a:buNone/>
+            </a:pPr>
+            <a:r>
+              <a:rPr lang="tr" sz="1500" dirty="0">
+                <a:solidFill>
+                  <a:srgbClr val="4E5258"/>
+                </a:solidFill>
+                <a:latin typeface="Poppins"/>
+                <a:ea typeface="Poppins"/>
+                <a:cs typeface="Poppins"/>
+                <a:sym typeface="Poppins"/>
+              </a:rPr>
+              <a:t>TODO</a:t>
+            </a:r>
+            <a:endParaRPr sz="1500" dirty="0">
+              <a:solidFill>
+                <a:srgbClr val="4E5258"/>
+              </a:solidFill>
+              <a:latin typeface="Poppins"/>
+              <a:ea typeface="Poppins"/>
+              <a:cs typeface="Poppins"/>
+              <a:sym typeface="Poppins"/>
+            </a:endParaRPr>
+          </a:p>
+        </p:txBody>
+      </p:sp>
+    </p:spTree>
+    <p:extLst>
+      <p:ext uri="{BB962C8B-B14F-4D97-AF65-F5344CB8AC3E}">
+        <p14:creationId xmlns:p14="http://schemas.microsoft.com/office/powerpoint/2010/main" val="3031860654"/>
+      </p:ext>
+    </p:extLst>
+  </p:cSld>
+  <p:clrMapOvr>
+    <a:masterClrMapping/>
+  </p:clrMapOvr>
+</p:sld>
+</file>
+
+<file path=ppt/slides/slide14.xml><?xml version="1.0" encoding="utf-8"?>
+<p:sld xmlns:a="http://schemas.openxmlformats.org/drawingml/2006/main" xmlns:r="http://schemas.openxmlformats.org/officeDocument/2006/relationships" xmlns:p="http://schemas.openxmlformats.org/presentationml/2006/main">
+  <p:cSld>
+    <p:bg>
+      <p:bgPr>
+        <a:blipFill>
+          <a:blip r:embed="rId3">
+            <a:alphaModFix/>
+          </a:blip>
+          <a:stretch>
+            <a:fillRect/>
+          </a:stretch>
+        </a:blipFill>
+        <a:effectLst/>
+      </p:bgPr>
+    </p:bg>
+    <p:spTree>
+      <p:nvGrpSpPr>
         <p:cNvPr id="1" name="Shape 72"/>
         <p:cNvGrpSpPr/>
         <p:nvPr/>
@@ -11134,7 +12282,7 @@
               <a:buNone/>
             </a:pPr>
             <a:r>
-              <a:rPr lang="tr" sz="2400" b="1" dirty="0">
+              <a:rPr lang="en-US" sz="2400" b="1" dirty="0">
                 <a:solidFill>
                   <a:srgbClr val="292D33"/>
                 </a:solidFill>
@@ -11143,7 +12291,7 @@
                 <a:cs typeface="Lexend"/>
                 <a:sym typeface="Lexend"/>
               </a:rPr>
-              <a:t>TITLE</a:t>
+              <a:t>ABOUT ME: HALİL İBRAHİM KALKAN</a:t>
             </a:r>
             <a:endParaRPr sz="2400" b="1" dirty="0">
               <a:solidFill>
@@ -11157,69 +12305,1347 @@
           </a:p>
         </p:txBody>
       </p:sp>
+      <p:pic>
+        <p:nvPicPr>
+          <p:cNvPr id="2" name="Picture 1" descr="Logo&#10;&#10;Description automatically generated">
+            <a:extLst>
+              <a:ext uri="{FF2B5EF4-FFF2-40B4-BE49-F238E27FC236}">
+                <a16:creationId xmlns:a16="http://schemas.microsoft.com/office/drawing/2014/main" id="{691B28DD-BD95-3BDC-0761-C7DB2ED29AAB}"/>
+              </a:ext>
+            </a:extLst>
+          </p:cNvPr>
+          <p:cNvPicPr>
+            <a:picLocks noChangeAspect="1"/>
+          </p:cNvPicPr>
+          <p:nvPr/>
+        </p:nvPicPr>
+        <p:blipFill>
+          <a:blip r:embed="rId4">
+            <a:extLst>
+              <a:ext uri="{28A0092B-C50C-407E-A947-70E740481C1C}">
+                <a14:useLocalDpi xmlns:a14="http://schemas.microsoft.com/office/drawing/2010/main" val="0"/>
+              </a:ext>
+            </a:extLst>
+          </a:blip>
+          <a:stretch>
+            <a:fillRect/>
+          </a:stretch>
+        </p:blipFill>
+        <p:spPr>
+          <a:xfrm>
+            <a:off x="405563" y="2984349"/>
+            <a:ext cx="1962431" cy="480059"/>
+          </a:xfrm>
+          <a:prstGeom prst="rect">
+            <a:avLst/>
+          </a:prstGeom>
+        </p:spPr>
+      </p:pic>
+      <p:pic>
+        <p:nvPicPr>
+          <p:cNvPr id="3" name="Picture 2" descr="Logo&#10;&#10;Description automatically generated with low confidence">
+            <a:extLst>
+              <a:ext uri="{FF2B5EF4-FFF2-40B4-BE49-F238E27FC236}">
+                <a16:creationId xmlns:a16="http://schemas.microsoft.com/office/drawing/2014/main" id="{C463AD08-2CB3-B48A-A2F4-E22C3E16DECD}"/>
+              </a:ext>
+            </a:extLst>
+          </p:cNvPr>
+          <p:cNvPicPr>
+            <a:picLocks noChangeAspect="1"/>
+          </p:cNvPicPr>
+          <p:nvPr/>
+        </p:nvPicPr>
+        <p:blipFill>
+          <a:blip r:embed="rId5">
+            <a:extLst>
+              <a:ext uri="{28A0092B-C50C-407E-A947-70E740481C1C}">
+                <a14:useLocalDpi xmlns:a14="http://schemas.microsoft.com/office/drawing/2010/main" val="0"/>
+              </a:ext>
+            </a:extLst>
+          </a:blip>
+          <a:stretch>
+            <a:fillRect/>
+          </a:stretch>
+        </p:blipFill>
+        <p:spPr>
+          <a:xfrm>
+            <a:off x="405563" y="2365827"/>
+            <a:ext cx="1394484" cy="480059"/>
+          </a:xfrm>
+          <a:prstGeom prst="rect">
+            <a:avLst/>
+          </a:prstGeom>
+        </p:spPr>
+      </p:pic>
+      <p:pic>
+        <p:nvPicPr>
+          <p:cNvPr id="4" name="Picture 3" descr="Shape&#10;&#10;Description automatically generated with low confidence">
+            <a:extLst>
+              <a:ext uri="{FF2B5EF4-FFF2-40B4-BE49-F238E27FC236}">
+                <a16:creationId xmlns:a16="http://schemas.microsoft.com/office/drawing/2014/main" id="{53EEB0CF-31F4-676D-13D9-36A858141934}"/>
+              </a:ext>
+            </a:extLst>
+          </p:cNvPr>
+          <p:cNvPicPr>
+            <a:picLocks noChangeAspect="1"/>
+          </p:cNvPicPr>
+          <p:nvPr/>
+        </p:nvPicPr>
+        <p:blipFill>
+          <a:blip r:embed="rId6">
+            <a:extLst>
+              <a:ext uri="{28A0092B-C50C-407E-A947-70E740481C1C}">
+                <a14:useLocalDpi xmlns:a14="http://schemas.microsoft.com/office/drawing/2010/main" val="0"/>
+              </a:ext>
+            </a:extLst>
+          </a:blip>
+          <a:stretch>
+            <a:fillRect/>
+          </a:stretch>
+        </p:blipFill>
+        <p:spPr>
+          <a:xfrm>
+            <a:off x="405562" y="1207099"/>
+            <a:ext cx="480059" cy="480059"/>
+          </a:xfrm>
+          <a:prstGeom prst="rect">
+            <a:avLst/>
+          </a:prstGeom>
+        </p:spPr>
+      </p:pic>
+      <p:pic>
+        <p:nvPicPr>
+          <p:cNvPr id="5" name="Picture 4" descr="Graphical user interface&#10;&#10;Description automatically generated">
+            <a:extLst>
+              <a:ext uri="{FF2B5EF4-FFF2-40B4-BE49-F238E27FC236}">
+                <a16:creationId xmlns:a16="http://schemas.microsoft.com/office/drawing/2014/main" id="{FB6E67BE-F4FF-6816-48EE-E0FACFE5F569}"/>
+              </a:ext>
+            </a:extLst>
+          </p:cNvPr>
+          <p:cNvPicPr>
+            <a:picLocks noChangeAspect="1"/>
+          </p:cNvPicPr>
+          <p:nvPr/>
+        </p:nvPicPr>
+        <p:blipFill>
+          <a:blip r:embed="rId7">
+            <a:extLst>
+              <a:ext uri="{28A0092B-C50C-407E-A947-70E740481C1C}">
+                <a14:useLocalDpi xmlns:a14="http://schemas.microsoft.com/office/drawing/2010/main" val="0"/>
+              </a:ext>
+            </a:extLst>
+          </a:blip>
+          <a:stretch>
+            <a:fillRect/>
+          </a:stretch>
+        </p:blipFill>
+        <p:spPr>
+          <a:xfrm>
+            <a:off x="405562" y="1770487"/>
+            <a:ext cx="476451" cy="476451"/>
+          </a:xfrm>
+          <a:prstGeom prst="rect">
+            <a:avLst/>
+          </a:prstGeom>
+        </p:spPr>
+      </p:pic>
       <p:sp>
         <p:nvSpPr>
-          <p:cNvPr id="68" name="Google Shape;68;p2"/>
+          <p:cNvPr id="6" name="TextBox 5">
+            <a:extLst>
+              <a:ext uri="{FF2B5EF4-FFF2-40B4-BE49-F238E27FC236}">
+                <a16:creationId xmlns:a16="http://schemas.microsoft.com/office/drawing/2014/main" id="{6011E647-89B6-503C-37A7-A870F3240908}"/>
+              </a:ext>
+            </a:extLst>
+          </p:cNvPr>
           <p:cNvSpPr txBox="1"/>
           <p:nvPr/>
         </p:nvSpPr>
         <p:spPr>
           <a:xfrm>
-            <a:off x="306575" y="823275"/>
-            <a:ext cx="8410500" cy="3577500"/>
+            <a:off x="919701" y="1308628"/>
+            <a:ext cx="8278180" cy="276999"/>
           </a:xfrm>
           <a:prstGeom prst="rect">
             <a:avLst/>
           </a:prstGeom>
           <a:noFill/>
-          <a:ln>
-            <a:noFill/>
-          </a:ln>
         </p:spPr>
         <p:txBody>
-          <a:bodyPr spcFirstLastPara="1" wrap="square" lIns="91425" tIns="91425" rIns="91425" bIns="91425" anchor="t" anchorCtr="0">
-            <a:normAutofit/>
+          <a:bodyPr wrap="square" rtlCol="0">
+            <a:spAutoFit/>
           </a:bodyPr>
           <a:lstStyle/>
           <a:p>
-            <a:pPr marL="0" lvl="0" indent="0" algn="l" rtl="0">
-              <a:spcBef>
-                <a:spcPts val="0"/>
-              </a:spcBef>
-              <a:spcAft>
-                <a:spcPts val="0"/>
-              </a:spcAft>
-              <a:buNone/>
-            </a:pPr>
             <a:r>
-              <a:rPr lang="tr" sz="1500" dirty="0">
-                <a:solidFill>
-                  <a:srgbClr val="4E5258"/>
-                </a:solidFill>
-                <a:latin typeface="Poppins"/>
-                <a:ea typeface="Poppins"/>
-                <a:cs typeface="Poppins"/>
-                <a:sym typeface="Poppins"/>
+              <a:rPr lang="tr-TR" sz="1200" dirty="0">
+                <a:latin typeface="Poppins" panose="00000500000000000000" pitchFamily="2" charset="-94"/>
+                <a:cs typeface="Poppins" panose="00000500000000000000" pitchFamily="2" charset="-94"/>
               </a:rPr>
-              <a:t>TODO</a:t>
+              <a:t>2003-</a:t>
             </a:r>
-            <a:endParaRPr sz="1500" dirty="0">
-              <a:solidFill>
-                <a:srgbClr val="4E5258"/>
-              </a:solidFill>
-              <a:latin typeface="Poppins"/>
-              <a:ea typeface="Poppins"/>
-              <a:cs typeface="Poppins"/>
-              <a:sym typeface="Poppins"/>
+            <a:r>
+              <a:rPr lang="en-US" sz="1200" dirty="0">
+                <a:latin typeface="Poppins" panose="00000500000000000000" pitchFamily="2" charset="-94"/>
+                <a:cs typeface="Poppins" panose="00000500000000000000" pitchFamily="2" charset="-94"/>
+              </a:rPr>
+              <a:t>2007, Computer Engineering</a:t>
+            </a:r>
+          </a:p>
+        </p:txBody>
+      </p:sp>
+      <p:sp>
+        <p:nvSpPr>
+          <p:cNvPr id="7" name="TextBox 6">
+            <a:extLst>
+              <a:ext uri="{FF2B5EF4-FFF2-40B4-BE49-F238E27FC236}">
+                <a16:creationId xmlns:a16="http://schemas.microsoft.com/office/drawing/2014/main" id="{17A3E97A-3291-D60F-C3D5-39380D125C3F}"/>
+              </a:ext>
+            </a:extLst>
+          </p:cNvPr>
+          <p:cNvSpPr txBox="1"/>
+          <p:nvPr/>
+        </p:nvSpPr>
+        <p:spPr>
+          <a:xfrm>
+            <a:off x="882013" y="1870212"/>
+            <a:ext cx="8278180" cy="276999"/>
+          </a:xfrm>
+          <a:prstGeom prst="rect">
+            <a:avLst/>
+          </a:prstGeom>
+          <a:noFill/>
+        </p:spPr>
+        <p:txBody>
+          <a:bodyPr wrap="square" rtlCol="0">
+            <a:spAutoFit/>
+          </a:bodyPr>
+          <a:lstStyle/>
+          <a:p>
+            <a:r>
+              <a:rPr lang="en-US" sz="1200" dirty="0">
+                <a:latin typeface="Poppins" panose="00000500000000000000" pitchFamily="2" charset="-94"/>
+                <a:cs typeface="Poppins" panose="00000500000000000000" pitchFamily="2" charset="-94"/>
+              </a:rPr>
+              <a:t>2007 - 2015: Software developer, software architect, team leader</a:t>
+            </a:r>
+          </a:p>
+        </p:txBody>
+      </p:sp>
+      <p:sp>
+        <p:nvSpPr>
+          <p:cNvPr id="8" name="TextBox 7">
+            <a:extLst>
+              <a:ext uri="{FF2B5EF4-FFF2-40B4-BE49-F238E27FC236}">
+                <a16:creationId xmlns:a16="http://schemas.microsoft.com/office/drawing/2014/main" id="{D44867D5-5040-A228-5132-E2C5B91B579B}"/>
+              </a:ext>
+            </a:extLst>
+          </p:cNvPr>
+          <p:cNvSpPr txBox="1"/>
+          <p:nvPr/>
+        </p:nvSpPr>
+        <p:spPr>
+          <a:xfrm>
+            <a:off x="2432392" y="3122528"/>
+            <a:ext cx="6727801" cy="276999"/>
+          </a:xfrm>
+          <a:prstGeom prst="rect">
+            <a:avLst/>
+          </a:prstGeom>
+          <a:noFill/>
+        </p:spPr>
+        <p:txBody>
+          <a:bodyPr wrap="square" rtlCol="0">
+            <a:spAutoFit/>
+          </a:bodyPr>
+          <a:lstStyle/>
+          <a:p>
+            <a:r>
+              <a:rPr lang="en-US" sz="1200" dirty="0">
+                <a:latin typeface="Poppins" panose="00000500000000000000" pitchFamily="2" charset="-94"/>
+                <a:cs typeface="Poppins" panose="00000500000000000000" pitchFamily="2" charset="-94"/>
+              </a:rPr>
+              <a:t>2016 - ∞: Co-founder, software architect</a:t>
+            </a:r>
+          </a:p>
+        </p:txBody>
+      </p:sp>
+      <p:sp>
+        <p:nvSpPr>
+          <p:cNvPr id="9" name="TextBox 8">
+            <a:extLst>
+              <a:ext uri="{FF2B5EF4-FFF2-40B4-BE49-F238E27FC236}">
+                <a16:creationId xmlns:a16="http://schemas.microsoft.com/office/drawing/2014/main" id="{70909D83-A2EE-82C6-9BB6-80FFA99E632F}"/>
+              </a:ext>
+            </a:extLst>
+          </p:cNvPr>
+          <p:cNvSpPr txBox="1"/>
+          <p:nvPr/>
+        </p:nvSpPr>
+        <p:spPr>
+          <a:xfrm>
+            <a:off x="1808428" y="2489395"/>
+            <a:ext cx="7351765" cy="276999"/>
+          </a:xfrm>
+          <a:prstGeom prst="rect">
+            <a:avLst/>
+          </a:prstGeom>
+          <a:noFill/>
+        </p:spPr>
+        <p:txBody>
+          <a:bodyPr wrap="square" rtlCol="0">
+            <a:spAutoFit/>
+          </a:bodyPr>
+          <a:lstStyle/>
+          <a:p>
+            <a:r>
+              <a:rPr lang="en-US" sz="1200" dirty="0">
+                <a:latin typeface="Poppins" panose="00000500000000000000" pitchFamily="2" charset="-94"/>
+                <a:cs typeface="Poppins" panose="00000500000000000000" pitchFamily="2" charset="-94"/>
+              </a:rPr>
+              <a:t>2013 - ∞: Lead developer of the open source ABP Framework</a:t>
+            </a:r>
+          </a:p>
+        </p:txBody>
+      </p:sp>
+      <p:pic>
+        <p:nvPicPr>
+          <p:cNvPr id="10" name="Picture 9">
+            <a:extLst>
+              <a:ext uri="{FF2B5EF4-FFF2-40B4-BE49-F238E27FC236}">
+                <a16:creationId xmlns:a16="http://schemas.microsoft.com/office/drawing/2014/main" id="{D07B0E3F-8636-5884-3B77-354E3E325C97}"/>
+              </a:ext>
+            </a:extLst>
+          </p:cNvPr>
+          <p:cNvPicPr>
+            <a:picLocks noChangeAspect="1"/>
+          </p:cNvPicPr>
+          <p:nvPr/>
+        </p:nvPicPr>
+        <p:blipFill>
+          <a:blip r:embed="rId8">
+            <a:extLst>
+              <a:ext uri="{28A0092B-C50C-407E-A947-70E740481C1C}">
+                <a14:useLocalDpi xmlns:a14="http://schemas.microsoft.com/office/drawing/2010/main" val="0"/>
+              </a:ext>
+            </a:extLst>
+          </a:blip>
+          <a:stretch>
+            <a:fillRect/>
+          </a:stretch>
+        </p:blipFill>
+        <p:spPr>
+          <a:xfrm>
+            <a:off x="405562" y="3560715"/>
+            <a:ext cx="476451" cy="476451"/>
+          </a:xfrm>
+          <a:prstGeom prst="rect">
+            <a:avLst/>
+          </a:prstGeom>
+        </p:spPr>
+      </p:pic>
+      <p:sp>
+        <p:nvSpPr>
+          <p:cNvPr id="11" name="TextBox 10">
+            <a:extLst>
+              <a:ext uri="{FF2B5EF4-FFF2-40B4-BE49-F238E27FC236}">
+                <a16:creationId xmlns:a16="http://schemas.microsoft.com/office/drawing/2014/main" id="{E6E088C6-18B3-836D-CA86-FD6F64C32958}"/>
+              </a:ext>
+            </a:extLst>
+          </p:cNvPr>
+          <p:cNvSpPr txBox="1"/>
+          <p:nvPr/>
+        </p:nvSpPr>
+        <p:spPr>
+          <a:xfrm>
+            <a:off x="878405" y="3559856"/>
+            <a:ext cx="5140664" cy="461665"/>
+          </a:xfrm>
+          <a:prstGeom prst="rect">
+            <a:avLst/>
+          </a:prstGeom>
+          <a:noFill/>
+        </p:spPr>
+        <p:txBody>
+          <a:bodyPr wrap="square" rtlCol="0">
+            <a:spAutoFit/>
+          </a:bodyPr>
+          <a:lstStyle/>
+          <a:p>
+            <a:r>
+              <a:rPr lang="en-US" sz="1200" dirty="0">
+                <a:latin typeface="Poppins" panose="00000500000000000000" pitchFamily="2" charset="-94"/>
+                <a:cs typeface="Poppins" panose="00000500000000000000" pitchFamily="2" charset="-94"/>
+              </a:rPr>
+              <a:t>Multi-threading, distributed</a:t>
+            </a:r>
+            <a:r>
+              <a:rPr lang="tr-TR" sz="1200" dirty="0">
+                <a:latin typeface="Poppins" panose="00000500000000000000" pitchFamily="2" charset="-94"/>
+                <a:cs typeface="Poppins" panose="00000500000000000000" pitchFamily="2" charset="-94"/>
+              </a:rPr>
+              <a:t>/microservice</a:t>
+            </a:r>
+            <a:r>
+              <a:rPr lang="en-US" sz="1200" dirty="0">
+                <a:latin typeface="Poppins" panose="00000500000000000000" pitchFamily="2" charset="-94"/>
+                <a:cs typeface="Poppins" panose="00000500000000000000" pitchFamily="2" charset="-94"/>
+              </a:rPr>
+              <a:t> systems, OOP, DDD, software architectures.. etc.</a:t>
+            </a:r>
+          </a:p>
+        </p:txBody>
+      </p:sp>
+      <p:pic>
+        <p:nvPicPr>
+          <p:cNvPr id="12" name="Picture 11" descr="Shape&#10;&#10;Description automatically generated with low confidence">
+            <a:extLst>
+              <a:ext uri="{FF2B5EF4-FFF2-40B4-BE49-F238E27FC236}">
+                <a16:creationId xmlns:a16="http://schemas.microsoft.com/office/drawing/2014/main" id="{3A0D5F35-8046-C3C1-82BF-D62DE53B83DF}"/>
+              </a:ext>
+            </a:extLst>
+          </p:cNvPr>
+          <p:cNvPicPr>
+            <a:picLocks noChangeAspect="1"/>
+          </p:cNvPicPr>
+          <p:nvPr/>
+        </p:nvPicPr>
+        <p:blipFill>
+          <a:blip r:embed="rId9">
+            <a:extLst>
+              <a:ext uri="{28A0092B-C50C-407E-A947-70E740481C1C}">
+                <a14:useLocalDpi xmlns:a14="http://schemas.microsoft.com/office/drawing/2010/main" val="0"/>
+              </a:ext>
+            </a:extLst>
+          </a:blip>
+          <a:stretch>
+            <a:fillRect/>
+          </a:stretch>
+        </p:blipFill>
+        <p:spPr>
+          <a:xfrm>
+            <a:off x="401954" y="4178378"/>
+            <a:ext cx="476451" cy="476451"/>
+          </a:xfrm>
+          <a:prstGeom prst="rect">
+            <a:avLst/>
+          </a:prstGeom>
+        </p:spPr>
+      </p:pic>
+      <p:sp>
+        <p:nvSpPr>
+          <p:cNvPr id="13" name="TextBox 12">
+            <a:extLst>
+              <a:ext uri="{FF2B5EF4-FFF2-40B4-BE49-F238E27FC236}">
+                <a16:creationId xmlns:a16="http://schemas.microsoft.com/office/drawing/2014/main" id="{5D22344E-3EE5-D2D5-CD15-576DB500BDAB}"/>
+              </a:ext>
+            </a:extLst>
+          </p:cNvPr>
+          <p:cNvSpPr txBox="1"/>
+          <p:nvPr/>
+        </p:nvSpPr>
+        <p:spPr>
+          <a:xfrm>
+            <a:off x="850825" y="4187822"/>
+            <a:ext cx="8415931" cy="461665"/>
+          </a:xfrm>
+          <a:prstGeom prst="rect">
+            <a:avLst/>
+          </a:prstGeom>
+          <a:noFill/>
+        </p:spPr>
+        <p:txBody>
+          <a:bodyPr wrap="square" rtlCol="0">
+            <a:spAutoFit/>
+          </a:bodyPr>
+          <a:lstStyle/>
+          <a:p>
+            <a:r>
+              <a:rPr lang="tr-TR" sz="1200" dirty="0">
+                <a:latin typeface="Poppins" panose="00000500000000000000" pitchFamily="2" charset="-94"/>
+                <a:cs typeface="Poppins" panose="00000500000000000000" pitchFamily="2" charset="-94"/>
+              </a:rPr>
+              <a:t>Still a</a:t>
+            </a:r>
+            <a:r>
+              <a:rPr lang="en-US" sz="1200" dirty="0" err="1">
+                <a:latin typeface="Poppins" panose="00000500000000000000" pitchFamily="2" charset="-94"/>
+                <a:cs typeface="Poppins" panose="00000500000000000000" pitchFamily="2" charset="-94"/>
+              </a:rPr>
+              <a:t>ctive</a:t>
+            </a:r>
+            <a:r>
+              <a:rPr lang="en-US" sz="1200" dirty="0">
+                <a:latin typeface="Poppins" panose="00000500000000000000" pitchFamily="2" charset="-94"/>
+                <a:cs typeface="Poppins" panose="00000500000000000000" pitchFamily="2" charset="-94"/>
+              </a:rPr>
+              <a:t> coder, open</a:t>
+            </a:r>
+            <a:r>
+              <a:rPr lang="tr-TR" sz="1200" dirty="0">
+                <a:latin typeface="Poppins" panose="00000500000000000000" pitchFamily="2" charset="-94"/>
+                <a:cs typeface="Poppins" panose="00000500000000000000" pitchFamily="2" charset="-94"/>
+              </a:rPr>
+              <a:t>-</a:t>
+            </a:r>
+            <a:r>
+              <a:rPr lang="en-US" sz="1200" dirty="0">
+                <a:latin typeface="Poppins" panose="00000500000000000000" pitchFamily="2" charset="-94"/>
+                <a:cs typeface="Poppins" panose="00000500000000000000" pitchFamily="2" charset="-94"/>
+              </a:rPr>
+              <a:t>source</a:t>
+            </a:r>
+            <a:r>
+              <a:rPr lang="tr-TR" sz="1200" dirty="0">
+                <a:latin typeface="Poppins" panose="00000500000000000000" pitchFamily="2" charset="-94"/>
+                <a:cs typeface="Poppins" panose="00000500000000000000" pitchFamily="2" charset="-94"/>
+              </a:rPr>
+              <a:t> contributor</a:t>
+            </a:r>
+          </a:p>
+          <a:p>
+            <a:r>
+              <a:rPr lang="tr-TR" sz="1200" b="1" i="1" dirty="0">
+                <a:latin typeface="Poppins" panose="00000500000000000000" pitchFamily="2" charset="-94"/>
+                <a:cs typeface="Poppins" panose="00000500000000000000" pitchFamily="2" charset="-94"/>
+              </a:rPr>
+              <a:t>30,000+ total contributions on GitHub</a:t>
+            </a:r>
+            <a:endParaRPr lang="en-US" sz="1200" b="1" i="1" dirty="0">
+              <a:latin typeface="Poppins" panose="00000500000000000000" pitchFamily="2" charset="-94"/>
+              <a:cs typeface="Poppins" panose="00000500000000000000" pitchFamily="2" charset="-94"/>
             </a:endParaRPr>
           </a:p>
         </p:txBody>
       </p:sp>
+      <p:sp>
+        <p:nvSpPr>
+          <p:cNvPr id="14" name="TextBox 13">
+            <a:extLst>
+              <a:ext uri="{FF2B5EF4-FFF2-40B4-BE49-F238E27FC236}">
+                <a16:creationId xmlns:a16="http://schemas.microsoft.com/office/drawing/2014/main" id="{F3073ED8-9F1F-FF36-8C0F-BEE7DF98ABBB}"/>
+              </a:ext>
+            </a:extLst>
+          </p:cNvPr>
+          <p:cNvSpPr txBox="1"/>
+          <p:nvPr/>
+        </p:nvSpPr>
+        <p:spPr>
+          <a:xfrm>
+            <a:off x="919701" y="872298"/>
+            <a:ext cx="8278180" cy="276999"/>
+          </a:xfrm>
+          <a:prstGeom prst="rect">
+            <a:avLst/>
+          </a:prstGeom>
+          <a:noFill/>
+        </p:spPr>
+        <p:txBody>
+          <a:bodyPr wrap="square" rtlCol="0">
+            <a:spAutoFit/>
+          </a:bodyPr>
+          <a:lstStyle/>
+          <a:p>
+            <a:r>
+              <a:rPr lang="tr-TR" sz="1200" dirty="0">
+                <a:latin typeface="Poppins" panose="00000500000000000000" pitchFamily="2" charset="-94"/>
+                <a:cs typeface="Poppins" panose="00000500000000000000" pitchFamily="2" charset="-94"/>
+              </a:rPr>
+              <a:t>1997</a:t>
+            </a:r>
+            <a:r>
+              <a:rPr lang="en-US" sz="1200" dirty="0">
+                <a:latin typeface="Poppins" panose="00000500000000000000" pitchFamily="2" charset="-94"/>
+                <a:cs typeface="Poppins" panose="00000500000000000000" pitchFamily="2" charset="-94"/>
+              </a:rPr>
+              <a:t>, </a:t>
+            </a:r>
+            <a:r>
+              <a:rPr lang="tr-TR" sz="1200" dirty="0">
+                <a:latin typeface="Poppins" panose="00000500000000000000" pitchFamily="2" charset="-94"/>
+                <a:cs typeface="Poppins" panose="00000500000000000000" pitchFamily="2" charset="-94"/>
+              </a:rPr>
+              <a:t>Started programming (at 14 years old, with Turbo Pascal)</a:t>
+            </a:r>
+            <a:endParaRPr lang="en-US" sz="1200" dirty="0">
+              <a:latin typeface="Poppins" panose="00000500000000000000" pitchFamily="2" charset="-94"/>
+              <a:cs typeface="Poppins" panose="00000500000000000000" pitchFamily="2" charset="-94"/>
+            </a:endParaRPr>
+          </a:p>
+        </p:txBody>
+      </p:sp>
+      <p:pic>
+        <p:nvPicPr>
+          <p:cNvPr id="15" name="Picture 4" descr="Div Coding icon PNG and SVG Vector Free Download">
+            <a:extLst>
+              <a:ext uri="{FF2B5EF4-FFF2-40B4-BE49-F238E27FC236}">
+                <a16:creationId xmlns:a16="http://schemas.microsoft.com/office/drawing/2014/main" id="{F3117412-A21B-D896-4400-71EEA1D82258}"/>
+              </a:ext>
+            </a:extLst>
+          </p:cNvPr>
+          <p:cNvPicPr>
+            <a:picLocks noChangeAspect="1" noChangeArrowheads="1"/>
+          </p:cNvPicPr>
+          <p:nvPr/>
+        </p:nvPicPr>
+        <p:blipFill>
+          <a:blip r:embed="rId10">
+            <a:extLst>
+              <a:ext uri="{28A0092B-C50C-407E-A947-70E740481C1C}">
+                <a14:useLocalDpi xmlns:a14="http://schemas.microsoft.com/office/drawing/2010/main" val="0"/>
+              </a:ext>
+            </a:extLst>
+          </a:blip>
+          <a:srcRect/>
+          <a:stretch>
+            <a:fillRect/>
+          </a:stretch>
+        </p:blipFill>
+        <p:spPr bwMode="auto">
+          <a:xfrm>
+            <a:off x="401954" y="732307"/>
+            <a:ext cx="517747" cy="517747"/>
+          </a:xfrm>
+          <a:prstGeom prst="rect">
+            <a:avLst/>
+          </a:prstGeom>
+          <a:noFill/>
+          <a:extLst>
+            <a:ext uri="{909E8E84-426E-40DD-AFC4-6F175D3DCCD1}">
+              <a14:hiddenFill xmlns:a14="http://schemas.microsoft.com/office/drawing/2010/main">
+                <a:solidFill>
+                  <a:srgbClr val="FFFFFF"/>
+                </a:solidFill>
+              </a14:hiddenFill>
+            </a:ext>
+          </a:extLst>
+        </p:spPr>
+      </p:pic>
+      <p:pic>
+        <p:nvPicPr>
+          <p:cNvPr id="16" name="Picture 15">
+            <a:extLst>
+              <a:ext uri="{FF2B5EF4-FFF2-40B4-BE49-F238E27FC236}">
+                <a16:creationId xmlns:a16="http://schemas.microsoft.com/office/drawing/2014/main" id="{23298ED9-C31D-C46B-26E2-F1AFD435F5C2}"/>
+              </a:ext>
+            </a:extLst>
+          </p:cNvPr>
+          <p:cNvPicPr>
+            <a:picLocks noChangeAspect="1"/>
+          </p:cNvPicPr>
+          <p:nvPr/>
+        </p:nvPicPr>
+        <p:blipFill>
+          <a:blip r:embed="rId11"/>
+          <a:stretch>
+            <a:fillRect/>
+          </a:stretch>
+        </p:blipFill>
+        <p:spPr>
+          <a:xfrm>
+            <a:off x="6962245" y="225187"/>
+            <a:ext cx="1875180" cy="4191415"/>
+          </a:xfrm>
+          <a:prstGeom prst="rect">
+            <a:avLst/>
+          </a:prstGeom>
+        </p:spPr>
+      </p:pic>
     </p:spTree>
   </p:cSld>
   <p:clrMapOvr>
     <a:masterClrMapping/>
   </p:clrMapOvr>
+  <p:timing>
+    <p:tnLst>
+      <p:par>
+        <p:cTn id="1" dur="indefinite" restart="never" nodeType="tmRoot">
+          <p:childTnLst>
+            <p:seq concurrent="1" nextAc="seek">
+              <p:cTn id="2" dur="indefinite" nodeType="mainSeq">
+                <p:childTnLst>
+                  <p:par>
+                    <p:cTn id="3" fill="hold">
+                      <p:stCondLst>
+                        <p:cond delay="indefinite"/>
+                      </p:stCondLst>
+                      <p:childTnLst>
+                        <p:par>
+                          <p:cTn id="4" fill="hold">
+                            <p:stCondLst>
+                              <p:cond delay="0"/>
+                            </p:stCondLst>
+                            <p:childTnLst>
+                              <p:par>
+                                <p:cTn id="5" presetID="10" presetClass="entr" presetSubtype="0" fill="hold" nodeType="clickEffect">
+                                  <p:stCondLst>
+                                    <p:cond delay="0"/>
+                                  </p:stCondLst>
+                                  <p:childTnLst>
+                                    <p:set>
+                                      <p:cBhvr>
+                                        <p:cTn id="6" dur="1" fill="hold">
+                                          <p:stCondLst>
+                                            <p:cond delay="0"/>
+                                          </p:stCondLst>
+                                        </p:cTn>
+                                        <p:tgtEl>
+                                          <p:spTgt spid="15"/>
+                                        </p:tgtEl>
+                                        <p:attrNameLst>
+                                          <p:attrName>style.visibility</p:attrName>
+                                        </p:attrNameLst>
+                                      </p:cBhvr>
+                                      <p:to>
+                                        <p:strVal val="visible"/>
+                                      </p:to>
+                                    </p:set>
+                                    <p:animEffect transition="in" filter="fade">
+                                      <p:cBhvr>
+                                        <p:cTn id="7" dur="500"/>
+                                        <p:tgtEl>
+                                          <p:spTgt spid="15"/>
+                                        </p:tgtEl>
+                                      </p:cBhvr>
+                                    </p:animEffect>
+                                  </p:childTnLst>
+                                </p:cTn>
+                              </p:par>
+                              <p:par>
+                                <p:cTn id="8" presetID="10" presetClass="entr" presetSubtype="0" fill="hold" grpId="0" nodeType="withEffect">
+                                  <p:stCondLst>
+                                    <p:cond delay="0"/>
+                                  </p:stCondLst>
+                                  <p:childTnLst>
+                                    <p:set>
+                                      <p:cBhvr>
+                                        <p:cTn id="9" dur="1" fill="hold">
+                                          <p:stCondLst>
+                                            <p:cond delay="0"/>
+                                          </p:stCondLst>
+                                        </p:cTn>
+                                        <p:tgtEl>
+                                          <p:spTgt spid="14"/>
+                                        </p:tgtEl>
+                                        <p:attrNameLst>
+                                          <p:attrName>style.visibility</p:attrName>
+                                        </p:attrNameLst>
+                                      </p:cBhvr>
+                                      <p:to>
+                                        <p:strVal val="visible"/>
+                                      </p:to>
+                                    </p:set>
+                                    <p:animEffect transition="in" filter="fade">
+                                      <p:cBhvr>
+                                        <p:cTn id="10" dur="500"/>
+                                        <p:tgtEl>
+                                          <p:spTgt spid="14"/>
+                                        </p:tgtEl>
+                                      </p:cBhvr>
+                                    </p:animEffect>
+                                  </p:childTnLst>
+                                </p:cTn>
+                              </p:par>
+                            </p:childTnLst>
+                          </p:cTn>
+                        </p:par>
+                      </p:childTnLst>
+                    </p:cTn>
+                  </p:par>
+                  <p:par>
+                    <p:cTn id="11" fill="hold">
+                      <p:stCondLst>
+                        <p:cond delay="indefinite"/>
+                      </p:stCondLst>
+                      <p:childTnLst>
+                        <p:par>
+                          <p:cTn id="12" fill="hold">
+                            <p:stCondLst>
+                              <p:cond delay="0"/>
+                            </p:stCondLst>
+                            <p:childTnLst>
+                              <p:par>
+                                <p:cTn id="13" presetID="10" presetClass="entr" presetSubtype="0" fill="hold" nodeType="clickEffect">
+                                  <p:stCondLst>
+                                    <p:cond delay="0"/>
+                                  </p:stCondLst>
+                                  <p:childTnLst>
+                                    <p:set>
+                                      <p:cBhvr>
+                                        <p:cTn id="14" dur="1" fill="hold">
+                                          <p:stCondLst>
+                                            <p:cond delay="0"/>
+                                          </p:stCondLst>
+                                        </p:cTn>
+                                        <p:tgtEl>
+                                          <p:spTgt spid="4"/>
+                                        </p:tgtEl>
+                                        <p:attrNameLst>
+                                          <p:attrName>style.visibility</p:attrName>
+                                        </p:attrNameLst>
+                                      </p:cBhvr>
+                                      <p:to>
+                                        <p:strVal val="visible"/>
+                                      </p:to>
+                                    </p:set>
+                                    <p:animEffect transition="in" filter="fade">
+                                      <p:cBhvr>
+                                        <p:cTn id="15" dur="500"/>
+                                        <p:tgtEl>
+                                          <p:spTgt spid="4"/>
+                                        </p:tgtEl>
+                                      </p:cBhvr>
+                                    </p:animEffect>
+                                  </p:childTnLst>
+                                </p:cTn>
+                              </p:par>
+                              <p:par>
+                                <p:cTn id="16" presetID="10" presetClass="entr" presetSubtype="0" fill="hold" grpId="0" nodeType="withEffect">
+                                  <p:stCondLst>
+                                    <p:cond delay="0"/>
+                                  </p:stCondLst>
+                                  <p:childTnLst>
+                                    <p:set>
+                                      <p:cBhvr>
+                                        <p:cTn id="17" dur="1" fill="hold">
+                                          <p:stCondLst>
+                                            <p:cond delay="0"/>
+                                          </p:stCondLst>
+                                        </p:cTn>
+                                        <p:tgtEl>
+                                          <p:spTgt spid="6"/>
+                                        </p:tgtEl>
+                                        <p:attrNameLst>
+                                          <p:attrName>style.visibility</p:attrName>
+                                        </p:attrNameLst>
+                                      </p:cBhvr>
+                                      <p:to>
+                                        <p:strVal val="visible"/>
+                                      </p:to>
+                                    </p:set>
+                                    <p:animEffect transition="in" filter="fade">
+                                      <p:cBhvr>
+                                        <p:cTn id="18" dur="500"/>
+                                        <p:tgtEl>
+                                          <p:spTgt spid="6"/>
+                                        </p:tgtEl>
+                                      </p:cBhvr>
+                                    </p:animEffect>
+                                  </p:childTnLst>
+                                </p:cTn>
+                              </p:par>
+                            </p:childTnLst>
+                          </p:cTn>
+                        </p:par>
+                      </p:childTnLst>
+                    </p:cTn>
+                  </p:par>
+                  <p:par>
+                    <p:cTn id="19" fill="hold">
+                      <p:stCondLst>
+                        <p:cond delay="indefinite"/>
+                      </p:stCondLst>
+                      <p:childTnLst>
+                        <p:par>
+                          <p:cTn id="20" fill="hold">
+                            <p:stCondLst>
+                              <p:cond delay="0"/>
+                            </p:stCondLst>
+                            <p:childTnLst>
+                              <p:par>
+                                <p:cTn id="21" presetID="10" presetClass="entr" presetSubtype="0" fill="hold" nodeType="clickEffect">
+                                  <p:stCondLst>
+                                    <p:cond delay="0"/>
+                                  </p:stCondLst>
+                                  <p:childTnLst>
+                                    <p:set>
+                                      <p:cBhvr>
+                                        <p:cTn id="22" dur="1" fill="hold">
+                                          <p:stCondLst>
+                                            <p:cond delay="0"/>
+                                          </p:stCondLst>
+                                        </p:cTn>
+                                        <p:tgtEl>
+                                          <p:spTgt spid="5"/>
+                                        </p:tgtEl>
+                                        <p:attrNameLst>
+                                          <p:attrName>style.visibility</p:attrName>
+                                        </p:attrNameLst>
+                                      </p:cBhvr>
+                                      <p:to>
+                                        <p:strVal val="visible"/>
+                                      </p:to>
+                                    </p:set>
+                                    <p:animEffect transition="in" filter="fade">
+                                      <p:cBhvr>
+                                        <p:cTn id="23" dur="500"/>
+                                        <p:tgtEl>
+                                          <p:spTgt spid="5"/>
+                                        </p:tgtEl>
+                                      </p:cBhvr>
+                                    </p:animEffect>
+                                  </p:childTnLst>
+                                </p:cTn>
+                              </p:par>
+                              <p:par>
+                                <p:cTn id="24" presetID="10" presetClass="entr" presetSubtype="0" fill="hold" grpId="0" nodeType="withEffect">
+                                  <p:stCondLst>
+                                    <p:cond delay="0"/>
+                                  </p:stCondLst>
+                                  <p:childTnLst>
+                                    <p:set>
+                                      <p:cBhvr>
+                                        <p:cTn id="25" dur="1" fill="hold">
+                                          <p:stCondLst>
+                                            <p:cond delay="0"/>
+                                          </p:stCondLst>
+                                        </p:cTn>
+                                        <p:tgtEl>
+                                          <p:spTgt spid="7"/>
+                                        </p:tgtEl>
+                                        <p:attrNameLst>
+                                          <p:attrName>style.visibility</p:attrName>
+                                        </p:attrNameLst>
+                                      </p:cBhvr>
+                                      <p:to>
+                                        <p:strVal val="visible"/>
+                                      </p:to>
+                                    </p:set>
+                                    <p:animEffect transition="in" filter="fade">
+                                      <p:cBhvr>
+                                        <p:cTn id="26" dur="500"/>
+                                        <p:tgtEl>
+                                          <p:spTgt spid="7"/>
+                                        </p:tgtEl>
+                                      </p:cBhvr>
+                                    </p:animEffect>
+                                  </p:childTnLst>
+                                </p:cTn>
+                              </p:par>
+                            </p:childTnLst>
+                          </p:cTn>
+                        </p:par>
+                      </p:childTnLst>
+                    </p:cTn>
+                  </p:par>
+                  <p:par>
+                    <p:cTn id="27" fill="hold">
+                      <p:stCondLst>
+                        <p:cond delay="indefinite"/>
+                      </p:stCondLst>
+                      <p:childTnLst>
+                        <p:par>
+                          <p:cTn id="28" fill="hold">
+                            <p:stCondLst>
+                              <p:cond delay="0"/>
+                            </p:stCondLst>
+                            <p:childTnLst>
+                              <p:par>
+                                <p:cTn id="29" presetID="10" presetClass="entr" presetSubtype="0" fill="hold" nodeType="clickEffect">
+                                  <p:stCondLst>
+                                    <p:cond delay="0"/>
+                                  </p:stCondLst>
+                                  <p:childTnLst>
+                                    <p:set>
+                                      <p:cBhvr>
+                                        <p:cTn id="30" dur="1" fill="hold">
+                                          <p:stCondLst>
+                                            <p:cond delay="0"/>
+                                          </p:stCondLst>
+                                        </p:cTn>
+                                        <p:tgtEl>
+                                          <p:spTgt spid="3"/>
+                                        </p:tgtEl>
+                                        <p:attrNameLst>
+                                          <p:attrName>style.visibility</p:attrName>
+                                        </p:attrNameLst>
+                                      </p:cBhvr>
+                                      <p:to>
+                                        <p:strVal val="visible"/>
+                                      </p:to>
+                                    </p:set>
+                                    <p:animEffect transition="in" filter="fade">
+                                      <p:cBhvr>
+                                        <p:cTn id="31" dur="500"/>
+                                        <p:tgtEl>
+                                          <p:spTgt spid="3"/>
+                                        </p:tgtEl>
+                                      </p:cBhvr>
+                                    </p:animEffect>
+                                  </p:childTnLst>
+                                </p:cTn>
+                              </p:par>
+                              <p:par>
+                                <p:cTn id="32" presetID="10" presetClass="entr" presetSubtype="0" fill="hold" grpId="0" nodeType="withEffect">
+                                  <p:stCondLst>
+                                    <p:cond delay="0"/>
+                                  </p:stCondLst>
+                                  <p:childTnLst>
+                                    <p:set>
+                                      <p:cBhvr>
+                                        <p:cTn id="33" dur="1" fill="hold">
+                                          <p:stCondLst>
+                                            <p:cond delay="0"/>
+                                          </p:stCondLst>
+                                        </p:cTn>
+                                        <p:tgtEl>
+                                          <p:spTgt spid="9"/>
+                                        </p:tgtEl>
+                                        <p:attrNameLst>
+                                          <p:attrName>style.visibility</p:attrName>
+                                        </p:attrNameLst>
+                                      </p:cBhvr>
+                                      <p:to>
+                                        <p:strVal val="visible"/>
+                                      </p:to>
+                                    </p:set>
+                                    <p:animEffect transition="in" filter="fade">
+                                      <p:cBhvr>
+                                        <p:cTn id="34" dur="500"/>
+                                        <p:tgtEl>
+                                          <p:spTgt spid="9"/>
+                                        </p:tgtEl>
+                                      </p:cBhvr>
+                                    </p:animEffect>
+                                  </p:childTnLst>
+                                </p:cTn>
+                              </p:par>
+                            </p:childTnLst>
+                          </p:cTn>
+                        </p:par>
+                      </p:childTnLst>
+                    </p:cTn>
+                  </p:par>
+                  <p:par>
+                    <p:cTn id="35" fill="hold">
+                      <p:stCondLst>
+                        <p:cond delay="indefinite"/>
+                      </p:stCondLst>
+                      <p:childTnLst>
+                        <p:par>
+                          <p:cTn id="36" fill="hold">
+                            <p:stCondLst>
+                              <p:cond delay="0"/>
+                            </p:stCondLst>
+                            <p:childTnLst>
+                              <p:par>
+                                <p:cTn id="37" presetID="10" presetClass="entr" presetSubtype="0" fill="hold" nodeType="clickEffect">
+                                  <p:stCondLst>
+                                    <p:cond delay="0"/>
+                                  </p:stCondLst>
+                                  <p:childTnLst>
+                                    <p:set>
+                                      <p:cBhvr>
+                                        <p:cTn id="38" dur="1" fill="hold">
+                                          <p:stCondLst>
+                                            <p:cond delay="0"/>
+                                          </p:stCondLst>
+                                        </p:cTn>
+                                        <p:tgtEl>
+                                          <p:spTgt spid="2"/>
+                                        </p:tgtEl>
+                                        <p:attrNameLst>
+                                          <p:attrName>style.visibility</p:attrName>
+                                        </p:attrNameLst>
+                                      </p:cBhvr>
+                                      <p:to>
+                                        <p:strVal val="visible"/>
+                                      </p:to>
+                                    </p:set>
+                                    <p:animEffect transition="in" filter="fade">
+                                      <p:cBhvr>
+                                        <p:cTn id="39" dur="500"/>
+                                        <p:tgtEl>
+                                          <p:spTgt spid="2"/>
+                                        </p:tgtEl>
+                                      </p:cBhvr>
+                                    </p:animEffect>
+                                  </p:childTnLst>
+                                </p:cTn>
+                              </p:par>
+                              <p:par>
+                                <p:cTn id="40" presetID="10" presetClass="entr" presetSubtype="0" fill="hold" grpId="0" nodeType="withEffect">
+                                  <p:stCondLst>
+                                    <p:cond delay="0"/>
+                                  </p:stCondLst>
+                                  <p:childTnLst>
+                                    <p:set>
+                                      <p:cBhvr>
+                                        <p:cTn id="41" dur="1" fill="hold">
+                                          <p:stCondLst>
+                                            <p:cond delay="0"/>
+                                          </p:stCondLst>
+                                        </p:cTn>
+                                        <p:tgtEl>
+                                          <p:spTgt spid="8"/>
+                                        </p:tgtEl>
+                                        <p:attrNameLst>
+                                          <p:attrName>style.visibility</p:attrName>
+                                        </p:attrNameLst>
+                                      </p:cBhvr>
+                                      <p:to>
+                                        <p:strVal val="visible"/>
+                                      </p:to>
+                                    </p:set>
+                                    <p:animEffect transition="in" filter="fade">
+                                      <p:cBhvr>
+                                        <p:cTn id="42" dur="500"/>
+                                        <p:tgtEl>
+                                          <p:spTgt spid="8"/>
+                                        </p:tgtEl>
+                                      </p:cBhvr>
+                                    </p:animEffect>
+                                  </p:childTnLst>
+                                </p:cTn>
+                              </p:par>
+                            </p:childTnLst>
+                          </p:cTn>
+                        </p:par>
+                      </p:childTnLst>
+                    </p:cTn>
+                  </p:par>
+                  <p:par>
+                    <p:cTn id="43" fill="hold">
+                      <p:stCondLst>
+                        <p:cond delay="indefinite"/>
+                      </p:stCondLst>
+                      <p:childTnLst>
+                        <p:par>
+                          <p:cTn id="44" fill="hold">
+                            <p:stCondLst>
+                              <p:cond delay="0"/>
+                            </p:stCondLst>
+                            <p:childTnLst>
+                              <p:par>
+                                <p:cTn id="45" presetID="10" presetClass="entr" presetSubtype="0" fill="hold" nodeType="clickEffect">
+                                  <p:stCondLst>
+                                    <p:cond delay="0"/>
+                                  </p:stCondLst>
+                                  <p:childTnLst>
+                                    <p:set>
+                                      <p:cBhvr>
+                                        <p:cTn id="46" dur="1" fill="hold">
+                                          <p:stCondLst>
+                                            <p:cond delay="0"/>
+                                          </p:stCondLst>
+                                        </p:cTn>
+                                        <p:tgtEl>
+                                          <p:spTgt spid="10"/>
+                                        </p:tgtEl>
+                                        <p:attrNameLst>
+                                          <p:attrName>style.visibility</p:attrName>
+                                        </p:attrNameLst>
+                                      </p:cBhvr>
+                                      <p:to>
+                                        <p:strVal val="visible"/>
+                                      </p:to>
+                                    </p:set>
+                                    <p:animEffect transition="in" filter="fade">
+                                      <p:cBhvr>
+                                        <p:cTn id="47" dur="500"/>
+                                        <p:tgtEl>
+                                          <p:spTgt spid="10"/>
+                                        </p:tgtEl>
+                                      </p:cBhvr>
+                                    </p:animEffect>
+                                  </p:childTnLst>
+                                </p:cTn>
+                              </p:par>
+                              <p:par>
+                                <p:cTn id="48" presetID="10" presetClass="entr" presetSubtype="0" fill="hold" grpId="0" nodeType="withEffect">
+                                  <p:stCondLst>
+                                    <p:cond delay="0"/>
+                                  </p:stCondLst>
+                                  <p:childTnLst>
+                                    <p:set>
+                                      <p:cBhvr>
+                                        <p:cTn id="49" dur="1" fill="hold">
+                                          <p:stCondLst>
+                                            <p:cond delay="0"/>
+                                          </p:stCondLst>
+                                        </p:cTn>
+                                        <p:tgtEl>
+                                          <p:spTgt spid="11"/>
+                                        </p:tgtEl>
+                                        <p:attrNameLst>
+                                          <p:attrName>style.visibility</p:attrName>
+                                        </p:attrNameLst>
+                                      </p:cBhvr>
+                                      <p:to>
+                                        <p:strVal val="visible"/>
+                                      </p:to>
+                                    </p:set>
+                                    <p:animEffect transition="in" filter="fade">
+                                      <p:cBhvr>
+                                        <p:cTn id="50" dur="500"/>
+                                        <p:tgtEl>
+                                          <p:spTgt spid="11"/>
+                                        </p:tgtEl>
+                                      </p:cBhvr>
+                                    </p:animEffect>
+                                  </p:childTnLst>
+                                </p:cTn>
+                              </p:par>
+                            </p:childTnLst>
+                          </p:cTn>
+                        </p:par>
+                      </p:childTnLst>
+                    </p:cTn>
+                  </p:par>
+                  <p:par>
+                    <p:cTn id="51" fill="hold">
+                      <p:stCondLst>
+                        <p:cond delay="indefinite"/>
+                      </p:stCondLst>
+                      <p:childTnLst>
+                        <p:par>
+                          <p:cTn id="52" fill="hold">
+                            <p:stCondLst>
+                              <p:cond delay="0"/>
+                            </p:stCondLst>
+                            <p:childTnLst>
+                              <p:par>
+                                <p:cTn id="53" presetID="10" presetClass="entr" presetSubtype="0" fill="hold" nodeType="clickEffect">
+                                  <p:stCondLst>
+                                    <p:cond delay="0"/>
+                                  </p:stCondLst>
+                                  <p:childTnLst>
+                                    <p:set>
+                                      <p:cBhvr>
+                                        <p:cTn id="54" dur="1" fill="hold">
+                                          <p:stCondLst>
+                                            <p:cond delay="0"/>
+                                          </p:stCondLst>
+                                        </p:cTn>
+                                        <p:tgtEl>
+                                          <p:spTgt spid="12"/>
+                                        </p:tgtEl>
+                                        <p:attrNameLst>
+                                          <p:attrName>style.visibility</p:attrName>
+                                        </p:attrNameLst>
+                                      </p:cBhvr>
+                                      <p:to>
+                                        <p:strVal val="visible"/>
+                                      </p:to>
+                                    </p:set>
+                                    <p:animEffect transition="in" filter="fade">
+                                      <p:cBhvr>
+                                        <p:cTn id="55" dur="500"/>
+                                        <p:tgtEl>
+                                          <p:spTgt spid="12"/>
+                                        </p:tgtEl>
+                                      </p:cBhvr>
+                                    </p:animEffect>
+                                  </p:childTnLst>
+                                </p:cTn>
+                              </p:par>
+                              <p:par>
+                                <p:cTn id="56" presetID="10" presetClass="entr" presetSubtype="0" fill="hold" grpId="0" nodeType="withEffect">
+                                  <p:stCondLst>
+                                    <p:cond delay="0"/>
+                                  </p:stCondLst>
+                                  <p:childTnLst>
+                                    <p:set>
+                                      <p:cBhvr>
+                                        <p:cTn id="57" dur="1" fill="hold">
+                                          <p:stCondLst>
+                                            <p:cond delay="0"/>
+                                          </p:stCondLst>
+                                        </p:cTn>
+                                        <p:tgtEl>
+                                          <p:spTgt spid="13"/>
+                                        </p:tgtEl>
+                                        <p:attrNameLst>
+                                          <p:attrName>style.visibility</p:attrName>
+                                        </p:attrNameLst>
+                                      </p:cBhvr>
+                                      <p:to>
+                                        <p:strVal val="visible"/>
+                                      </p:to>
+                                    </p:set>
+                                    <p:animEffect transition="in" filter="fade">
+                                      <p:cBhvr>
+                                        <p:cTn id="58" dur="500"/>
+                                        <p:tgtEl>
+                                          <p:spTgt spid="13"/>
+                                        </p:tgtEl>
+                                      </p:cBhvr>
+                                    </p:animEffect>
+                                  </p:childTnLst>
+                                </p:cTn>
+                              </p:par>
+                              <p:par>
+                                <p:cTn id="59" presetID="10" presetClass="entr" presetSubtype="0" fill="hold" nodeType="withEffect">
+                                  <p:stCondLst>
+                                    <p:cond delay="0"/>
+                                  </p:stCondLst>
+                                  <p:childTnLst>
+                                    <p:set>
+                                      <p:cBhvr>
+                                        <p:cTn id="60" dur="1" fill="hold">
+                                          <p:stCondLst>
+                                            <p:cond delay="0"/>
+                                          </p:stCondLst>
+                                        </p:cTn>
+                                        <p:tgtEl>
+                                          <p:spTgt spid="16"/>
+                                        </p:tgtEl>
+                                        <p:attrNameLst>
+                                          <p:attrName>style.visibility</p:attrName>
+                                        </p:attrNameLst>
+                                      </p:cBhvr>
+                                      <p:to>
+                                        <p:strVal val="visible"/>
+                                      </p:to>
+                                    </p:set>
+                                    <p:animEffect transition="in" filter="fade">
+                                      <p:cBhvr>
+                                        <p:cTn id="61" dur="500"/>
+                                        <p:tgtEl>
+                                          <p:spTgt spid="16"/>
+                                        </p:tgtEl>
+                                      </p:cBhvr>
+                                    </p:animEffect>
+                                  </p:childTnLst>
+                                </p:cTn>
+                              </p:par>
+                            </p:childTnLst>
+                          </p:cTn>
+                        </p:par>
+                      </p:childTnLst>
+                    </p:cTn>
+                  </p:par>
+                </p:childTnLst>
+              </p:cTn>
+              <p:prevCondLst>
+                <p:cond evt="onPrev" delay="0">
+                  <p:tgtEl>
+                    <p:sldTgt/>
+                  </p:tgtEl>
+                </p:cond>
+              </p:prevCondLst>
+              <p:nextCondLst>
+                <p:cond evt="onNext" delay="0">
+                  <p:tgtEl>
+                    <p:sldTgt/>
+                  </p:tgtEl>
+                </p:cond>
+              </p:nextCondLst>
+            </p:seq>
+          </p:childTnLst>
+        </p:cTn>
+      </p:par>
+    </p:tnLst>
+    <p:bldLst>
+      <p:bldP spid="6" grpId="0"/>
+      <p:bldP spid="7" grpId="0"/>
+      <p:bldP spid="8" grpId="0"/>
+      <p:bldP spid="9" grpId="0"/>
+      <p:bldP spid="11" grpId="0"/>
+      <p:bldP spid="13" grpId="0"/>
+      <p:bldP spid="14" grpId="0"/>
+    </p:bldLst>
+  </p:timing>
 </p:sld>
 </file>
 
@@ -11288,7 +13714,7 @@
               <a:buNone/>
             </a:pPr>
             <a:r>
-              <a:rPr lang="tr" sz="2400" b="1" dirty="0">
+              <a:rPr lang="en-US" sz="2400" b="1" dirty="0">
                 <a:solidFill>
                   <a:srgbClr val="292D33"/>
                 </a:solidFill>
@@ -11297,7 +13723,7 @@
                 <a:cs typeface="Lexend"/>
                 <a:sym typeface="Lexend"/>
               </a:rPr>
-              <a:t>TITLE</a:t>
+              <a:t>THE ABP PLATFORM</a:t>
             </a:r>
             <a:endParaRPr sz="2400" b="1" dirty="0">
               <a:solidFill>
@@ -11311,16 +13737,52 @@
           </a:p>
         </p:txBody>
       </p:sp>
+      <p:pic>
+        <p:nvPicPr>
+          <p:cNvPr id="3" name="Picture 2">
+            <a:extLst>
+              <a:ext uri="{FF2B5EF4-FFF2-40B4-BE49-F238E27FC236}">
+                <a16:creationId xmlns:a16="http://schemas.microsoft.com/office/drawing/2014/main" id="{B717BEF8-C843-8509-8C0A-012FCE5FF817}"/>
+              </a:ext>
+            </a:extLst>
+          </p:cNvPr>
+          <p:cNvPicPr>
+            <a:picLocks noChangeAspect="1"/>
+          </p:cNvPicPr>
+          <p:nvPr/>
+        </p:nvPicPr>
+        <p:blipFill>
+          <a:blip r:embed="rId4"/>
+          <a:stretch>
+            <a:fillRect/>
+          </a:stretch>
+        </p:blipFill>
+        <p:spPr>
+          <a:xfrm>
+            <a:off x="225147" y="823275"/>
+            <a:ext cx="4026434" cy="4108265"/>
+          </a:xfrm>
+          <a:prstGeom prst="rect">
+            <a:avLst/>
+          </a:prstGeom>
+        </p:spPr>
+      </p:pic>
       <p:sp>
         <p:nvSpPr>
-          <p:cNvPr id="68" name="Google Shape;68;p2"/>
+          <p:cNvPr id="4" name="Google Shape;68;p2">
+            <a:extLst>
+              <a:ext uri="{FF2B5EF4-FFF2-40B4-BE49-F238E27FC236}">
+                <a16:creationId xmlns:a16="http://schemas.microsoft.com/office/drawing/2014/main" id="{A92558EB-AA7B-529C-3A9B-088A2344F0F2}"/>
+              </a:ext>
+            </a:extLst>
+          </p:cNvPr>
           <p:cNvSpPr txBox="1"/>
           <p:nvPr/>
         </p:nvSpPr>
         <p:spPr>
           <a:xfrm>
-            <a:off x="306575" y="823275"/>
-            <a:ext cx="8410500" cy="3577500"/>
+            <a:off x="4365326" y="823275"/>
+            <a:ext cx="4472099" cy="3577500"/>
           </a:xfrm>
           <a:prstGeom prst="rect">
             <a:avLst/>
@@ -11332,21 +13794,20 @@
         </p:spPr>
         <p:txBody>
           <a:bodyPr spcFirstLastPara="1" wrap="square" lIns="91425" tIns="91425" rIns="91425" bIns="91425" anchor="t" anchorCtr="0">
-            <a:normAutofit/>
+            <a:noAutofit/>
           </a:bodyPr>
           <a:lstStyle/>
           <a:p>
-            <a:pPr marL="0" lvl="0" indent="0" algn="l" rtl="0">
-              <a:spcBef>
-                <a:spcPts val="0"/>
-              </a:spcBef>
-              <a:spcAft>
-                <a:spcPts val="0"/>
-              </a:spcAft>
-              <a:buNone/>
+            <a:pPr lvl="0" algn="l" rtl="0">
+              <a:spcBef>
+                <a:spcPts val="0"/>
+              </a:spcBef>
+              <a:spcAft>
+                <a:spcPts val="0"/>
+              </a:spcAft>
             </a:pPr>
             <a:r>
-              <a:rPr lang="tr" sz="1500" dirty="0">
+              <a:rPr lang="en-US" sz="1600" b="1" dirty="0">
                 <a:solidFill>
                   <a:srgbClr val="4E5258"/>
                 </a:solidFill>
@@ -11355,9 +13816,19 @@
                 <a:cs typeface="Poppins"/>
                 <a:sym typeface="Poppins"/>
               </a:rPr>
-              <a:t>TODO</a:t>
+              <a:t>25 Reusable application modules</a:t>
             </a:r>
-            <a:endParaRPr sz="1500" dirty="0">
+          </a:p>
+          <a:p>
+            <a:pPr lvl="0" algn="l" rtl="0">
+              <a:spcBef>
+                <a:spcPts val="0"/>
+              </a:spcBef>
+              <a:spcAft>
+                <a:spcPts val="0"/>
+              </a:spcAft>
+            </a:pPr>
+            <a:endParaRPr lang="en-US" sz="1600" dirty="0">
               <a:solidFill>
                 <a:srgbClr val="4E5258"/>
               </a:solidFill>
@@ -11366,6 +13837,502 @@
               <a:cs typeface="Poppins"/>
               <a:sym typeface="Poppins"/>
             </a:endParaRPr>
+          </a:p>
+          <a:p>
+            <a:pPr lvl="0" algn="l" rtl="0">
+              <a:spcBef>
+                <a:spcPts val="0"/>
+              </a:spcBef>
+              <a:spcAft>
+                <a:spcPts val="0"/>
+              </a:spcAft>
+            </a:pPr>
+            <a:r>
+              <a:rPr lang="en-US" sz="1600" u="sng" dirty="0">
+                <a:solidFill>
+                  <a:srgbClr val="4E5258"/>
+                </a:solidFill>
+                <a:latin typeface="Poppins"/>
+                <a:ea typeface="Poppins"/>
+                <a:cs typeface="Poppins"/>
+                <a:sym typeface="Poppins"/>
+              </a:rPr>
+              <a:t>All modules</a:t>
+            </a:r>
+            <a:r>
+              <a:rPr lang="en-US" sz="1600" dirty="0">
+                <a:solidFill>
+                  <a:srgbClr val="4E5258"/>
+                </a:solidFill>
+                <a:latin typeface="Poppins"/>
+                <a:ea typeface="Poppins"/>
+                <a:cs typeface="Poppins"/>
+                <a:sym typeface="Poppins"/>
+              </a:rPr>
+              <a:t>;</a:t>
+            </a:r>
+          </a:p>
+          <a:p>
+            <a:pPr marL="285750" lvl="0" indent="-285750" algn="l" rtl="0">
+              <a:spcBef>
+                <a:spcPts val="0"/>
+              </a:spcBef>
+              <a:spcAft>
+                <a:spcPts val="0"/>
+              </a:spcAft>
+              <a:buFont typeface="Arial" panose="020B0604020202020204" pitchFamily="34" charset="0"/>
+              <a:buChar char="•"/>
+            </a:pPr>
+            <a:r>
+              <a:rPr lang="en-US" sz="1600" dirty="0">
+                <a:solidFill>
+                  <a:srgbClr val="4E5258"/>
+                </a:solidFill>
+                <a:latin typeface="Poppins"/>
+                <a:ea typeface="Poppins"/>
+                <a:cs typeface="Poppins"/>
+                <a:sym typeface="Poppins"/>
+              </a:rPr>
+              <a:t>Supports </a:t>
+            </a:r>
+            <a:r>
+              <a:rPr lang="en-US" sz="1600" b="1" dirty="0">
+                <a:solidFill>
+                  <a:srgbClr val="4E5258"/>
+                </a:solidFill>
+                <a:latin typeface="Poppins"/>
+                <a:ea typeface="Poppins"/>
+                <a:cs typeface="Poppins"/>
+                <a:sym typeface="Poppins"/>
+              </a:rPr>
+              <a:t>EF Core </a:t>
+            </a:r>
+            <a:r>
+              <a:rPr lang="en-US" sz="1600" dirty="0">
+                <a:solidFill>
+                  <a:srgbClr val="4E5258"/>
+                </a:solidFill>
+                <a:latin typeface="Poppins"/>
+                <a:ea typeface="Poppins"/>
+                <a:cs typeface="Poppins"/>
+                <a:sym typeface="Poppins"/>
+              </a:rPr>
+              <a:t>&amp; </a:t>
+            </a:r>
+            <a:r>
+              <a:rPr lang="en-US" sz="1600" b="1" dirty="0">
+                <a:solidFill>
+                  <a:srgbClr val="4E5258"/>
+                </a:solidFill>
+                <a:latin typeface="Poppins"/>
+                <a:ea typeface="Poppins"/>
+                <a:cs typeface="Poppins"/>
+                <a:sym typeface="Poppins"/>
+              </a:rPr>
+              <a:t>MongoDB</a:t>
+            </a:r>
+          </a:p>
+          <a:p>
+            <a:pPr marL="285750" lvl="0" indent="-285750" algn="l" rtl="0">
+              <a:spcBef>
+                <a:spcPts val="0"/>
+              </a:spcBef>
+              <a:spcAft>
+                <a:spcPts val="0"/>
+              </a:spcAft>
+              <a:buFont typeface="Arial" panose="020B0604020202020204" pitchFamily="34" charset="0"/>
+              <a:buChar char="•"/>
+            </a:pPr>
+            <a:r>
+              <a:rPr lang="en-US" sz="1600" dirty="0">
+                <a:solidFill>
+                  <a:srgbClr val="4E5258"/>
+                </a:solidFill>
+                <a:latin typeface="Poppins"/>
+                <a:ea typeface="Poppins"/>
+                <a:cs typeface="Poppins"/>
+                <a:sym typeface="Poppins"/>
+              </a:rPr>
+              <a:t>Supports </a:t>
+            </a:r>
+            <a:r>
+              <a:rPr lang="en-US" sz="1600" b="1" dirty="0">
+                <a:solidFill>
+                  <a:srgbClr val="4E5258"/>
+                </a:solidFill>
+                <a:latin typeface="Poppins"/>
+                <a:ea typeface="Poppins"/>
+                <a:cs typeface="Poppins"/>
+                <a:sym typeface="Poppins"/>
+              </a:rPr>
+              <a:t>MVC</a:t>
+            </a:r>
+            <a:r>
+              <a:rPr lang="en-US" sz="1600" dirty="0">
+                <a:solidFill>
+                  <a:srgbClr val="4E5258"/>
+                </a:solidFill>
+                <a:latin typeface="Poppins"/>
+                <a:ea typeface="Poppins"/>
+                <a:cs typeface="Poppins"/>
+                <a:sym typeface="Poppins"/>
+              </a:rPr>
+              <a:t>, </a:t>
+            </a:r>
+            <a:r>
+              <a:rPr lang="en-US" sz="1600" b="1" dirty="0" err="1">
+                <a:solidFill>
+                  <a:srgbClr val="4E5258"/>
+                </a:solidFill>
+                <a:latin typeface="Poppins"/>
+                <a:ea typeface="Poppins"/>
+                <a:cs typeface="Poppins"/>
+                <a:sym typeface="Poppins"/>
+              </a:rPr>
+              <a:t>Blazor</a:t>
+            </a:r>
+            <a:r>
+              <a:rPr lang="en-US" sz="1600" dirty="0">
+                <a:solidFill>
+                  <a:srgbClr val="4E5258"/>
+                </a:solidFill>
+                <a:latin typeface="Poppins"/>
+                <a:ea typeface="Poppins"/>
+                <a:cs typeface="Poppins"/>
+                <a:sym typeface="Poppins"/>
+              </a:rPr>
+              <a:t>, </a:t>
+            </a:r>
+            <a:r>
+              <a:rPr lang="en-US" sz="1600" b="1" dirty="0">
+                <a:solidFill>
+                  <a:srgbClr val="4E5258"/>
+                </a:solidFill>
+                <a:latin typeface="Poppins"/>
+                <a:ea typeface="Poppins"/>
+                <a:cs typeface="Poppins"/>
+                <a:sym typeface="Poppins"/>
+              </a:rPr>
+              <a:t>Angular </a:t>
+            </a:r>
+            <a:r>
+              <a:rPr lang="en-US" sz="1600" dirty="0">
+                <a:solidFill>
+                  <a:srgbClr val="4E5258"/>
+                </a:solidFill>
+                <a:latin typeface="Poppins"/>
+                <a:ea typeface="Poppins"/>
+                <a:cs typeface="Poppins"/>
+                <a:sym typeface="Poppins"/>
+              </a:rPr>
+              <a:t>UI</a:t>
+            </a:r>
+          </a:p>
+          <a:p>
+            <a:pPr marL="285750" lvl="0" indent="-285750" algn="l" rtl="0">
+              <a:spcBef>
+                <a:spcPts val="0"/>
+              </a:spcBef>
+              <a:spcAft>
+                <a:spcPts val="0"/>
+              </a:spcAft>
+              <a:buFont typeface="Arial" panose="020B0604020202020204" pitchFamily="34" charset="0"/>
+              <a:buChar char="•"/>
+            </a:pPr>
+            <a:r>
+              <a:rPr lang="en-US" sz="1600" dirty="0">
+                <a:solidFill>
+                  <a:srgbClr val="4E5258"/>
+                </a:solidFill>
+                <a:latin typeface="Poppins"/>
+                <a:ea typeface="Poppins"/>
+                <a:cs typeface="Poppins"/>
+                <a:sym typeface="Poppins"/>
+              </a:rPr>
+              <a:t>Supports </a:t>
+            </a:r>
+            <a:r>
+              <a:rPr lang="en-US" sz="1600" b="1" dirty="0">
+                <a:solidFill>
+                  <a:srgbClr val="4E5258"/>
+                </a:solidFill>
+                <a:latin typeface="Poppins"/>
+                <a:ea typeface="Poppins"/>
+                <a:cs typeface="Poppins"/>
+                <a:sym typeface="Poppins"/>
+              </a:rPr>
+              <a:t>modular monolith </a:t>
+            </a:r>
+            <a:r>
+              <a:rPr lang="en-US" sz="1600" dirty="0">
+                <a:solidFill>
+                  <a:srgbClr val="4E5258"/>
+                </a:solidFill>
+                <a:latin typeface="Poppins"/>
+                <a:ea typeface="Poppins"/>
+                <a:cs typeface="Poppins"/>
+                <a:sym typeface="Poppins"/>
+              </a:rPr>
+              <a:t>&amp; </a:t>
+            </a:r>
+            <a:r>
+              <a:rPr lang="en-US" sz="1600" b="1" dirty="0">
+                <a:solidFill>
+                  <a:srgbClr val="4E5258"/>
+                </a:solidFill>
+                <a:latin typeface="Poppins"/>
+                <a:ea typeface="Poppins"/>
+                <a:cs typeface="Poppins"/>
+                <a:sym typeface="Poppins"/>
+              </a:rPr>
+              <a:t>microservice </a:t>
+            </a:r>
+            <a:r>
+              <a:rPr lang="en-US" sz="1600" dirty="0">
+                <a:solidFill>
+                  <a:srgbClr val="4E5258"/>
+                </a:solidFill>
+                <a:latin typeface="Poppins"/>
+                <a:ea typeface="Poppins"/>
+                <a:cs typeface="Poppins"/>
+                <a:sym typeface="Poppins"/>
+              </a:rPr>
+              <a:t>scenarios</a:t>
+            </a:r>
+          </a:p>
+          <a:p>
+            <a:pPr marL="285750" lvl="0" indent="-285750" algn="l" rtl="0">
+              <a:spcBef>
+                <a:spcPts val="0"/>
+              </a:spcBef>
+              <a:spcAft>
+                <a:spcPts val="0"/>
+              </a:spcAft>
+              <a:buFont typeface="Arial" panose="020B0604020202020204" pitchFamily="34" charset="0"/>
+              <a:buChar char="•"/>
+            </a:pPr>
+            <a:r>
+              <a:rPr lang="en-US" sz="1600" dirty="0">
+                <a:solidFill>
+                  <a:srgbClr val="4E5258"/>
+                </a:solidFill>
+                <a:latin typeface="Poppins"/>
+                <a:ea typeface="Poppins"/>
+                <a:cs typeface="Poppins"/>
+                <a:sym typeface="Poppins"/>
+              </a:rPr>
+              <a:t>Supports </a:t>
+            </a:r>
+            <a:r>
+              <a:rPr lang="en-US" sz="1600" b="1" dirty="0">
+                <a:solidFill>
+                  <a:srgbClr val="4E5258"/>
+                </a:solidFill>
+                <a:latin typeface="Poppins"/>
+                <a:ea typeface="Poppins"/>
+                <a:cs typeface="Poppins"/>
+                <a:sym typeface="Poppins"/>
+              </a:rPr>
+              <a:t>tiered </a:t>
+            </a:r>
+            <a:r>
+              <a:rPr lang="en-US" sz="1600" dirty="0">
+                <a:solidFill>
+                  <a:srgbClr val="4E5258"/>
+                </a:solidFill>
+                <a:latin typeface="Poppins"/>
+                <a:ea typeface="Poppins"/>
+                <a:cs typeface="Poppins"/>
+                <a:sym typeface="Poppins"/>
+              </a:rPr>
+              <a:t>architecture</a:t>
+            </a:r>
+          </a:p>
+          <a:p>
+            <a:pPr marL="285750" lvl="0" indent="-285750" algn="l" rtl="0">
+              <a:spcBef>
+                <a:spcPts val="0"/>
+              </a:spcBef>
+              <a:spcAft>
+                <a:spcPts val="0"/>
+              </a:spcAft>
+              <a:buFont typeface="Arial" panose="020B0604020202020204" pitchFamily="34" charset="0"/>
+              <a:buChar char="•"/>
+            </a:pPr>
+            <a:r>
+              <a:rPr lang="en-US" sz="1600" dirty="0">
+                <a:solidFill>
+                  <a:srgbClr val="4E5258"/>
+                </a:solidFill>
+                <a:latin typeface="Poppins"/>
+                <a:ea typeface="Poppins"/>
+                <a:cs typeface="Poppins"/>
+                <a:sym typeface="Poppins"/>
+              </a:rPr>
+              <a:t>Extensible &amp; </a:t>
+            </a:r>
+            <a:r>
+              <a:rPr lang="en-US" sz="1600" b="1" dirty="0">
+                <a:solidFill>
+                  <a:srgbClr val="4E5258"/>
+                </a:solidFill>
+                <a:latin typeface="Poppins"/>
+                <a:ea typeface="Poppins"/>
+                <a:cs typeface="Poppins"/>
+                <a:sym typeface="Poppins"/>
+              </a:rPr>
+              <a:t>customizable</a:t>
+            </a:r>
+          </a:p>
+          <a:p>
+            <a:pPr marL="285750" lvl="0" indent="-285750" algn="l" rtl="0">
+              <a:spcBef>
+                <a:spcPts val="0"/>
+              </a:spcBef>
+              <a:spcAft>
+                <a:spcPts val="0"/>
+              </a:spcAft>
+              <a:buFont typeface="Arial" panose="020B0604020202020204" pitchFamily="34" charset="0"/>
+              <a:buChar char="•"/>
+            </a:pPr>
+            <a:r>
+              <a:rPr lang="en-US" sz="1600" dirty="0">
+                <a:solidFill>
+                  <a:srgbClr val="4E5258"/>
+                </a:solidFill>
+                <a:latin typeface="Poppins"/>
+                <a:ea typeface="Poppins"/>
+                <a:cs typeface="Poppins"/>
+                <a:sym typeface="Poppins"/>
+              </a:rPr>
+              <a:t>Fully </a:t>
+            </a:r>
+            <a:r>
+              <a:rPr lang="en-US" sz="1600" b="1" dirty="0">
+                <a:solidFill>
+                  <a:srgbClr val="4E5258"/>
+                </a:solidFill>
+                <a:latin typeface="Poppins"/>
+                <a:ea typeface="Poppins"/>
+                <a:cs typeface="Poppins"/>
+                <a:sym typeface="Poppins"/>
+              </a:rPr>
+              <a:t>layered</a:t>
+            </a:r>
+          </a:p>
+          <a:p>
+            <a:pPr marL="285750" indent="-285750">
+              <a:buFont typeface="Arial" panose="020B0604020202020204" pitchFamily="34" charset="0"/>
+              <a:buChar char="•"/>
+            </a:pPr>
+            <a:r>
+              <a:rPr lang="en-US" sz="1600" dirty="0">
+                <a:solidFill>
+                  <a:srgbClr val="4E5258"/>
+                </a:solidFill>
+                <a:latin typeface="Poppins"/>
+                <a:ea typeface="Poppins"/>
+                <a:cs typeface="Poppins"/>
+                <a:sym typeface="Poppins"/>
+              </a:rPr>
+              <a:t>Independent of any </a:t>
+            </a:r>
+            <a:r>
+              <a:rPr lang="en-US" sz="1600" b="1" dirty="0">
+                <a:solidFill>
+                  <a:srgbClr val="4E5258"/>
+                </a:solidFill>
+                <a:latin typeface="Poppins"/>
+                <a:ea typeface="Poppins"/>
+                <a:cs typeface="Poppins"/>
+                <a:sym typeface="Poppins"/>
+              </a:rPr>
+              <a:t>business</a:t>
+            </a:r>
+          </a:p>
+          <a:p>
+            <a:pPr marL="285750" lvl="0" indent="-285750" algn="l" rtl="0">
+              <a:spcBef>
+                <a:spcPts val="0"/>
+              </a:spcBef>
+              <a:spcAft>
+                <a:spcPts val="0"/>
+              </a:spcAft>
+              <a:buFont typeface="Arial" panose="020B0604020202020204" pitchFamily="34" charset="0"/>
+              <a:buChar char="•"/>
+            </a:pPr>
+            <a:r>
+              <a:rPr lang="en-US" sz="1600" b="1" dirty="0">
+                <a:solidFill>
+                  <a:srgbClr val="4E5258"/>
+                </a:solidFill>
+                <a:latin typeface="Poppins"/>
+                <a:ea typeface="Poppins"/>
+                <a:cs typeface="Poppins"/>
+                <a:sym typeface="Poppins"/>
+              </a:rPr>
+              <a:t>Independent</a:t>
+            </a:r>
+            <a:r>
+              <a:rPr lang="en-US" sz="1600" dirty="0">
+                <a:solidFill>
+                  <a:srgbClr val="4E5258"/>
+                </a:solidFill>
+                <a:latin typeface="Poppins"/>
+                <a:ea typeface="Poppins"/>
+                <a:cs typeface="Poppins"/>
+                <a:sym typeface="Poppins"/>
+              </a:rPr>
+              <a:t> from each other</a:t>
+            </a:r>
+          </a:p>
+          <a:p>
+            <a:pPr marL="285750" lvl="0" indent="-285750" algn="l" rtl="0">
+              <a:spcBef>
+                <a:spcPts val="0"/>
+              </a:spcBef>
+              <a:spcAft>
+                <a:spcPts val="0"/>
+              </a:spcAft>
+              <a:buFont typeface="Arial" panose="020B0604020202020204" pitchFamily="34" charset="0"/>
+              <a:buChar char="•"/>
+            </a:pPr>
+            <a:r>
+              <a:rPr lang="en-US" sz="1600" dirty="0">
+                <a:solidFill>
+                  <a:srgbClr val="4E5258"/>
+                </a:solidFill>
+                <a:latin typeface="Poppins"/>
+                <a:ea typeface="Poppins"/>
+                <a:cs typeface="Poppins"/>
+                <a:sym typeface="Poppins"/>
+              </a:rPr>
+              <a:t>Good </a:t>
+            </a:r>
+            <a:r>
+              <a:rPr lang="en-US" sz="1600" b="1" dirty="0">
+                <a:solidFill>
+                  <a:srgbClr val="4E5258"/>
+                </a:solidFill>
+                <a:latin typeface="Poppins"/>
+                <a:ea typeface="Poppins"/>
+                <a:cs typeface="Poppins"/>
+                <a:sym typeface="Poppins"/>
+              </a:rPr>
+              <a:t>test </a:t>
+            </a:r>
+            <a:r>
+              <a:rPr lang="en-US" sz="1600" dirty="0">
+                <a:solidFill>
+                  <a:srgbClr val="4E5258"/>
+                </a:solidFill>
+                <a:latin typeface="Poppins"/>
+                <a:ea typeface="Poppins"/>
+                <a:cs typeface="Poppins"/>
+                <a:sym typeface="Poppins"/>
+              </a:rPr>
+              <a:t>coverage</a:t>
+            </a:r>
           </a:p>
         </p:txBody>
       </p:sp>
@@ -11379,6 +14346,707 @@
   <p:clrMapOvr>
     <a:masterClrMapping/>
   </p:clrMapOvr>
+  <p:timing>
+    <p:tnLst>
+      <p:par>
+        <p:cTn id="1" dur="indefinite" restart="never" nodeType="tmRoot">
+          <p:childTnLst>
+            <p:seq concurrent="1" nextAc="seek">
+              <p:cTn id="2" dur="indefinite" nodeType="mainSeq">
+                <p:childTnLst>
+                  <p:par>
+                    <p:cTn id="3" fill="hold">
+                      <p:stCondLst>
+                        <p:cond delay="indefinite"/>
+                      </p:stCondLst>
+                      <p:childTnLst>
+                        <p:par>
+                          <p:cTn id="4" fill="hold">
+                            <p:stCondLst>
+                              <p:cond delay="0"/>
+                            </p:stCondLst>
+                            <p:childTnLst>
+                              <p:par>
+                                <p:cTn id="5" presetID="10" presetClass="entr" presetSubtype="0" fill="hold" nodeType="clickEffect">
+                                  <p:stCondLst>
+                                    <p:cond delay="0"/>
+                                  </p:stCondLst>
+                                  <p:childTnLst>
+                                    <p:set>
+                                      <p:cBhvr>
+                                        <p:cTn id="6" dur="1" fill="hold">
+                                          <p:stCondLst>
+                                            <p:cond delay="0"/>
+                                          </p:stCondLst>
+                                        </p:cTn>
+                                        <p:tgtEl>
+                                          <p:spTgt spid="4">
+                                            <p:txEl>
+                                              <p:pRg st="0" end="0"/>
+                                            </p:txEl>
+                                          </p:spTgt>
+                                        </p:tgtEl>
+                                        <p:attrNameLst>
+                                          <p:attrName>style.visibility</p:attrName>
+                                        </p:attrNameLst>
+                                      </p:cBhvr>
+                                      <p:to>
+                                        <p:strVal val="visible"/>
+                                      </p:to>
+                                    </p:set>
+                                    <p:animEffect transition="in" filter="fade">
+                                      <p:cBhvr>
+                                        <p:cTn id="7" dur="500"/>
+                                        <p:tgtEl>
+                                          <p:spTgt spid="4">
+                                            <p:txEl>
+                                              <p:pRg st="0" end="0"/>
+                                            </p:txEl>
+                                          </p:spTgt>
+                                        </p:tgtEl>
+                                      </p:cBhvr>
+                                    </p:animEffect>
+                                  </p:childTnLst>
+                                </p:cTn>
+                              </p:par>
+                            </p:childTnLst>
+                          </p:cTn>
+                        </p:par>
+                      </p:childTnLst>
+                    </p:cTn>
+                  </p:par>
+                  <p:par>
+                    <p:cTn id="8" fill="hold">
+                      <p:stCondLst>
+                        <p:cond delay="indefinite"/>
+                      </p:stCondLst>
+                      <p:childTnLst>
+                        <p:par>
+                          <p:cTn id="9" fill="hold">
+                            <p:stCondLst>
+                              <p:cond delay="0"/>
+                            </p:stCondLst>
+                            <p:childTnLst>
+                              <p:par>
+                                <p:cTn id="10" presetID="10" presetClass="entr" presetSubtype="0" fill="hold" nodeType="clickEffect">
+                                  <p:stCondLst>
+                                    <p:cond delay="0"/>
+                                  </p:stCondLst>
+                                  <p:childTnLst>
+                                    <p:set>
+                                      <p:cBhvr>
+                                        <p:cTn id="11" dur="1" fill="hold">
+                                          <p:stCondLst>
+                                            <p:cond delay="0"/>
+                                          </p:stCondLst>
+                                        </p:cTn>
+                                        <p:tgtEl>
+                                          <p:spTgt spid="4">
+                                            <p:txEl>
+                                              <p:pRg st="2" end="2"/>
+                                            </p:txEl>
+                                          </p:spTgt>
+                                        </p:tgtEl>
+                                        <p:attrNameLst>
+                                          <p:attrName>style.visibility</p:attrName>
+                                        </p:attrNameLst>
+                                      </p:cBhvr>
+                                      <p:to>
+                                        <p:strVal val="visible"/>
+                                      </p:to>
+                                    </p:set>
+                                    <p:animEffect transition="in" filter="fade">
+                                      <p:cBhvr>
+                                        <p:cTn id="12" dur="500"/>
+                                        <p:tgtEl>
+                                          <p:spTgt spid="4">
+                                            <p:txEl>
+                                              <p:pRg st="2" end="2"/>
+                                            </p:txEl>
+                                          </p:spTgt>
+                                        </p:tgtEl>
+                                      </p:cBhvr>
+                                    </p:animEffect>
+                                  </p:childTnLst>
+                                </p:cTn>
+                              </p:par>
+                            </p:childTnLst>
+                          </p:cTn>
+                        </p:par>
+                      </p:childTnLst>
+                    </p:cTn>
+                  </p:par>
+                  <p:par>
+                    <p:cTn id="13" fill="hold">
+                      <p:stCondLst>
+                        <p:cond delay="indefinite"/>
+                      </p:stCondLst>
+                      <p:childTnLst>
+                        <p:par>
+                          <p:cTn id="14" fill="hold">
+                            <p:stCondLst>
+                              <p:cond delay="0"/>
+                            </p:stCondLst>
+                            <p:childTnLst>
+                              <p:par>
+                                <p:cTn id="15" presetID="10" presetClass="entr" presetSubtype="0" fill="hold" nodeType="clickEffect">
+                                  <p:stCondLst>
+                                    <p:cond delay="0"/>
+                                  </p:stCondLst>
+                                  <p:childTnLst>
+                                    <p:set>
+                                      <p:cBhvr>
+                                        <p:cTn id="16" dur="1" fill="hold">
+                                          <p:stCondLst>
+                                            <p:cond delay="0"/>
+                                          </p:stCondLst>
+                                        </p:cTn>
+                                        <p:tgtEl>
+                                          <p:spTgt spid="4">
+                                            <p:txEl>
+                                              <p:pRg st="3" end="3"/>
+                                            </p:txEl>
+                                          </p:spTgt>
+                                        </p:tgtEl>
+                                        <p:attrNameLst>
+                                          <p:attrName>style.visibility</p:attrName>
+                                        </p:attrNameLst>
+                                      </p:cBhvr>
+                                      <p:to>
+                                        <p:strVal val="visible"/>
+                                      </p:to>
+                                    </p:set>
+                                    <p:animEffect transition="in" filter="fade">
+                                      <p:cBhvr>
+                                        <p:cTn id="17" dur="500"/>
+                                        <p:tgtEl>
+                                          <p:spTgt spid="4">
+                                            <p:txEl>
+                                              <p:pRg st="3" end="3"/>
+                                            </p:txEl>
+                                          </p:spTgt>
+                                        </p:tgtEl>
+                                      </p:cBhvr>
+                                    </p:animEffect>
+                                  </p:childTnLst>
+                                </p:cTn>
+                              </p:par>
+                            </p:childTnLst>
+                          </p:cTn>
+                        </p:par>
+                      </p:childTnLst>
+                    </p:cTn>
+                  </p:par>
+                  <p:par>
+                    <p:cTn id="18" fill="hold">
+                      <p:stCondLst>
+                        <p:cond delay="indefinite"/>
+                      </p:stCondLst>
+                      <p:childTnLst>
+                        <p:par>
+                          <p:cTn id="19" fill="hold">
+                            <p:stCondLst>
+                              <p:cond delay="0"/>
+                            </p:stCondLst>
+                            <p:childTnLst>
+                              <p:par>
+                                <p:cTn id="20" presetID="10" presetClass="entr" presetSubtype="0" fill="hold" nodeType="clickEffect">
+                                  <p:stCondLst>
+                                    <p:cond delay="0"/>
+                                  </p:stCondLst>
+                                  <p:childTnLst>
+                                    <p:set>
+                                      <p:cBhvr>
+                                        <p:cTn id="21" dur="1" fill="hold">
+                                          <p:stCondLst>
+                                            <p:cond delay="0"/>
+                                          </p:stCondLst>
+                                        </p:cTn>
+                                        <p:tgtEl>
+                                          <p:spTgt spid="4">
+                                            <p:txEl>
+                                              <p:pRg st="4" end="4"/>
+                                            </p:txEl>
+                                          </p:spTgt>
+                                        </p:tgtEl>
+                                        <p:attrNameLst>
+                                          <p:attrName>style.visibility</p:attrName>
+                                        </p:attrNameLst>
+                                      </p:cBhvr>
+                                      <p:to>
+                                        <p:strVal val="visible"/>
+                                      </p:to>
+                                    </p:set>
+                                    <p:animEffect transition="in" filter="fade">
+                                      <p:cBhvr>
+                                        <p:cTn id="22" dur="500"/>
+                                        <p:tgtEl>
+                                          <p:spTgt spid="4">
+                                            <p:txEl>
+                                              <p:pRg st="4" end="4"/>
+                                            </p:txEl>
+                                          </p:spTgt>
+                                        </p:tgtEl>
+                                      </p:cBhvr>
+                                    </p:animEffect>
+                                  </p:childTnLst>
+                                </p:cTn>
+                              </p:par>
+                            </p:childTnLst>
+                          </p:cTn>
+                        </p:par>
+                      </p:childTnLst>
+                    </p:cTn>
+                  </p:par>
+                  <p:par>
+                    <p:cTn id="23" fill="hold">
+                      <p:stCondLst>
+                        <p:cond delay="indefinite"/>
+                      </p:stCondLst>
+                      <p:childTnLst>
+                        <p:par>
+                          <p:cTn id="24" fill="hold">
+                            <p:stCondLst>
+                              <p:cond delay="0"/>
+                            </p:stCondLst>
+                            <p:childTnLst>
+                              <p:par>
+                                <p:cTn id="25" presetID="10" presetClass="entr" presetSubtype="0" fill="hold" nodeType="clickEffect">
+                                  <p:stCondLst>
+                                    <p:cond delay="0"/>
+                                  </p:stCondLst>
+                                  <p:childTnLst>
+                                    <p:set>
+                                      <p:cBhvr>
+                                        <p:cTn id="26" dur="1" fill="hold">
+                                          <p:stCondLst>
+                                            <p:cond delay="0"/>
+                                          </p:stCondLst>
+                                        </p:cTn>
+                                        <p:tgtEl>
+                                          <p:spTgt spid="4">
+                                            <p:txEl>
+                                              <p:pRg st="5" end="5"/>
+                                            </p:txEl>
+                                          </p:spTgt>
+                                        </p:tgtEl>
+                                        <p:attrNameLst>
+                                          <p:attrName>style.visibility</p:attrName>
+                                        </p:attrNameLst>
+                                      </p:cBhvr>
+                                      <p:to>
+                                        <p:strVal val="visible"/>
+                                      </p:to>
+                                    </p:set>
+                                    <p:animEffect transition="in" filter="fade">
+                                      <p:cBhvr>
+                                        <p:cTn id="27" dur="500"/>
+                                        <p:tgtEl>
+                                          <p:spTgt spid="4">
+                                            <p:txEl>
+                                              <p:pRg st="5" end="5"/>
+                                            </p:txEl>
+                                          </p:spTgt>
+                                        </p:tgtEl>
+                                      </p:cBhvr>
+                                    </p:animEffect>
+                                  </p:childTnLst>
+                                </p:cTn>
+                              </p:par>
+                            </p:childTnLst>
+                          </p:cTn>
+                        </p:par>
+                      </p:childTnLst>
+                    </p:cTn>
+                  </p:par>
+                  <p:par>
+                    <p:cTn id="28" fill="hold">
+                      <p:stCondLst>
+                        <p:cond delay="indefinite"/>
+                      </p:stCondLst>
+                      <p:childTnLst>
+                        <p:par>
+                          <p:cTn id="29" fill="hold">
+                            <p:stCondLst>
+                              <p:cond delay="0"/>
+                            </p:stCondLst>
+                            <p:childTnLst>
+                              <p:par>
+                                <p:cTn id="30" presetID="10" presetClass="entr" presetSubtype="0" fill="hold" nodeType="clickEffect">
+                                  <p:stCondLst>
+                                    <p:cond delay="0"/>
+                                  </p:stCondLst>
+                                  <p:childTnLst>
+                                    <p:set>
+                                      <p:cBhvr>
+                                        <p:cTn id="31" dur="1" fill="hold">
+                                          <p:stCondLst>
+                                            <p:cond delay="0"/>
+                                          </p:stCondLst>
+                                        </p:cTn>
+                                        <p:tgtEl>
+                                          <p:spTgt spid="4">
+                                            <p:txEl>
+                                              <p:pRg st="6" end="6"/>
+                                            </p:txEl>
+                                          </p:spTgt>
+                                        </p:tgtEl>
+                                        <p:attrNameLst>
+                                          <p:attrName>style.visibility</p:attrName>
+                                        </p:attrNameLst>
+                                      </p:cBhvr>
+                                      <p:to>
+                                        <p:strVal val="visible"/>
+                                      </p:to>
+                                    </p:set>
+                                    <p:animEffect transition="in" filter="fade">
+                                      <p:cBhvr>
+                                        <p:cTn id="32" dur="500"/>
+                                        <p:tgtEl>
+                                          <p:spTgt spid="4">
+                                            <p:txEl>
+                                              <p:pRg st="6" end="6"/>
+                                            </p:txEl>
+                                          </p:spTgt>
+                                        </p:tgtEl>
+                                      </p:cBhvr>
+                                    </p:animEffect>
+                                  </p:childTnLst>
+                                </p:cTn>
+                              </p:par>
+                            </p:childTnLst>
+                          </p:cTn>
+                        </p:par>
+                      </p:childTnLst>
+                    </p:cTn>
+                  </p:par>
+                  <p:par>
+                    <p:cTn id="33" fill="hold">
+                      <p:stCondLst>
+                        <p:cond delay="indefinite"/>
+                      </p:stCondLst>
+                      <p:childTnLst>
+                        <p:par>
+                          <p:cTn id="34" fill="hold">
+                            <p:stCondLst>
+                              <p:cond delay="0"/>
+                            </p:stCondLst>
+                            <p:childTnLst>
+                              <p:par>
+                                <p:cTn id="35" presetID="10" presetClass="entr" presetSubtype="0" fill="hold" nodeType="clickEffect">
+                                  <p:stCondLst>
+                                    <p:cond delay="0"/>
+                                  </p:stCondLst>
+                                  <p:childTnLst>
+                                    <p:set>
+                                      <p:cBhvr>
+                                        <p:cTn id="36" dur="1" fill="hold">
+                                          <p:stCondLst>
+                                            <p:cond delay="0"/>
+                                          </p:stCondLst>
+                                        </p:cTn>
+                                        <p:tgtEl>
+                                          <p:spTgt spid="4">
+                                            <p:txEl>
+                                              <p:pRg st="7" end="7"/>
+                                            </p:txEl>
+                                          </p:spTgt>
+                                        </p:tgtEl>
+                                        <p:attrNameLst>
+                                          <p:attrName>style.visibility</p:attrName>
+                                        </p:attrNameLst>
+                                      </p:cBhvr>
+                                      <p:to>
+                                        <p:strVal val="visible"/>
+                                      </p:to>
+                                    </p:set>
+                                    <p:animEffect transition="in" filter="fade">
+                                      <p:cBhvr>
+                                        <p:cTn id="37" dur="500"/>
+                                        <p:tgtEl>
+                                          <p:spTgt spid="4">
+                                            <p:txEl>
+                                              <p:pRg st="7" end="7"/>
+                                            </p:txEl>
+                                          </p:spTgt>
+                                        </p:tgtEl>
+                                      </p:cBhvr>
+                                    </p:animEffect>
+                                  </p:childTnLst>
+                                </p:cTn>
+                              </p:par>
+                            </p:childTnLst>
+                          </p:cTn>
+                        </p:par>
+                      </p:childTnLst>
+                    </p:cTn>
+                  </p:par>
+                  <p:par>
+                    <p:cTn id="38" fill="hold">
+                      <p:stCondLst>
+                        <p:cond delay="indefinite"/>
+                      </p:stCondLst>
+                      <p:childTnLst>
+                        <p:par>
+                          <p:cTn id="39" fill="hold">
+                            <p:stCondLst>
+                              <p:cond delay="0"/>
+                            </p:stCondLst>
+                            <p:childTnLst>
+                              <p:par>
+                                <p:cTn id="40" presetID="10" presetClass="entr" presetSubtype="0" fill="hold" nodeType="clickEffect">
+                                  <p:stCondLst>
+                                    <p:cond delay="0"/>
+                                  </p:stCondLst>
+                                  <p:childTnLst>
+                                    <p:set>
+                                      <p:cBhvr>
+                                        <p:cTn id="41" dur="1" fill="hold">
+                                          <p:stCondLst>
+                                            <p:cond delay="0"/>
+                                          </p:stCondLst>
+                                        </p:cTn>
+                                        <p:tgtEl>
+                                          <p:spTgt spid="4">
+                                            <p:txEl>
+                                              <p:pRg st="8" end="8"/>
+                                            </p:txEl>
+                                          </p:spTgt>
+                                        </p:tgtEl>
+                                        <p:attrNameLst>
+                                          <p:attrName>style.visibility</p:attrName>
+                                        </p:attrNameLst>
+                                      </p:cBhvr>
+                                      <p:to>
+                                        <p:strVal val="visible"/>
+                                      </p:to>
+                                    </p:set>
+                                    <p:animEffect transition="in" filter="fade">
+                                      <p:cBhvr>
+                                        <p:cTn id="42" dur="500"/>
+                                        <p:tgtEl>
+                                          <p:spTgt spid="4">
+                                            <p:txEl>
+                                              <p:pRg st="8" end="8"/>
+                                            </p:txEl>
+                                          </p:spTgt>
+                                        </p:tgtEl>
+                                      </p:cBhvr>
+                                    </p:animEffect>
+                                  </p:childTnLst>
+                                </p:cTn>
+                              </p:par>
+                            </p:childTnLst>
+                          </p:cTn>
+                        </p:par>
+                      </p:childTnLst>
+                    </p:cTn>
+                  </p:par>
+                  <p:par>
+                    <p:cTn id="43" fill="hold">
+                      <p:stCondLst>
+                        <p:cond delay="indefinite"/>
+                      </p:stCondLst>
+                      <p:childTnLst>
+                        <p:par>
+                          <p:cTn id="44" fill="hold">
+                            <p:stCondLst>
+                              <p:cond delay="0"/>
+                            </p:stCondLst>
+                            <p:childTnLst>
+                              <p:par>
+                                <p:cTn id="45" presetID="10" presetClass="entr" presetSubtype="0" fill="hold" nodeType="clickEffect">
+                                  <p:stCondLst>
+                                    <p:cond delay="0"/>
+                                  </p:stCondLst>
+                                  <p:childTnLst>
+                                    <p:set>
+                                      <p:cBhvr>
+                                        <p:cTn id="46" dur="1" fill="hold">
+                                          <p:stCondLst>
+                                            <p:cond delay="0"/>
+                                          </p:stCondLst>
+                                        </p:cTn>
+                                        <p:tgtEl>
+                                          <p:spTgt spid="4">
+                                            <p:txEl>
+                                              <p:pRg st="9" end="9"/>
+                                            </p:txEl>
+                                          </p:spTgt>
+                                        </p:tgtEl>
+                                        <p:attrNameLst>
+                                          <p:attrName>style.visibility</p:attrName>
+                                        </p:attrNameLst>
+                                      </p:cBhvr>
+                                      <p:to>
+                                        <p:strVal val="visible"/>
+                                      </p:to>
+                                    </p:set>
+                                    <p:animEffect transition="in" filter="fade">
+                                      <p:cBhvr>
+                                        <p:cTn id="47" dur="500"/>
+                                        <p:tgtEl>
+                                          <p:spTgt spid="4">
+                                            <p:txEl>
+                                              <p:pRg st="9" end="9"/>
+                                            </p:txEl>
+                                          </p:spTgt>
+                                        </p:tgtEl>
+                                      </p:cBhvr>
+                                    </p:animEffect>
+                                  </p:childTnLst>
+                                </p:cTn>
+                              </p:par>
+                            </p:childTnLst>
+                          </p:cTn>
+                        </p:par>
+                      </p:childTnLst>
+                    </p:cTn>
+                  </p:par>
+                  <p:par>
+                    <p:cTn id="48" fill="hold">
+                      <p:stCondLst>
+                        <p:cond delay="indefinite"/>
+                      </p:stCondLst>
+                      <p:childTnLst>
+                        <p:par>
+                          <p:cTn id="49" fill="hold">
+                            <p:stCondLst>
+                              <p:cond delay="0"/>
+                            </p:stCondLst>
+                            <p:childTnLst>
+                              <p:par>
+                                <p:cTn id="50" presetID="10" presetClass="entr" presetSubtype="0" fill="hold" nodeType="clickEffect">
+                                  <p:stCondLst>
+                                    <p:cond delay="0"/>
+                                  </p:stCondLst>
+                                  <p:childTnLst>
+                                    <p:set>
+                                      <p:cBhvr>
+                                        <p:cTn id="51" dur="1" fill="hold">
+                                          <p:stCondLst>
+                                            <p:cond delay="0"/>
+                                          </p:stCondLst>
+                                        </p:cTn>
+                                        <p:tgtEl>
+                                          <p:spTgt spid="4">
+                                            <p:txEl>
+                                              <p:pRg st="10" end="10"/>
+                                            </p:txEl>
+                                          </p:spTgt>
+                                        </p:tgtEl>
+                                        <p:attrNameLst>
+                                          <p:attrName>style.visibility</p:attrName>
+                                        </p:attrNameLst>
+                                      </p:cBhvr>
+                                      <p:to>
+                                        <p:strVal val="visible"/>
+                                      </p:to>
+                                    </p:set>
+                                    <p:animEffect transition="in" filter="fade">
+                                      <p:cBhvr>
+                                        <p:cTn id="52" dur="500"/>
+                                        <p:tgtEl>
+                                          <p:spTgt spid="4">
+                                            <p:txEl>
+                                              <p:pRg st="10" end="10"/>
+                                            </p:txEl>
+                                          </p:spTgt>
+                                        </p:tgtEl>
+                                      </p:cBhvr>
+                                    </p:animEffect>
+                                  </p:childTnLst>
+                                </p:cTn>
+                              </p:par>
+                            </p:childTnLst>
+                          </p:cTn>
+                        </p:par>
+                      </p:childTnLst>
+                    </p:cTn>
+                  </p:par>
+                  <p:par>
+                    <p:cTn id="53" fill="hold">
+                      <p:stCondLst>
+                        <p:cond delay="indefinite"/>
+                      </p:stCondLst>
+                      <p:childTnLst>
+                        <p:par>
+                          <p:cTn id="54" fill="hold">
+                            <p:stCondLst>
+                              <p:cond delay="0"/>
+                            </p:stCondLst>
+                            <p:childTnLst>
+                              <p:par>
+                                <p:cTn id="55" presetID="10" presetClass="entr" presetSubtype="0" fill="hold" nodeType="clickEffect">
+                                  <p:stCondLst>
+                                    <p:cond delay="0"/>
+                                  </p:stCondLst>
+                                  <p:childTnLst>
+                                    <p:set>
+                                      <p:cBhvr>
+                                        <p:cTn id="56" dur="1" fill="hold">
+                                          <p:stCondLst>
+                                            <p:cond delay="0"/>
+                                          </p:stCondLst>
+                                        </p:cTn>
+                                        <p:tgtEl>
+                                          <p:spTgt spid="4">
+                                            <p:txEl>
+                                              <p:pRg st="11" end="11"/>
+                                            </p:txEl>
+                                          </p:spTgt>
+                                        </p:tgtEl>
+                                        <p:attrNameLst>
+                                          <p:attrName>style.visibility</p:attrName>
+                                        </p:attrNameLst>
+                                      </p:cBhvr>
+                                      <p:to>
+                                        <p:strVal val="visible"/>
+                                      </p:to>
+                                    </p:set>
+                                    <p:animEffect transition="in" filter="fade">
+                                      <p:cBhvr>
+                                        <p:cTn id="57" dur="500"/>
+                                        <p:tgtEl>
+                                          <p:spTgt spid="4">
+                                            <p:txEl>
+                                              <p:pRg st="11" end="11"/>
+                                            </p:txEl>
+                                          </p:spTgt>
+                                        </p:tgtEl>
+                                      </p:cBhvr>
+                                    </p:animEffect>
+                                  </p:childTnLst>
+                                </p:cTn>
+                              </p:par>
+                            </p:childTnLst>
+                          </p:cTn>
+                        </p:par>
+                      </p:childTnLst>
+                    </p:cTn>
+                  </p:par>
+                </p:childTnLst>
+              </p:cTn>
+              <p:prevCondLst>
+                <p:cond evt="onPrev" delay="0">
+                  <p:tgtEl>
+                    <p:sldTgt/>
+                  </p:tgtEl>
+                </p:cond>
+              </p:prevCondLst>
+              <p:nextCondLst>
+                <p:cond evt="onNext" delay="0">
+                  <p:tgtEl>
+                    <p:sldTgt/>
+                  </p:tgtEl>
+                </p:cond>
+              </p:nextCondLst>
+            </p:seq>
+          </p:childTnLst>
+        </p:cTn>
+      </p:par>
+    </p:tnLst>
+  </p:timing>
 </p:sld>
 </file>
 
@@ -11447,7 +15115,7 @@
               <a:buNone/>
             </a:pPr>
             <a:r>
-              <a:rPr lang="tr" sz="2400" b="1" dirty="0">
+              <a:rPr lang="en-US" sz="2400" b="1" dirty="0">
                 <a:solidFill>
                   <a:srgbClr val="292D33"/>
                 </a:solidFill>
@@ -11456,7 +15124,7 @@
                 <a:cs typeface="Lexend"/>
                 <a:sym typeface="Lexend"/>
               </a:rPr>
-              <a:t>TITLE</a:t>
+              <a:t>AGENDA</a:t>
             </a:r>
             <a:endParaRPr sz="2400" b="1" dirty="0">
               <a:solidFill>
@@ -11495,17 +15163,18 @@
           </a:bodyPr>
           <a:lstStyle/>
           <a:p>
-            <a:pPr marL="0" lvl="0" indent="0" algn="l" rtl="0">
-              <a:spcBef>
-                <a:spcPts val="0"/>
-              </a:spcBef>
-              <a:spcAft>
-                <a:spcPts val="0"/>
-              </a:spcAft>
-              <a:buNone/>
+            <a:pPr marL="285750" lvl="0" indent="-285750" algn="l" rtl="0">
+              <a:spcBef>
+                <a:spcPts val="0"/>
+              </a:spcBef>
+              <a:spcAft>
+                <a:spcPts val="0"/>
+              </a:spcAft>
+              <a:buFont typeface="Arial" panose="020B0604020202020204" pitchFamily="34" charset="0"/>
+              <a:buChar char="•"/>
             </a:pPr>
             <a:r>
-              <a:rPr lang="tr" sz="1500" dirty="0">
+              <a:rPr lang="en-US" sz="1800" b="1" dirty="0">
                 <a:solidFill>
                   <a:srgbClr val="4E5258"/>
                 </a:solidFill>
@@ -11514,9 +15183,423 @@
                 <a:cs typeface="Poppins"/>
                 <a:sym typeface="Poppins"/>
               </a:rPr>
-              <a:t>TODO</a:t>
+              <a:t>Why</a:t>
             </a:r>
-            <a:endParaRPr sz="1500" dirty="0">
+            <a:r>
+              <a:rPr lang="en-US" sz="1800" dirty="0">
+                <a:solidFill>
+                  <a:srgbClr val="4E5258"/>
+                </a:solidFill>
+                <a:latin typeface="Poppins"/>
+                <a:ea typeface="Poppins"/>
+                <a:cs typeface="Poppins"/>
+                <a:sym typeface="Poppins"/>
+              </a:rPr>
+              <a:t> modularity?</a:t>
+            </a:r>
+          </a:p>
+          <a:p>
+            <a:pPr marL="285750" lvl="0" indent="-285750" algn="l" rtl="0">
+              <a:spcBef>
+                <a:spcPts val="0"/>
+              </a:spcBef>
+              <a:spcAft>
+                <a:spcPts val="0"/>
+              </a:spcAft>
+              <a:buFont typeface="Arial" panose="020B0604020202020204" pitchFamily="34" charset="0"/>
+              <a:buChar char="•"/>
+            </a:pPr>
+            <a:r>
+              <a:rPr lang="en-US" sz="1800" b="1" dirty="0">
+                <a:solidFill>
+                  <a:srgbClr val="4E5258"/>
+                </a:solidFill>
+                <a:latin typeface="Poppins"/>
+                <a:ea typeface="Poppins"/>
+                <a:cs typeface="Poppins"/>
+                <a:sym typeface="Poppins"/>
+              </a:rPr>
+              <a:t>Architectural</a:t>
+            </a:r>
+            <a:r>
+              <a:rPr lang="en-US" sz="1800" dirty="0">
+                <a:solidFill>
+                  <a:srgbClr val="4E5258"/>
+                </a:solidFill>
+                <a:latin typeface="Poppins"/>
+                <a:ea typeface="Poppins"/>
+                <a:cs typeface="Poppins"/>
+                <a:sym typeface="Poppins"/>
+              </a:rPr>
+              <a:t> options</a:t>
+            </a:r>
+            <a:br>
+              <a:rPr lang="en-US" sz="1800" dirty="0">
+                <a:solidFill>
+                  <a:srgbClr val="4E5258"/>
+                </a:solidFill>
+                <a:latin typeface="Poppins"/>
+                <a:ea typeface="Poppins"/>
+                <a:cs typeface="Poppins"/>
+                <a:sym typeface="Poppins"/>
+              </a:rPr>
+            </a:br>
+            <a:r>
+              <a:rPr lang="en-US" sz="1800" dirty="0">
+                <a:solidFill>
+                  <a:srgbClr val="4E5258"/>
+                </a:solidFill>
+                <a:latin typeface="Poppins"/>
+                <a:ea typeface="Poppins"/>
+                <a:cs typeface="Poppins"/>
+                <a:sym typeface="Poppins"/>
+              </a:rPr>
+              <a:t>- </a:t>
+            </a:r>
+            <a:r>
+              <a:rPr lang="en-US" sz="1800" b="1" dirty="0">
+                <a:solidFill>
+                  <a:srgbClr val="4E5258"/>
+                </a:solidFill>
+                <a:latin typeface="Poppins"/>
+                <a:ea typeface="Poppins"/>
+                <a:cs typeface="Poppins"/>
+                <a:sym typeface="Poppins"/>
+              </a:rPr>
+              <a:t>Database</a:t>
+            </a:r>
+            <a:br>
+              <a:rPr lang="en-US" sz="1800" dirty="0">
+                <a:solidFill>
+                  <a:srgbClr val="4E5258"/>
+                </a:solidFill>
+                <a:latin typeface="Poppins"/>
+                <a:ea typeface="Poppins"/>
+                <a:cs typeface="Poppins"/>
+                <a:sym typeface="Poppins"/>
+              </a:rPr>
+            </a:br>
+            <a:r>
+              <a:rPr lang="en-US" sz="1800" dirty="0">
+                <a:solidFill>
+                  <a:srgbClr val="4E5258"/>
+                </a:solidFill>
+                <a:latin typeface="Poppins"/>
+                <a:ea typeface="Poppins"/>
+                <a:cs typeface="Poppins"/>
+                <a:sym typeface="Poppins"/>
+              </a:rPr>
+              <a:t>- </a:t>
+            </a:r>
+            <a:r>
+              <a:rPr lang="en-US" sz="1800" b="1" dirty="0">
+                <a:solidFill>
+                  <a:srgbClr val="4E5258"/>
+                </a:solidFill>
+                <a:latin typeface="Poppins"/>
+                <a:ea typeface="Poppins"/>
+                <a:cs typeface="Poppins"/>
+                <a:sym typeface="Poppins"/>
+              </a:rPr>
+              <a:t>Codebase</a:t>
+            </a:r>
+            <a:br>
+              <a:rPr lang="en-US" sz="1800" dirty="0">
+                <a:solidFill>
+                  <a:srgbClr val="4E5258"/>
+                </a:solidFill>
+                <a:latin typeface="Poppins"/>
+                <a:ea typeface="Poppins"/>
+                <a:cs typeface="Poppins"/>
+                <a:sym typeface="Poppins"/>
+              </a:rPr>
+            </a:br>
+            <a:r>
+              <a:rPr lang="en-US" sz="1800" dirty="0">
+                <a:solidFill>
+                  <a:srgbClr val="4E5258"/>
+                </a:solidFill>
+                <a:latin typeface="Poppins"/>
+                <a:ea typeface="Poppins"/>
+                <a:cs typeface="Poppins"/>
+                <a:sym typeface="Poppins"/>
+              </a:rPr>
+              <a:t>- </a:t>
+            </a:r>
+            <a:r>
+              <a:rPr lang="en-US" sz="1800" b="1" dirty="0">
+                <a:solidFill>
+                  <a:srgbClr val="4E5258"/>
+                </a:solidFill>
+                <a:latin typeface="Poppins"/>
+                <a:ea typeface="Poppins"/>
+                <a:cs typeface="Poppins"/>
+                <a:sym typeface="Poppins"/>
+              </a:rPr>
+              <a:t>User Interface</a:t>
+            </a:r>
+          </a:p>
+          <a:p>
+            <a:pPr marL="285750" lvl="0" indent="-285750" algn="l" rtl="0">
+              <a:spcBef>
+                <a:spcPts val="0"/>
+              </a:spcBef>
+              <a:spcAft>
+                <a:spcPts val="0"/>
+              </a:spcAft>
+              <a:buFont typeface="Arial" panose="020B0604020202020204" pitchFamily="34" charset="0"/>
+              <a:buChar char="•"/>
+            </a:pPr>
+            <a:r>
+              <a:rPr lang="en-US" sz="1800" b="1" dirty="0">
+                <a:solidFill>
+                  <a:srgbClr val="4E5258"/>
+                </a:solidFill>
+                <a:latin typeface="Poppins"/>
+                <a:ea typeface="Poppins"/>
+                <a:cs typeface="Poppins"/>
+                <a:sym typeface="Poppins"/>
+              </a:rPr>
+              <a:t>Integration</a:t>
+            </a:r>
+            <a:br>
+              <a:rPr lang="en-US" sz="1800" dirty="0">
+                <a:solidFill>
+                  <a:srgbClr val="4E5258"/>
+                </a:solidFill>
+                <a:latin typeface="Poppins"/>
+                <a:ea typeface="Poppins"/>
+                <a:cs typeface="Poppins"/>
+                <a:sym typeface="Poppins"/>
+              </a:rPr>
+            </a:br>
+            <a:r>
+              <a:rPr lang="en-US" sz="1800" dirty="0">
+                <a:solidFill>
+                  <a:srgbClr val="4E5258"/>
+                </a:solidFill>
+                <a:latin typeface="Poppins"/>
+                <a:ea typeface="Poppins"/>
+                <a:cs typeface="Poppins"/>
+                <a:sym typeface="Poppins"/>
+              </a:rPr>
+              <a:t>- Designing module </a:t>
+            </a:r>
+            <a:r>
+              <a:rPr lang="en-US" sz="1800" b="1" dirty="0">
+                <a:solidFill>
+                  <a:srgbClr val="4E5258"/>
+                </a:solidFill>
+                <a:latin typeface="Poppins"/>
+                <a:ea typeface="Poppins"/>
+                <a:cs typeface="Poppins"/>
+                <a:sym typeface="Poppins"/>
+              </a:rPr>
+              <a:t>dependencies</a:t>
+            </a:r>
+            <a:br>
+              <a:rPr lang="en-US" sz="1800" dirty="0">
+                <a:solidFill>
+                  <a:srgbClr val="4E5258"/>
+                </a:solidFill>
+                <a:latin typeface="Poppins"/>
+                <a:ea typeface="Poppins"/>
+                <a:cs typeface="Poppins"/>
+                <a:sym typeface="Poppins"/>
+              </a:rPr>
+            </a:br>
+            <a:r>
+              <a:rPr lang="en-US" sz="1800" dirty="0">
+                <a:solidFill>
+                  <a:srgbClr val="4E5258"/>
+                </a:solidFill>
+                <a:latin typeface="Poppins"/>
+                <a:ea typeface="Poppins"/>
+                <a:cs typeface="Poppins"/>
+                <a:sym typeface="Poppins"/>
+              </a:rPr>
+              <a:t>- </a:t>
+            </a:r>
+            <a:r>
+              <a:rPr lang="en-US" sz="1800" b="1" dirty="0">
+                <a:solidFill>
+                  <a:srgbClr val="4E5258"/>
+                </a:solidFill>
+                <a:latin typeface="Poppins"/>
+                <a:ea typeface="Poppins"/>
+                <a:cs typeface="Poppins"/>
+                <a:sym typeface="Poppins"/>
+              </a:rPr>
+              <a:t>Communication</a:t>
+            </a:r>
+            <a:r>
+              <a:rPr lang="en-US" sz="1800" dirty="0">
+                <a:solidFill>
+                  <a:srgbClr val="4E5258"/>
+                </a:solidFill>
+                <a:latin typeface="Poppins"/>
+                <a:ea typeface="Poppins"/>
+                <a:cs typeface="Poppins"/>
+                <a:sym typeface="Poppins"/>
+              </a:rPr>
+              <a:t> types</a:t>
+            </a:r>
+            <a:br>
+              <a:rPr lang="en-US" sz="1800" dirty="0">
+                <a:solidFill>
+                  <a:srgbClr val="4E5258"/>
+                </a:solidFill>
+                <a:latin typeface="Poppins"/>
+                <a:ea typeface="Poppins"/>
+                <a:cs typeface="Poppins"/>
+                <a:sym typeface="Poppins"/>
+              </a:rPr>
+            </a:br>
+            <a:r>
+              <a:rPr lang="en-US" sz="1800" dirty="0">
+                <a:solidFill>
+                  <a:srgbClr val="4E5258"/>
+                </a:solidFill>
+                <a:latin typeface="Poppins"/>
+                <a:ea typeface="Poppins"/>
+                <a:cs typeface="Poppins"/>
+                <a:sym typeface="Poppins"/>
+              </a:rPr>
+              <a:t>- </a:t>
+            </a:r>
+            <a:r>
+              <a:rPr lang="en-US" sz="1800" b="1" dirty="0">
+                <a:solidFill>
+                  <a:srgbClr val="4E5258"/>
+                </a:solidFill>
+                <a:latin typeface="Poppins"/>
+                <a:ea typeface="Poppins"/>
+                <a:cs typeface="Poppins"/>
+                <a:sym typeface="Poppins"/>
+              </a:rPr>
+              <a:t>Transaction</a:t>
+            </a:r>
+            <a:r>
+              <a:rPr lang="en-US" sz="1800" dirty="0">
+                <a:solidFill>
+                  <a:srgbClr val="4E5258"/>
+                </a:solidFill>
+                <a:latin typeface="Poppins"/>
+                <a:ea typeface="Poppins"/>
+                <a:cs typeface="Poppins"/>
+                <a:sym typeface="Poppins"/>
+              </a:rPr>
+              <a:t> management</a:t>
+            </a:r>
+          </a:p>
+          <a:p>
+            <a:pPr marL="285750" lvl="0" indent="-285750" algn="l" rtl="0">
+              <a:spcBef>
+                <a:spcPts val="0"/>
+              </a:spcBef>
+              <a:spcAft>
+                <a:spcPts val="0"/>
+              </a:spcAft>
+              <a:buFont typeface="Arial" panose="020B0604020202020204" pitchFamily="34" charset="0"/>
+              <a:buChar char="•"/>
+            </a:pPr>
+            <a:r>
+              <a:rPr lang="en-US" sz="1800" b="1" dirty="0">
+                <a:solidFill>
+                  <a:srgbClr val="4E5258"/>
+                </a:solidFill>
+                <a:latin typeface="Poppins"/>
+                <a:ea typeface="Poppins"/>
+                <a:cs typeface="Poppins"/>
+                <a:sym typeface="Poppins"/>
+              </a:rPr>
+              <a:t>Specialized</a:t>
+            </a:r>
+            <a:r>
+              <a:rPr lang="en-US" sz="1800" dirty="0">
+                <a:solidFill>
+                  <a:srgbClr val="4E5258"/>
+                </a:solidFill>
+                <a:latin typeface="Poppins"/>
+                <a:ea typeface="Poppins"/>
+                <a:cs typeface="Poppins"/>
+                <a:sym typeface="Poppins"/>
+              </a:rPr>
+              <a:t> modules (utils, common, aggregator, reporting, </a:t>
+            </a:r>
+            <a:r>
+              <a:rPr lang="en-US" sz="1800" dirty="0" err="1">
+                <a:solidFill>
+                  <a:srgbClr val="4E5258"/>
+                </a:solidFill>
+                <a:latin typeface="Poppins"/>
+                <a:ea typeface="Poppins"/>
+                <a:cs typeface="Poppins"/>
+                <a:sym typeface="Poppins"/>
+              </a:rPr>
+              <a:t>etc</a:t>
+            </a:r>
+            <a:r>
+              <a:rPr lang="en-US" sz="1800" dirty="0">
+                <a:solidFill>
+                  <a:srgbClr val="4E5258"/>
+                </a:solidFill>
+                <a:latin typeface="Poppins"/>
+                <a:ea typeface="Poppins"/>
+                <a:cs typeface="Poppins"/>
+                <a:sym typeface="Poppins"/>
+              </a:rPr>
+              <a:t>)</a:t>
+            </a:r>
+          </a:p>
+          <a:p>
+            <a:pPr marL="285750" indent="-285750">
+              <a:buFont typeface="Arial" panose="020B0604020202020204" pitchFamily="34" charset="0"/>
+              <a:buChar char="•"/>
+            </a:pPr>
+            <a:r>
+              <a:rPr lang="en-US" sz="1800" b="1" dirty="0">
+                <a:solidFill>
+                  <a:srgbClr val="4E5258"/>
+                </a:solidFill>
+                <a:latin typeface="Poppins"/>
+                <a:ea typeface="Poppins"/>
+                <a:cs typeface="Poppins"/>
+                <a:sym typeface="Poppins"/>
+              </a:rPr>
+              <a:t>Best practices</a:t>
+            </a:r>
+          </a:p>
+          <a:p>
+            <a:pPr marL="285750" indent="-285750">
+              <a:buFont typeface="Arial" panose="020B0604020202020204" pitchFamily="34" charset="0"/>
+              <a:buChar char="•"/>
+            </a:pPr>
+            <a:r>
+              <a:rPr lang="en-US" sz="1800" dirty="0">
+                <a:solidFill>
+                  <a:srgbClr val="4E5258"/>
+                </a:solidFill>
+                <a:latin typeface="Poppins"/>
+                <a:ea typeface="Poppins"/>
+                <a:cs typeface="Poppins"/>
+                <a:sym typeface="Poppins"/>
+              </a:rPr>
+              <a:t>Migrating to </a:t>
+            </a:r>
+            <a:r>
+              <a:rPr lang="en-US" sz="1800" b="1" dirty="0">
+                <a:solidFill>
+                  <a:srgbClr val="4E5258"/>
+                </a:solidFill>
+                <a:latin typeface="Poppins"/>
+                <a:ea typeface="Poppins"/>
+                <a:cs typeface="Poppins"/>
+                <a:sym typeface="Poppins"/>
+              </a:rPr>
+              <a:t>microservices</a:t>
+            </a:r>
+            <a:endParaRPr sz="1800" b="1" dirty="0">
               <a:solidFill>
                 <a:srgbClr val="4E5258"/>
               </a:solidFill>
@@ -11538,6 +15621,402 @@
   <p:clrMapOvr>
     <a:masterClrMapping/>
   </p:clrMapOvr>
+  <p:timing>
+    <p:tnLst>
+      <p:par>
+        <p:cTn id="1" dur="indefinite" restart="never" nodeType="tmRoot">
+          <p:childTnLst>
+            <p:seq concurrent="1" nextAc="seek">
+              <p:cTn id="2" dur="indefinite" nodeType="mainSeq">
+                <p:childTnLst>
+                  <p:par>
+                    <p:cTn id="3" fill="hold">
+                      <p:stCondLst>
+                        <p:cond delay="indefinite"/>
+                      </p:stCondLst>
+                      <p:childTnLst>
+                        <p:par>
+                          <p:cTn id="4" fill="hold">
+                            <p:stCondLst>
+                              <p:cond delay="0"/>
+                            </p:stCondLst>
+                            <p:childTnLst>
+                              <p:par>
+                                <p:cTn id="5" presetID="10" presetClass="entr" presetSubtype="0" fill="hold" nodeType="clickEffect">
+                                  <p:stCondLst>
+                                    <p:cond delay="0"/>
+                                  </p:stCondLst>
+                                  <p:childTnLst>
+                                    <p:set>
+                                      <p:cBhvr>
+                                        <p:cTn id="6" dur="1" fill="hold">
+                                          <p:stCondLst>
+                                            <p:cond delay="0"/>
+                                          </p:stCondLst>
+                                        </p:cTn>
+                                        <p:tgtEl>
+                                          <p:spTgt spid="68">
+                                            <p:txEl>
+                                              <p:pRg st="0" end="0"/>
+                                            </p:txEl>
+                                          </p:spTgt>
+                                        </p:tgtEl>
+                                        <p:attrNameLst>
+                                          <p:attrName>style.visibility</p:attrName>
+                                        </p:attrNameLst>
+                                      </p:cBhvr>
+                                      <p:to>
+                                        <p:strVal val="visible"/>
+                                      </p:to>
+                                    </p:set>
+                                    <p:animEffect transition="in" filter="fade">
+                                      <p:cBhvr>
+                                        <p:cTn id="7" dur="500"/>
+                                        <p:tgtEl>
+                                          <p:spTgt spid="68">
+                                            <p:txEl>
+                                              <p:pRg st="0" end="0"/>
+                                            </p:txEl>
+                                          </p:spTgt>
+                                        </p:tgtEl>
+                                      </p:cBhvr>
+                                    </p:animEffect>
+                                  </p:childTnLst>
+                                </p:cTn>
+                              </p:par>
+                            </p:childTnLst>
+                          </p:cTn>
+                        </p:par>
+                      </p:childTnLst>
+                    </p:cTn>
+                  </p:par>
+                  <p:par>
+                    <p:cTn id="8" fill="hold">
+                      <p:stCondLst>
+                        <p:cond delay="indefinite"/>
+                      </p:stCondLst>
+                      <p:childTnLst>
+                        <p:par>
+                          <p:cTn id="9" fill="hold">
+                            <p:stCondLst>
+                              <p:cond delay="0"/>
+                            </p:stCondLst>
+                            <p:childTnLst>
+                              <p:par>
+                                <p:cTn id="10" presetID="10" presetClass="entr" presetSubtype="0" fill="hold" nodeType="clickEffect">
+                                  <p:stCondLst>
+                                    <p:cond delay="0"/>
+                                  </p:stCondLst>
+                                  <p:childTnLst>
+                                    <p:set>
+                                      <p:cBhvr>
+                                        <p:cTn id="11" dur="1" fill="hold">
+                                          <p:stCondLst>
+                                            <p:cond delay="0"/>
+                                          </p:stCondLst>
+                                        </p:cTn>
+                                        <p:tgtEl>
+                                          <p:spTgt spid="68">
+                                            <p:txEl>
+                                              <p:pRg st="1" end="1"/>
+                                            </p:txEl>
+                                          </p:spTgt>
+                                        </p:tgtEl>
+                                        <p:attrNameLst>
+                                          <p:attrName>style.visibility</p:attrName>
+                                        </p:attrNameLst>
+                                      </p:cBhvr>
+                                      <p:to>
+                                        <p:strVal val="visible"/>
+                                      </p:to>
+                                    </p:set>
+                                    <p:animEffect transition="in" filter="fade">
+                                      <p:cBhvr>
+                                        <p:cTn id="12" dur="500"/>
+                                        <p:tgtEl>
+                                          <p:spTgt spid="68">
+                                            <p:txEl>
+                                              <p:pRg st="1" end="1"/>
+                                            </p:txEl>
+                                          </p:spTgt>
+                                        </p:tgtEl>
+                                      </p:cBhvr>
+                                    </p:animEffect>
+                                  </p:childTnLst>
+                                </p:cTn>
+                              </p:par>
+                            </p:childTnLst>
+                          </p:cTn>
+                        </p:par>
+                      </p:childTnLst>
+                    </p:cTn>
+                  </p:par>
+                  <p:par>
+                    <p:cTn id="13" fill="hold">
+                      <p:stCondLst>
+                        <p:cond delay="indefinite"/>
+                      </p:stCondLst>
+                      <p:childTnLst>
+                        <p:par>
+                          <p:cTn id="14" fill="hold">
+                            <p:stCondLst>
+                              <p:cond delay="0"/>
+                            </p:stCondLst>
+                            <p:childTnLst>
+                              <p:par>
+                                <p:cTn id="15" presetID="10" presetClass="entr" presetSubtype="0" fill="hold" nodeType="clickEffect">
+                                  <p:stCondLst>
+                                    <p:cond delay="0"/>
+                                  </p:stCondLst>
+                                  <p:childTnLst>
+                                    <p:set>
+                                      <p:cBhvr>
+                                        <p:cTn id="16" dur="1" fill="hold">
+                                          <p:stCondLst>
+                                            <p:cond delay="0"/>
+                                          </p:stCondLst>
+                                        </p:cTn>
+                                        <p:tgtEl>
+                                          <p:spTgt spid="68">
+                                            <p:txEl>
+                                              <p:pRg st="2" end="2"/>
+                                            </p:txEl>
+                                          </p:spTgt>
+                                        </p:tgtEl>
+                                        <p:attrNameLst>
+                                          <p:attrName>style.visibility</p:attrName>
+                                        </p:attrNameLst>
+                                      </p:cBhvr>
+                                      <p:to>
+                                        <p:strVal val="visible"/>
+                                      </p:to>
+                                    </p:set>
+                                    <p:animEffect transition="in" filter="fade">
+                                      <p:cBhvr>
+                                        <p:cTn id="17" dur="500"/>
+                                        <p:tgtEl>
+                                          <p:spTgt spid="68">
+                                            <p:txEl>
+                                              <p:pRg st="2" end="2"/>
+                                            </p:txEl>
+                                          </p:spTgt>
+                                        </p:tgtEl>
+                                      </p:cBhvr>
+                                    </p:animEffect>
+                                  </p:childTnLst>
+                                </p:cTn>
+                              </p:par>
+                            </p:childTnLst>
+                          </p:cTn>
+                        </p:par>
+                      </p:childTnLst>
+                    </p:cTn>
+                  </p:par>
+                  <p:par>
+                    <p:cTn id="18" fill="hold">
+                      <p:stCondLst>
+                        <p:cond delay="indefinite"/>
+                      </p:stCondLst>
+                      <p:childTnLst>
+                        <p:par>
+                          <p:cTn id="19" fill="hold">
+                            <p:stCondLst>
+                              <p:cond delay="0"/>
+                            </p:stCondLst>
+                            <p:childTnLst>
+                              <p:par>
+                                <p:cTn id="20" presetID="10" presetClass="entr" presetSubtype="0" fill="hold" nodeType="clickEffect">
+                                  <p:stCondLst>
+                                    <p:cond delay="0"/>
+                                  </p:stCondLst>
+                                  <p:childTnLst>
+                                    <p:set>
+                                      <p:cBhvr>
+                                        <p:cTn id="21" dur="1" fill="hold">
+                                          <p:stCondLst>
+                                            <p:cond delay="0"/>
+                                          </p:stCondLst>
+                                        </p:cTn>
+                                        <p:tgtEl>
+                                          <p:spTgt spid="68">
+                                            <p:txEl>
+                                              <p:pRg st="3" end="3"/>
+                                            </p:txEl>
+                                          </p:spTgt>
+                                        </p:tgtEl>
+                                        <p:attrNameLst>
+                                          <p:attrName>style.visibility</p:attrName>
+                                        </p:attrNameLst>
+                                      </p:cBhvr>
+                                      <p:to>
+                                        <p:strVal val="visible"/>
+                                      </p:to>
+                                    </p:set>
+                                    <p:animEffect transition="in" filter="fade">
+                                      <p:cBhvr>
+                                        <p:cTn id="22" dur="500"/>
+                                        <p:tgtEl>
+                                          <p:spTgt spid="68">
+                                            <p:txEl>
+                                              <p:pRg st="3" end="3"/>
+                                            </p:txEl>
+                                          </p:spTgt>
+                                        </p:tgtEl>
+                                      </p:cBhvr>
+                                    </p:animEffect>
+                                  </p:childTnLst>
+                                </p:cTn>
+                              </p:par>
+                            </p:childTnLst>
+                          </p:cTn>
+                        </p:par>
+                      </p:childTnLst>
+                    </p:cTn>
+                  </p:par>
+                  <p:par>
+                    <p:cTn id="23" fill="hold">
+                      <p:stCondLst>
+                        <p:cond delay="indefinite"/>
+                      </p:stCondLst>
+                      <p:childTnLst>
+                        <p:par>
+                          <p:cTn id="24" fill="hold">
+                            <p:stCondLst>
+                              <p:cond delay="0"/>
+                            </p:stCondLst>
+                            <p:childTnLst>
+                              <p:par>
+                                <p:cTn id="25" presetID="10" presetClass="entr" presetSubtype="0" fill="hold" nodeType="clickEffect">
+                                  <p:stCondLst>
+                                    <p:cond delay="0"/>
+                                  </p:stCondLst>
+                                  <p:childTnLst>
+                                    <p:set>
+                                      <p:cBhvr>
+                                        <p:cTn id="26" dur="1" fill="hold">
+                                          <p:stCondLst>
+                                            <p:cond delay="0"/>
+                                          </p:stCondLst>
+                                        </p:cTn>
+                                        <p:tgtEl>
+                                          <p:spTgt spid="68">
+                                            <p:txEl>
+                                              <p:pRg st="4" end="4"/>
+                                            </p:txEl>
+                                          </p:spTgt>
+                                        </p:tgtEl>
+                                        <p:attrNameLst>
+                                          <p:attrName>style.visibility</p:attrName>
+                                        </p:attrNameLst>
+                                      </p:cBhvr>
+                                      <p:to>
+                                        <p:strVal val="visible"/>
+                                      </p:to>
+                                    </p:set>
+                                    <p:animEffect transition="in" filter="fade">
+                                      <p:cBhvr>
+                                        <p:cTn id="27" dur="500"/>
+                                        <p:tgtEl>
+                                          <p:spTgt spid="68">
+                                            <p:txEl>
+                                              <p:pRg st="4" end="4"/>
+                                            </p:txEl>
+                                          </p:spTgt>
+                                        </p:tgtEl>
+                                      </p:cBhvr>
+                                    </p:animEffect>
+                                  </p:childTnLst>
+                                </p:cTn>
+                              </p:par>
+                            </p:childTnLst>
+                          </p:cTn>
+                        </p:par>
+                      </p:childTnLst>
+                    </p:cTn>
+                  </p:par>
+                  <p:par>
+                    <p:cTn id="28" fill="hold">
+                      <p:stCondLst>
+                        <p:cond delay="indefinite"/>
+                      </p:stCondLst>
+                      <p:childTnLst>
+                        <p:par>
+                          <p:cTn id="29" fill="hold">
+                            <p:stCondLst>
+                              <p:cond delay="0"/>
+                            </p:stCondLst>
+                            <p:childTnLst>
+                              <p:par>
+                                <p:cTn id="30" presetID="10" presetClass="entr" presetSubtype="0" fill="hold" nodeType="clickEffect">
+                                  <p:stCondLst>
+                                    <p:cond delay="0"/>
+                                  </p:stCondLst>
+                                  <p:childTnLst>
+                                    <p:set>
+                                      <p:cBhvr>
+                                        <p:cTn id="31" dur="1" fill="hold">
+                                          <p:stCondLst>
+                                            <p:cond delay="0"/>
+                                          </p:stCondLst>
+                                        </p:cTn>
+                                        <p:tgtEl>
+                                          <p:spTgt spid="68">
+                                            <p:txEl>
+                                              <p:pRg st="5" end="5"/>
+                                            </p:txEl>
+                                          </p:spTgt>
+                                        </p:tgtEl>
+                                        <p:attrNameLst>
+                                          <p:attrName>style.visibility</p:attrName>
+                                        </p:attrNameLst>
+                                      </p:cBhvr>
+                                      <p:to>
+                                        <p:strVal val="visible"/>
+                                      </p:to>
+                                    </p:set>
+                                    <p:animEffect transition="in" filter="fade">
+                                      <p:cBhvr>
+                                        <p:cTn id="32" dur="500"/>
+                                        <p:tgtEl>
+                                          <p:spTgt spid="68">
+                                            <p:txEl>
+                                              <p:pRg st="5" end="5"/>
+                                            </p:txEl>
+                                          </p:spTgt>
+                                        </p:tgtEl>
+                                      </p:cBhvr>
+                                    </p:animEffect>
+                                  </p:childTnLst>
+                                </p:cTn>
+                              </p:par>
+                            </p:childTnLst>
+                          </p:cTn>
+                        </p:par>
+                      </p:childTnLst>
+                    </p:cTn>
+                  </p:par>
+                </p:childTnLst>
+              </p:cTn>
+              <p:prevCondLst>
+                <p:cond evt="onPrev" delay="0">
+                  <p:tgtEl>
+                    <p:sldTgt/>
+                  </p:tgtEl>
+                </p:cond>
+              </p:prevCondLst>
+              <p:nextCondLst>
+                <p:cond evt="onNext" delay="0">
+                  <p:tgtEl>
+                    <p:sldTgt/>
+                  </p:tgtEl>
+                </p:cond>
+              </p:nextCondLst>
+            </p:seq>
+          </p:childTnLst>
+        </p:cTn>
+      </p:par>
+    </p:tnLst>
+  </p:timing>
 </p:sld>
 </file>
 
